--- a/Security/Hussien-Lectures/Lec1 Product Quality.pptx
+++ b/Security/Hussien-Lectures/Lec1 Product Quality.pptx
@@ -5,10 +5,10 @@
     <p:sldMasterId id="2147483660" r:id="rId1"/>
   </p:sldMasterIdLst>
   <p:notesMasterIdLst>
-    <p:notesMasterId r:id="rId32"/>
+    <p:notesMasterId r:id="rId29"/>
   </p:notesMasterIdLst>
   <p:handoutMasterIdLst>
-    <p:handoutMasterId r:id="rId33"/>
+    <p:handoutMasterId r:id="rId30"/>
   </p:handoutMasterIdLst>
   <p:sldIdLst>
     <p:sldId id="267" r:id="rId2"/>
@@ -20,27 +20,24 @@
     <p:sldId id="342" r:id="rId8"/>
     <p:sldId id="343" r:id="rId9"/>
     <p:sldId id="345" r:id="rId10"/>
-    <p:sldId id="429" r:id="rId11"/>
-    <p:sldId id="346" r:id="rId12"/>
-    <p:sldId id="347" r:id="rId13"/>
-    <p:sldId id="348" r:id="rId14"/>
-    <p:sldId id="426" r:id="rId15"/>
-    <p:sldId id="350" r:id="rId16"/>
-    <p:sldId id="351" r:id="rId17"/>
-    <p:sldId id="352" r:id="rId18"/>
-    <p:sldId id="427" r:id="rId19"/>
-    <p:sldId id="353" r:id="rId20"/>
-    <p:sldId id="356" r:id="rId21"/>
-    <p:sldId id="358" r:id="rId22"/>
-    <p:sldId id="423" r:id="rId23"/>
-    <p:sldId id="362" r:id="rId24"/>
-    <p:sldId id="364" r:id="rId25"/>
-    <p:sldId id="371" r:id="rId26"/>
-    <p:sldId id="372" r:id="rId27"/>
-    <p:sldId id="374" r:id="rId28"/>
-    <p:sldId id="375" r:id="rId29"/>
-    <p:sldId id="376" r:id="rId30"/>
-    <p:sldId id="269" r:id="rId31"/>
+    <p:sldId id="346" r:id="rId11"/>
+    <p:sldId id="347" r:id="rId12"/>
+    <p:sldId id="348" r:id="rId13"/>
+    <p:sldId id="426" r:id="rId14"/>
+    <p:sldId id="350" r:id="rId15"/>
+    <p:sldId id="351" r:id="rId16"/>
+    <p:sldId id="352" r:id="rId17"/>
+    <p:sldId id="353" r:id="rId18"/>
+    <p:sldId id="356" r:id="rId19"/>
+    <p:sldId id="358" r:id="rId20"/>
+    <p:sldId id="423" r:id="rId21"/>
+    <p:sldId id="362" r:id="rId22"/>
+    <p:sldId id="364" r:id="rId23"/>
+    <p:sldId id="371" r:id="rId24"/>
+    <p:sldId id="372" r:id="rId25"/>
+    <p:sldId id="374" r:id="rId26"/>
+    <p:sldId id="375" r:id="rId27"/>
+    <p:sldId id="376" r:id="rId28"/>
   </p:sldIdLst>
   <p:sldSz cx="9144000" cy="6858000" type="screen4x3"/>
   <p:notesSz cx="6858000" cy="9144000"/>
@@ -1043,7 +1040,7 @@
               <a:pPr>
                 <a:defRPr/>
               </a:pPr>
-              <a:t>14-Feb-23</a:t>
+              <a:t>4/1/23</a:t>
             </a:fld>
             <a:endParaRPr lang="en-US"/>
           </a:p>
@@ -1262,7 +1259,7 @@
               <a:pPr>
                 <a:defRPr/>
               </a:pPr>
-              <a:t>14-Feb-23</a:t>
+              <a:t>4/1/23</a:t>
             </a:fld>
             <a:endParaRPr lang="en-US"/>
           </a:p>
@@ -1781,7 +1778,7 @@
                   <a:spcPct val="0"/>
                 </a:spcAft>
               </a:pPr>
-              <a:t>13</a:t>
+              <a:t>12</a:t>
             </a:fld>
             <a:endParaRPr lang="en-US">
               <a:cs typeface="Arial" charset="0"/>
@@ -1912,7 +1909,7 @@
                   <a:spcPct val="0"/>
                 </a:spcAft>
               </a:pPr>
-              <a:t>14</a:t>
+              <a:t>13</a:t>
             </a:fld>
             <a:endParaRPr lang="en-US">
               <a:cs typeface="Arial" charset="0"/>
@@ -2582,7 +2579,7 @@
               <a:pPr>
                 <a:defRPr/>
               </a:pPr>
-              <a:t>14-Feb-23</a:t>
+              <a:t>4/1/23</a:t>
             </a:fld>
             <a:endParaRPr lang="en-US"/>
           </a:p>
@@ -2789,7 +2786,7 @@
               <a:pPr>
                 <a:defRPr/>
               </a:pPr>
-              <a:t>14-Feb-23</a:t>
+              <a:t>4/1/23</a:t>
             </a:fld>
             <a:endParaRPr lang="en-US"/>
           </a:p>
@@ -2989,7 +2986,7 @@
               <a:pPr>
                 <a:defRPr/>
               </a:pPr>
-              <a:t>14-Feb-23</a:t>
+              <a:t>4/1/23</a:t>
             </a:fld>
             <a:endParaRPr lang="en-US"/>
           </a:p>
@@ -3179,7 +3176,7 @@
               <a:pPr>
                 <a:defRPr/>
               </a:pPr>
-              <a:t>14-Feb-23</a:t>
+              <a:t>4/1/23</a:t>
             </a:fld>
             <a:endParaRPr lang="en-US"/>
           </a:p>
@@ -3593,7 +3590,7 @@
               <a:pPr>
                 <a:defRPr/>
               </a:pPr>
-              <a:t>14-Feb-23</a:t>
+              <a:t>4/1/23</a:t>
             </a:fld>
             <a:endParaRPr lang="en-US"/>
           </a:p>
@@ -3886,7 +3883,7 @@
               <a:pPr>
                 <a:defRPr/>
               </a:pPr>
-              <a:t>14-Feb-23</a:t>
+              <a:t>4/1/23</a:t>
             </a:fld>
             <a:endParaRPr lang="en-US"/>
           </a:p>
@@ -4328,7 +4325,7 @@
               <a:pPr>
                 <a:defRPr/>
               </a:pPr>
-              <a:t>14-Feb-23</a:t>
+              <a:t>4/1/23</a:t>
             </a:fld>
             <a:endParaRPr lang="en-US"/>
           </a:p>
@@ -4475,7 +4472,7 @@
               <a:pPr>
                 <a:defRPr/>
               </a:pPr>
-              <a:t>14-Feb-23</a:t>
+              <a:t>4/1/23</a:t>
             </a:fld>
             <a:endParaRPr lang="en-US"/>
           </a:p>
@@ -4594,7 +4591,7 @@
               <a:pPr>
                 <a:defRPr/>
               </a:pPr>
-              <a:t>14-Feb-23</a:t>
+              <a:t>4/1/23</a:t>
             </a:fld>
             <a:endParaRPr lang="en-US"/>
           </a:p>
@@ -4883,7 +4880,7 @@
               <a:pPr>
                 <a:defRPr/>
               </a:pPr>
-              <a:t>14-Feb-23</a:t>
+              <a:t>4/1/23</a:t>
             </a:fld>
             <a:endParaRPr lang="en-US"/>
           </a:p>
@@ -5687,7 +5684,7 @@
               <a:pPr>
                 <a:defRPr/>
               </a:pPr>
-              <a:t>14-Feb-23</a:t>
+              <a:t>4/1/23</a:t>
             </a:fld>
             <a:endParaRPr lang="en-US"/>
           </a:p>
@@ -6305,7 +6302,7 @@
               <a:pPr>
                 <a:defRPr/>
               </a:pPr>
-              <a:t>14-Feb-23</a:t>
+              <a:t>4/1/23</a:t>
             </a:fld>
             <a:endParaRPr lang="en-US"/>
           </a:p>
@@ -7437,13 +7434,282 @@
       </p:grpSpPr>
       <p:sp>
         <p:nvSpPr>
-          <p:cNvPr id="4" name="Title 3">
-            <a:extLst>
-              <a:ext uri="{FF2B5EF4-FFF2-40B4-BE49-F238E27FC236}">
-                <a16:creationId xmlns:a16="http://schemas.microsoft.com/office/drawing/2014/main" id="{89436C18-E39A-2BA3-6D9D-9B0F45DED633}"/>
-              </a:ext>
-            </a:extLst>
-          </p:cNvPr>
+          <p:cNvPr id="2" name="Content Placeholder 1"/>
+          <p:cNvSpPr>
+            <a:spLocks noGrp="1"/>
+          </p:cNvSpPr>
+          <p:nvPr>
+            <p:ph idx="1"/>
+          </p:nvPr>
+        </p:nvSpPr>
+        <p:spPr>
+          <a:xfrm>
+            <a:off x="228600" y="914400"/>
+            <a:ext cx="8915400" cy="5486400"/>
+          </a:xfrm>
+        </p:spPr>
+        <p:txBody>
+          <a:bodyPr>
+            <a:noAutofit/>
+          </a:bodyPr>
+          <a:lstStyle/>
+          <a:p>
+            <a:pPr marL="365760" indent="-256032" fontAlgn="auto">
+              <a:spcAft>
+                <a:spcPts val="0"/>
+              </a:spcAft>
+              <a:buFont typeface="Wingdings 3"/>
+              <a:buChar char=""/>
+              <a:defRPr/>
+            </a:pPr>
+            <a:r>
+              <a:rPr lang="en-US" sz="2400" b="1" dirty="0"/>
+              <a:t>The primary SQFs </a:t>
+            </a:r>
+            <a:r>
+              <a:rPr lang="en-US" sz="2400" dirty="0"/>
+              <a:t>are </a:t>
+            </a:r>
+            <a:r>
+              <a:rPr lang="en-US" sz="2400" dirty="0">
+                <a:solidFill>
+                  <a:srgbClr val="FF0000"/>
+                </a:solidFill>
+              </a:rPr>
+              <a:t>correctness, integrity, maintainability and usability</a:t>
+            </a:r>
+            <a:r>
+              <a:rPr lang="en-US" sz="2000" dirty="0"/>
+              <a:t>.</a:t>
+            </a:r>
+          </a:p>
+          <a:p>
+            <a:pPr marL="365760" indent="-256032" fontAlgn="auto">
+              <a:spcAft>
+                <a:spcPts val="0"/>
+              </a:spcAft>
+              <a:buFont typeface="Wingdings 3"/>
+              <a:buChar char=""/>
+              <a:defRPr/>
+            </a:pPr>
+            <a:r>
+              <a:rPr lang="en-US" sz="2400" b="1" u="sng" dirty="0">
+                <a:solidFill>
+                  <a:srgbClr val="FF0000"/>
+                </a:solidFill>
+              </a:rPr>
+              <a:t>How to measure the primary SQFs?</a:t>
+            </a:r>
+          </a:p>
+          <a:p>
+            <a:pPr marL="109728" indent="0" fontAlgn="auto">
+              <a:spcAft>
+                <a:spcPts val="0"/>
+              </a:spcAft>
+              <a:buNone/>
+              <a:defRPr/>
+            </a:pPr>
+            <a:r>
+              <a:rPr lang="en-US" sz="2400" dirty="0"/>
+              <a:t>1. Measure for </a:t>
+            </a:r>
+            <a:r>
+              <a:rPr lang="en-US" sz="2400" b="1" dirty="0">
+                <a:solidFill>
+                  <a:srgbClr val="FF0000"/>
+                </a:solidFill>
+              </a:rPr>
+              <a:t>correctness</a:t>
+            </a:r>
+            <a:r>
+              <a:rPr lang="en-US" sz="2400" dirty="0"/>
+              <a:t> is </a:t>
+            </a:r>
+            <a:r>
+              <a:rPr lang="en-US" sz="2400" b="1" dirty="0">
+                <a:solidFill>
+                  <a:srgbClr val="FF0000"/>
+                </a:solidFill>
+              </a:rPr>
+              <a:t>defects per thousand lines of code </a:t>
+            </a:r>
+            <a:r>
+              <a:rPr lang="en-US" sz="2400" dirty="0"/>
+              <a:t>(</a:t>
+            </a:r>
+            <a:r>
+              <a:rPr lang="en-US" sz="2400" b="1" dirty="0">
+                <a:solidFill>
+                  <a:srgbClr val="FF0000"/>
+                </a:solidFill>
+              </a:rPr>
+              <a:t>defects per KLOC</a:t>
+            </a:r>
+            <a:r>
+              <a:rPr lang="en-US" sz="2400" dirty="0"/>
+              <a:t>), </a:t>
+            </a:r>
+          </a:p>
+          <a:p>
+            <a:pPr marL="621792" lvl="1" fontAlgn="auto">
+              <a:spcBef>
+                <a:spcPts val="324"/>
+              </a:spcBef>
+              <a:spcAft>
+                <a:spcPts val="0"/>
+              </a:spcAft>
+              <a:buFont typeface="Verdana"/>
+              <a:buChar char="◦"/>
+              <a:defRPr/>
+            </a:pPr>
+            <a:r>
+              <a:rPr lang="en-US" sz="2000" dirty="0"/>
+              <a:t>A </a:t>
+            </a:r>
+            <a:r>
+              <a:rPr lang="en-US" sz="2000" dirty="0">
+                <a:solidFill>
+                  <a:srgbClr val="FF0000"/>
+                </a:solidFill>
+              </a:rPr>
+              <a:t>defect</a:t>
+            </a:r>
+            <a:r>
+              <a:rPr lang="en-US" sz="2000" dirty="0"/>
+              <a:t> is a verified lack of conformance to requirements.</a:t>
+            </a:r>
+          </a:p>
+          <a:p>
+            <a:pPr marL="109728" indent="0" fontAlgn="auto">
+              <a:spcAft>
+                <a:spcPts val="0"/>
+              </a:spcAft>
+              <a:buNone/>
+              <a:defRPr/>
+            </a:pPr>
+            <a:r>
+              <a:rPr lang="en-US" sz="2400" dirty="0"/>
+              <a:t>2. Measure for </a:t>
+            </a:r>
+            <a:r>
+              <a:rPr lang="en-US" sz="2400" b="1" dirty="0">
+                <a:solidFill>
+                  <a:srgbClr val="FF0000"/>
+                </a:solidFill>
+              </a:rPr>
+              <a:t>maintainability</a:t>
+            </a:r>
+            <a:r>
+              <a:rPr lang="en-US" sz="2400" dirty="0"/>
+              <a:t> is </a:t>
+            </a:r>
+            <a:r>
+              <a:rPr lang="en-US" sz="2400" b="1" dirty="0">
+                <a:solidFill>
+                  <a:srgbClr val="FF0000"/>
+                </a:solidFill>
+              </a:rPr>
+              <a:t>mean time to change </a:t>
+            </a:r>
+            <a:r>
+              <a:rPr lang="en-US" sz="2400" b="1" dirty="0"/>
+              <a:t>(</a:t>
+            </a:r>
+            <a:r>
+              <a:rPr lang="en-US" sz="2400" b="1" dirty="0">
+                <a:solidFill>
+                  <a:srgbClr val="FF0000"/>
+                </a:solidFill>
+              </a:rPr>
+              <a:t>MTTC</a:t>
+            </a:r>
+            <a:r>
+              <a:rPr lang="en-US" sz="2400" b="1" dirty="0"/>
+              <a:t>)</a:t>
+            </a:r>
+            <a:r>
+              <a:rPr lang="en-US" sz="2400" dirty="0"/>
+              <a:t>,</a:t>
+            </a:r>
+          </a:p>
+          <a:p>
+            <a:pPr marL="621792" lvl="1" fontAlgn="auto">
+              <a:spcBef>
+                <a:spcPts val="324"/>
+              </a:spcBef>
+              <a:spcAft>
+                <a:spcPts val="0"/>
+              </a:spcAft>
+              <a:buFont typeface="Verdana"/>
+              <a:buChar char="◦"/>
+              <a:defRPr/>
+            </a:pPr>
+            <a:r>
+              <a:rPr lang="en-US" sz="2000" dirty="0">
+                <a:solidFill>
+                  <a:srgbClr val="FF0000"/>
+                </a:solidFill>
+              </a:rPr>
+              <a:t>MTTC</a:t>
+            </a:r>
+            <a:r>
+              <a:rPr lang="en-US" sz="2000" dirty="0"/>
+              <a:t> is the average of the times it takes to analyze a bug report, design an appropriate modification, implement the change, test it and distribute the change to all users.</a:t>
+            </a:r>
+          </a:p>
+          <a:p>
+            <a:pPr marL="621792" lvl="1" fontAlgn="auto">
+              <a:spcBef>
+                <a:spcPts val="324"/>
+              </a:spcBef>
+              <a:spcAft>
+                <a:spcPts val="0"/>
+              </a:spcAft>
+              <a:buFont typeface="Verdana"/>
+              <a:buChar char="◦"/>
+              <a:defRPr/>
+            </a:pPr>
+            <a:r>
+              <a:rPr lang="en-US" sz="2000" dirty="0">
+                <a:solidFill>
+                  <a:srgbClr val="FF0000"/>
+                </a:solidFill>
+              </a:rPr>
+              <a:t>The lower the MTTC the more maintainable the software product is.</a:t>
+            </a:r>
+            <a:endParaRPr lang="en-US" sz="1800" dirty="0">
+              <a:solidFill>
+                <a:srgbClr val="FF0000"/>
+              </a:solidFill>
+            </a:endParaRPr>
+          </a:p>
+          <a:p>
+            <a:pPr marL="509778" indent="-400050" fontAlgn="auto">
+              <a:spcAft>
+                <a:spcPts val="0"/>
+              </a:spcAft>
+              <a:buFont typeface="+mj-lt"/>
+              <a:buAutoNum type="alphaLcPeriod" startAt="2"/>
+              <a:defRPr/>
+            </a:pPr>
+            <a:endParaRPr lang="en-US" sz="2000" dirty="0"/>
+          </a:p>
+          <a:p>
+            <a:pPr marL="452628" indent="-342900" fontAlgn="auto">
+              <a:spcAft>
+                <a:spcPts val="0"/>
+              </a:spcAft>
+              <a:buFont typeface="+mj-lt"/>
+              <a:buAutoNum type="alphaLcPeriod" startAt="2"/>
+              <a:defRPr/>
+            </a:pPr>
+            <a:endParaRPr lang="en-US" sz="2000" dirty="0"/>
+          </a:p>
+        </p:txBody>
+      </p:sp>
+      <p:sp>
+        <p:nvSpPr>
+          <p:cNvPr id="3" name="Title 2"/>
           <p:cNvSpPr>
             <a:spLocks noGrp="1"/>
           </p:cNvSpPr>
@@ -7453,31 +7719,133 @@
         </p:nvSpPr>
         <p:spPr>
           <a:xfrm>
-            <a:off x="533400" y="1981200"/>
-            <a:ext cx="8229600" cy="1143000"/>
+            <a:off x="228600" y="304800"/>
+            <a:ext cx="8915400" cy="609600"/>
           </a:xfrm>
         </p:spPr>
         <p:txBody>
           <a:bodyPr>
-            <a:normAutofit fontScale="90000"/>
+            <a:noAutofit/>
           </a:bodyPr>
           <a:lstStyle/>
           <a:p>
-            <a:pPr algn="ctr"/>
-            <a:r>
-              <a:rPr lang="en-US" sz="4400" dirty="0"/>
-              <a:t>Measuring Software quality factors</a:t>
-            </a:r>
-            <a:endParaRPr lang="en-US" dirty="0"/>
+            <a:pPr fontAlgn="auto">
+              <a:spcAft>
+                <a:spcPts val="0"/>
+              </a:spcAft>
+              <a:defRPr/>
+            </a:pPr>
+            <a:r>
+              <a:rPr lang="en-US" sz="4000" dirty="0"/>
+              <a:t>Primary software quality factors</a:t>
+            </a:r>
+          </a:p>
+        </p:txBody>
+      </p:sp>
+      <p:sp>
+        <p:nvSpPr>
+          <p:cNvPr id="5" name="Slide Number Placeholder 4"/>
+          <p:cNvSpPr txBox="1">
+            <a:spLocks/>
+          </p:cNvSpPr>
+          <p:nvPr/>
+        </p:nvSpPr>
+        <p:spPr>
+          <a:xfrm>
+            <a:off x="8153400" y="6477000"/>
+            <a:ext cx="758825" cy="247650"/>
+          </a:xfrm>
+          <a:prstGeom prst="rect">
+            <a:avLst/>
+          </a:prstGeom>
+        </p:spPr>
+        <p:txBody>
+          <a:bodyPr/>
+          <a:lstStyle/>
+          <a:p>
+            <a:pPr algn="r" fontAlgn="auto">
+              <a:spcBef>
+                <a:spcPts val="0"/>
+              </a:spcBef>
+              <a:spcAft>
+                <a:spcPts val="0"/>
+              </a:spcAft>
+              <a:defRPr/>
+            </a:pPr>
+            <a:fld id="{45DCBA9F-4F60-40FD-9B08-C568DFCD818F}" type="slidenum">
+              <a:rPr lang="en-US" sz="1600">
+                <a:solidFill>
+                  <a:schemeClr val="bg2">
+                    <a:lumMod val="10000"/>
+                  </a:schemeClr>
+                </a:solidFill>
+                <a:latin typeface="+mn-lt"/>
+                <a:cs typeface="+mn-cs"/>
+              </a:rPr>
+              <a:pPr algn="r" fontAlgn="auto">
+                <a:spcBef>
+                  <a:spcPts val="0"/>
+                </a:spcBef>
+                <a:spcAft>
+                  <a:spcPts val="0"/>
+                </a:spcAft>
+                <a:defRPr/>
+              </a:pPr>
+              <a:t>10</a:t>
+            </a:fld>
+            <a:endParaRPr lang="en-US" sz="1600" dirty="0">
+              <a:solidFill>
+                <a:schemeClr val="bg2">
+                  <a:lumMod val="10000"/>
+                </a:schemeClr>
+              </a:solidFill>
+              <a:latin typeface="+mn-lt"/>
+              <a:cs typeface="+mn-cs"/>
+            </a:endParaRPr>
+          </a:p>
+        </p:txBody>
+      </p:sp>
+      <p:sp>
+        <p:nvSpPr>
+          <p:cNvPr id="24580" name="Date Placeholder 3"/>
+          <p:cNvSpPr txBox="1">
+            <a:spLocks/>
+          </p:cNvSpPr>
+          <p:nvPr/>
+        </p:nvSpPr>
+        <p:spPr bwMode="auto">
+          <a:xfrm>
+            <a:off x="152400" y="6457950"/>
+            <a:ext cx="2514600" cy="288925"/>
+          </a:xfrm>
+          <a:prstGeom prst="rect">
+            <a:avLst/>
+          </a:prstGeom>
+          <a:noFill/>
+          <a:ln w="9525">
+            <a:noFill/>
+            <a:miter lim="800000"/>
+            <a:headEnd/>
+            <a:tailEnd/>
+          </a:ln>
+        </p:spPr>
+        <p:txBody>
+          <a:bodyPr/>
+          <a:lstStyle/>
+          <a:p>
+            <a:r>
+              <a:rPr lang="en-US" sz="1600">
+                <a:solidFill>
+                  <a:srgbClr val="FFC000"/>
+                </a:solidFill>
+                <a:latin typeface="Book Antiqua" pitchFamily="18" charset="0"/>
+              </a:rPr>
+              <a:t>Dr. Hussien M. Sharaf</a:t>
+            </a:r>
           </a:p>
         </p:txBody>
       </p:sp>
     </p:spTree>
-    <p:extLst>
-      <p:ext uri="{BB962C8B-B14F-4D97-AF65-F5344CB8AC3E}">
-        <p14:creationId xmlns:p14="http://schemas.microsoft.com/office/powerpoint/2010/main" val="392802600"/>
-      </p:ext>
-    </p:extLst>
   </p:cSld>
   <p:clrMapOvr>
     <a:masterClrMapping/>
@@ -7514,7 +7882,7 @@
         </p:nvSpPr>
         <p:spPr>
           <a:xfrm>
-            <a:off x="228600" y="914400"/>
+            <a:off x="228600" y="609600"/>
             <a:ext cx="8915400" cy="5486400"/>
           </a:xfrm>
         </p:spPr>
@@ -7524,54 +7892,6 @@
           </a:bodyPr>
           <a:lstStyle/>
           <a:p>
-            <a:pPr marL="365760" indent="-256032" fontAlgn="auto">
-              <a:spcAft>
-                <a:spcPts val="0"/>
-              </a:spcAft>
-              <a:buFont typeface="Wingdings 3"/>
-              <a:buChar char=""/>
-              <a:defRPr/>
-            </a:pPr>
-            <a:r>
-              <a:rPr lang="en-US" sz="2400" b="1" dirty="0"/>
-              <a:t>The primary SQFs </a:t>
-            </a:r>
-            <a:r>
-              <a:rPr lang="en-US" sz="2400" dirty="0"/>
-              <a:t>are </a:t>
-            </a:r>
-            <a:r>
-              <a:rPr lang="en-US" sz="2400" dirty="0">
-                <a:solidFill>
-                  <a:srgbClr val="FF0000"/>
-                </a:solidFill>
-              </a:rPr>
-              <a:t>correctness, integrity, maintainability and usability</a:t>
-            </a:r>
-            <a:r>
-              <a:rPr lang="en-US" sz="2000" dirty="0"/>
-              <a:t>.</a:t>
-            </a:r>
-          </a:p>
-          <a:p>
-            <a:pPr marL="365760" indent="-256032" fontAlgn="auto">
-              <a:spcAft>
-                <a:spcPts val="0"/>
-              </a:spcAft>
-              <a:buFont typeface="Wingdings 3"/>
-              <a:buChar char=""/>
-              <a:defRPr/>
-            </a:pPr>
-            <a:r>
-              <a:rPr lang="en-US" sz="2400" b="1" u="sng" dirty="0">
-                <a:solidFill>
-                  <a:srgbClr val="FF0000"/>
-                </a:solidFill>
-              </a:rPr>
-              <a:t>How to measure the primary SQFs?</a:t>
-            </a:r>
-          </a:p>
-          <a:p>
             <a:pPr marL="109728" indent="0" fontAlgn="auto">
               <a:spcAft>
                 <a:spcPts val="0"/>
@@ -7581,7 +7901,7 @@
             </a:pPr>
             <a:r>
               <a:rPr lang="en-US" sz="2400" dirty="0"/>
-              <a:t>1. Measure for </a:t>
+              <a:t>3. Measure for </a:t>
             </a:r>
             <a:r>
               <a:rPr lang="en-US" sz="2400" b="1" dirty="0">
@@ -7589,11 +7909,19 @@
                   <a:srgbClr val="FF0000"/>
                 </a:solidFill>
               </a:rPr>
-              <a:t>correctness</a:t>
-            </a:r>
-            <a:r>
-              <a:rPr lang="en-US" sz="2400" dirty="0"/>
-              <a:t> is </a:t>
+              <a:t>Integrity</a:t>
+            </a:r>
+            <a:r>
+              <a:rPr lang="en-US" sz="2400" b="1" dirty="0"/>
+              <a:t> is considering the </a:t>
+            </a:r>
+            <a:r>
+              <a:rPr lang="en-US" sz="2400" b="1" dirty="0" err="1"/>
+              <a:t>propability</a:t>
+            </a:r>
+            <a:r>
+              <a:rPr lang="en-US" sz="2400" b="1" dirty="0"/>
+              <a:t> of ‘</a:t>
             </a:r>
             <a:r>
               <a:rPr lang="en-US" sz="2400" b="1" dirty="0">
@@ -7601,11 +7929,15 @@
                   <a:srgbClr val="FF0000"/>
                 </a:solidFill>
               </a:rPr>
-              <a:t>defects per thousand lines of code </a:t>
+              <a:t>attacks</a:t>
+            </a:r>
+            <a:r>
+              <a:rPr lang="en-US" sz="2400" b="1" dirty="0"/>
+              <a:t>’ on a product.</a:t>
             </a:r>
             <a:r>
               <a:rPr lang="en-US" sz="2400" dirty="0"/>
-              <a:t>(</a:t>
+              <a:t> </a:t>
             </a:r>
             <a:r>
               <a:rPr lang="en-US" sz="2400" b="1" dirty="0">
@@ -7613,11 +7945,11 @@
                   <a:srgbClr val="FF0000"/>
                 </a:solidFill>
               </a:rPr>
-              <a:t>defects per KLOC</a:t>
+              <a:t>Some examples of attacks are</a:t>
             </a:r>
             <a:r>
               <a:rPr lang="en-US" sz="2400" dirty="0"/>
-              <a:t>), </a:t>
+              <a:t>:</a:t>
             </a:r>
           </a:p>
           <a:p>
@@ -7633,73 +7965,70 @@
               <a:defRPr/>
             </a:pPr>
             <a:r>
-              <a:rPr lang="en-US" sz="2000" dirty="0"/>
-              <a:t>A </a:t>
-            </a:r>
-            <a:r>
-              <a:rPr lang="en-US" sz="2000" dirty="0">
-                <a:solidFill>
-                  <a:srgbClr val="FF0000"/>
-                </a:solidFill>
-              </a:rPr>
-              <a:t>defect</a:t>
-            </a:r>
-            <a:r>
-              <a:rPr lang="en-US" sz="2000" dirty="0"/>
-              <a:t> is a verified lack of conformance to requirements.</a:t>
-            </a:r>
-          </a:p>
-          <a:p>
-            <a:pPr marL="109728" indent="0" fontAlgn="auto">
-              <a:spcAft>
-                <a:spcPts val="0"/>
-              </a:spcAft>
-              <a:buNone/>
-              <a:defRPr/>
-            </a:pPr>
-            <a:r>
-              <a:rPr lang="en-US" sz="2400" dirty="0"/>
-              <a:t>2. Measure for </a:t>
-            </a:r>
-            <a:r>
               <a:rPr lang="en-US" sz="2400" b="1" dirty="0">
                 <a:solidFill>
                   <a:srgbClr val="FF0000"/>
                 </a:solidFill>
               </a:rPr>
-              <a:t>maintainability</a:t>
+              <a:t>Denial of service</a:t>
             </a:r>
             <a:r>
               <a:rPr lang="en-US" sz="2400" dirty="0"/>
-              <a:t> is </a:t>
-            </a:r>
+              <a:t>, a legitimate user is prevented from accessing a service to which they are entitled;</a:t>
+            </a:r>
+          </a:p>
+          <a:p>
+            <a:pPr marL="621792" lvl="1" fontAlgn="auto">
+              <a:spcBef>
+                <a:spcPts val="324"/>
+              </a:spcBef>
+              <a:spcAft>
+                <a:spcPts val="0"/>
+              </a:spcAft>
+              <a:buFont typeface="Verdana"/>
+              <a:buChar char="◦"/>
+              <a:defRPr/>
+            </a:pPr>
             <a:r>
               <a:rPr lang="en-US" sz="2400" b="1" dirty="0">
                 <a:solidFill>
                   <a:srgbClr val="FF0000"/>
                 </a:solidFill>
               </a:rPr>
-              <a:t>mean time to change </a:t>
-            </a:r>
-            <a:r>
-              <a:rPr lang="en-US" sz="2400" b="1" dirty="0"/>
-              <a:t>(</a:t>
-            </a:r>
+              <a:t>Man in the middle and replay</a:t>
+            </a:r>
+            <a:r>
+              <a:rPr lang="en-US" sz="2400" dirty="0"/>
+              <a:t>, false communications between computers are generated;</a:t>
+            </a:r>
+          </a:p>
+          <a:p>
+            <a:pPr marL="621792" lvl="1" fontAlgn="auto">
+              <a:spcBef>
+                <a:spcPts val="324"/>
+              </a:spcBef>
+              <a:spcAft>
+                <a:spcPts val="0"/>
+              </a:spcAft>
+              <a:buFont typeface="Verdana"/>
+              <a:buChar char="◦"/>
+              <a:defRPr/>
+            </a:pPr>
             <a:r>
               <a:rPr lang="en-US" sz="2400" b="1" dirty="0">
                 <a:solidFill>
                   <a:srgbClr val="FF0000"/>
                 </a:solidFill>
               </a:rPr>
-              <a:t>MTTC</a:t>
+              <a:t>Accidental attacks</a:t>
             </a:r>
             <a:r>
               <a:rPr lang="en-US" sz="2400" b="1" dirty="0"/>
-              <a:t>)</a:t>
+              <a:t>,</a:t>
             </a:r>
             <a:r>
               <a:rPr lang="en-US" sz="2400" dirty="0"/>
-              <a:t>,</a:t>
+              <a:t> failures of the product or its users are responsible for the attack.</a:t>
             </a:r>
           </a:p>
           <a:p>
@@ -7715,43 +8044,21 @@
               <a:defRPr/>
             </a:pPr>
             <a:r>
-              <a:rPr lang="en-US" sz="2000" dirty="0">
+              <a:rPr lang="en-US" sz="2400" b="1" dirty="0">
                 <a:solidFill>
                   <a:srgbClr val="FF0000"/>
                 </a:solidFill>
               </a:rPr>
-              <a:t>MTTC</a:t>
-            </a:r>
-            <a:r>
-              <a:rPr lang="en-US" sz="2000" dirty="0"/>
-              <a:t> is the average of the times it takes to analyze a bug report, design an appropriate modification, implement the change, test it and distribute the change to all users.</a:t>
-            </a:r>
-          </a:p>
-          <a:p>
-            <a:pPr marL="621792" lvl="1" fontAlgn="auto">
-              <a:spcBef>
-                <a:spcPts val="324"/>
-              </a:spcBef>
-              <a:spcAft>
-                <a:spcPts val="0"/>
-              </a:spcAft>
-              <a:buFont typeface="Verdana"/>
-              <a:buChar char="◦"/>
-              <a:defRPr/>
-            </a:pPr>
-            <a:r>
-              <a:rPr lang="en-US" sz="2000" dirty="0">
-                <a:solidFill>
-                  <a:srgbClr val="FF0000"/>
-                </a:solidFill>
-              </a:rPr>
-              <a:t>The lower the MTTC the more maintainable the software product is.</a:t>
-            </a:r>
-            <a:endParaRPr lang="en-US" sz="1800" dirty="0">
-              <a:solidFill>
-                <a:srgbClr val="FF0000"/>
-              </a:solidFill>
-            </a:endParaRPr>
+              <a:t>Input attacks</a:t>
+            </a:r>
+            <a:r>
+              <a:rPr lang="en-US" sz="2400" b="1" dirty="0"/>
+              <a:t>,</a:t>
+            </a:r>
+            <a:r>
+              <a:rPr lang="en-US" sz="2400" dirty="0"/>
+              <a:t> where data is chosen to cause an application to function incorrectly.</a:t>
+            </a:r>
           </a:p>
           <a:p>
             <a:pPr marL="509778" indent="-400050" fontAlgn="auto">
@@ -7762,7 +8069,7 @@
               <a:buAutoNum type="alphaLcPeriod" startAt="2"/>
               <a:defRPr/>
             </a:pPr>
-            <a:endParaRPr lang="en-US" sz="2000" dirty="0"/>
+            <a:endParaRPr lang="en-US" sz="2400" dirty="0"/>
           </a:p>
           <a:p>
             <a:pPr marL="452628" indent="-342900" fontAlgn="auto">
@@ -7773,7 +8080,7 @@
               <a:buAutoNum type="alphaLcPeriod" startAt="2"/>
               <a:defRPr/>
             </a:pPr>
-            <a:endParaRPr lang="en-US" sz="2000" dirty="0"/>
+            <a:endParaRPr lang="en-US" sz="2400" dirty="0"/>
           </a:p>
         </p:txBody>
       </p:sp>
@@ -7789,7 +8096,7 @@
         </p:nvSpPr>
         <p:spPr>
           <a:xfrm>
-            <a:off x="228600" y="304800"/>
+            <a:off x="228600" y="0"/>
             <a:ext cx="8915400" cy="609600"/>
           </a:xfrm>
         </p:spPr>
@@ -7842,7 +8149,7 @@
               </a:spcAft>
               <a:defRPr/>
             </a:pPr>
-            <a:fld id="{45DCBA9F-4F60-40FD-9B08-C568DFCD818F}" type="slidenum">
+            <a:fld id="{8C1AF4D3-C6A9-4907-8675-DBC73BD6E301}" type="slidenum">
               <a:rPr lang="en-US" sz="1600">
                 <a:solidFill>
                   <a:schemeClr val="bg2">
@@ -7877,7 +8184,7 @@
       </p:sp>
       <p:sp>
         <p:nvSpPr>
-          <p:cNvPr id="24580" name="Date Placeholder 3"/>
+          <p:cNvPr id="25604" name="Date Placeholder 3"/>
           <p:cNvSpPr txBox="1">
             <a:spLocks/>
           </p:cNvSpPr>
@@ -7952,7 +8259,7 @@
         </p:nvSpPr>
         <p:spPr>
           <a:xfrm>
-            <a:off x="228600" y="609600"/>
+            <a:off x="228600" y="685800"/>
             <a:ext cx="8915400" cy="5486400"/>
           </a:xfrm>
         </p:spPr>
@@ -7962,172 +8269,333 @@
           </a:bodyPr>
           <a:lstStyle/>
           <a:p>
-            <a:pPr marL="109728" indent="0" fontAlgn="auto">
+            <a:pPr marL="365760" indent="-256032" fontAlgn="auto">
               <a:spcAft>
                 <a:spcPts val="0"/>
               </a:spcAft>
+              <a:buFont typeface="Wingdings 3"/>
               <a:buNone/>
               <a:defRPr/>
             </a:pPr>
             <a:r>
-              <a:rPr lang="en-US" sz="2400" dirty="0"/>
-              <a:t>3. Measure for </a:t>
-            </a:r>
-            <a:r>
-              <a:rPr lang="en-US" sz="2400" b="1" dirty="0">
+              <a:rPr lang="en-US" sz="2400" b="1" u="sng" dirty="0"/>
+              <a:t>For a particular type of attack: </a:t>
+            </a:r>
+          </a:p>
+          <a:p>
+            <a:pPr marL="365760" indent="-256032" fontAlgn="auto">
+              <a:spcAft>
+                <a:spcPts val="0"/>
+              </a:spcAft>
+              <a:buFont typeface="Wingdings 3"/>
+              <a:buChar char=""/>
+              <a:defRPr/>
+            </a:pPr>
+            <a:r>
+              <a:rPr lang="en-US" sz="2000" b="1" dirty="0">
                 <a:solidFill>
                   <a:srgbClr val="FF0000"/>
                 </a:solidFill>
               </a:rPr>
-              <a:t>Integrity</a:t>
-            </a:r>
-            <a:r>
-              <a:rPr lang="en-US" sz="2400" b="1" dirty="0"/>
-              <a:t> is considering the </a:t>
-            </a:r>
-            <a:r>
-              <a:rPr lang="en-US" sz="2400" b="1" dirty="0" err="1"/>
-              <a:t>propability</a:t>
-            </a:r>
-            <a:r>
-              <a:rPr lang="en-US" sz="2400" b="1" dirty="0"/>
-              <a:t> of ‘</a:t>
-            </a:r>
-            <a:r>
-              <a:rPr lang="en-US" sz="2400" b="1" dirty="0">
+              <a:t>threat</a:t>
+            </a:r>
+            <a:r>
+              <a:rPr lang="en-US" sz="2000" b="1" baseline="-25000" dirty="0">
                 <a:solidFill>
                   <a:srgbClr val="FF0000"/>
                 </a:solidFill>
               </a:rPr>
-              <a:t>attacks</a:t>
-            </a:r>
-            <a:r>
-              <a:rPr lang="en-US" sz="2400" b="1" dirty="0"/>
-              <a:t>’ on a product.</a:t>
-            </a:r>
-            <a:r>
-              <a:rPr lang="en-US" sz="2400" dirty="0"/>
-              <a:t> </a:t>
-            </a:r>
-            <a:r>
-              <a:rPr lang="en-US" sz="2400" b="1" dirty="0">
+              <a:t>attack</a:t>
+            </a:r>
+            <a:r>
+              <a:rPr lang="en-US" sz="2000" b="1" dirty="0">
                 <a:solidFill>
                   <a:srgbClr val="FF0000"/>
                 </a:solidFill>
               </a:rPr>
-              <a:t>Some examples of attacks are</a:t>
-            </a:r>
-            <a:r>
-              <a:rPr lang="en-US" sz="2400" dirty="0"/>
-              <a:t>:</a:t>
-            </a:r>
-          </a:p>
-          <a:p>
-            <a:pPr marL="621792" lvl="1" fontAlgn="auto">
-              <a:spcBef>
-                <a:spcPts val="324"/>
-              </a:spcBef>
+              <a:t> </a:t>
+            </a:r>
+            <a:r>
+              <a:rPr lang="en-US" sz="2000" dirty="0"/>
+              <a:t>is defined as the likelihood that an attack of this type will occur within a given time, and </a:t>
+            </a:r>
+          </a:p>
+          <a:p>
+            <a:pPr marL="365760" indent="-256032" fontAlgn="auto">
               <a:spcAft>
                 <a:spcPts val="0"/>
               </a:spcAft>
-              <a:buFont typeface="Verdana"/>
-              <a:buChar char="◦"/>
-              <a:defRPr/>
-            </a:pPr>
-            <a:r>
-              <a:rPr lang="en-US" sz="2400" b="1" dirty="0">
+              <a:buFont typeface="Wingdings 3"/>
+              <a:buChar char=""/>
+              <a:defRPr/>
+            </a:pPr>
+            <a:r>
+              <a:rPr lang="en-US" sz="2000" b="1" dirty="0" err="1">
                 <a:solidFill>
                   <a:srgbClr val="FF0000"/>
                 </a:solidFill>
               </a:rPr>
-              <a:t>Denial of service</a:t>
-            </a:r>
-            <a:r>
-              <a:rPr lang="en-US" sz="2400" dirty="0"/>
-              <a:t>, a legitimate user is prevented from accessing a service to which they are entitled;</a:t>
-            </a:r>
-          </a:p>
-          <a:p>
-            <a:pPr marL="621792" lvl="1" fontAlgn="auto">
-              <a:spcBef>
-                <a:spcPts val="324"/>
-              </a:spcBef>
-              <a:spcAft>
-                <a:spcPts val="0"/>
-              </a:spcAft>
-              <a:buFont typeface="Verdana"/>
-              <a:buChar char="◦"/>
-              <a:defRPr/>
-            </a:pPr>
-            <a:r>
-              <a:rPr lang="en-US" sz="2400" b="1" dirty="0">
+              <a:t>security</a:t>
+            </a:r>
+            <a:r>
+              <a:rPr lang="en-US" sz="2000" b="1" baseline="-25000" dirty="0" err="1">
                 <a:solidFill>
                   <a:srgbClr val="FF0000"/>
                 </a:solidFill>
               </a:rPr>
-              <a:t>Man in the middle and replay</a:t>
-            </a:r>
-            <a:r>
-              <a:rPr lang="en-US" sz="2400" dirty="0"/>
-              <a:t>, false communications between computers are generated;</a:t>
-            </a:r>
-          </a:p>
-          <a:p>
-            <a:pPr marL="621792" lvl="1" fontAlgn="auto">
-              <a:spcBef>
-                <a:spcPts val="324"/>
-              </a:spcBef>
+              <a:t>attack</a:t>
+            </a:r>
+            <a:r>
+              <a:rPr lang="en-US" sz="2000" dirty="0"/>
+              <a:t> is defined as the likelihood that an attack of this type will be repelled. </a:t>
+            </a:r>
+          </a:p>
+          <a:p>
+            <a:pPr marL="365760" indent="-256032" fontAlgn="auto">
               <a:spcAft>
                 <a:spcPts val="0"/>
               </a:spcAft>
-              <a:buFont typeface="Verdana"/>
-              <a:buChar char="◦"/>
-              <a:defRPr/>
-            </a:pPr>
-            <a:r>
-              <a:rPr lang="en-US" sz="2400" b="1" dirty="0">
+              <a:buFont typeface="Wingdings 3"/>
+              <a:buChar char=""/>
+              <a:defRPr/>
+            </a:pPr>
+            <a:r>
+              <a:rPr lang="en-US" sz="2000" dirty="0"/>
+              <a:t>threat</a:t>
+            </a:r>
+            <a:r>
+              <a:rPr lang="en-US" sz="2000" baseline="-25000" dirty="0"/>
+              <a:t>attack</a:t>
+            </a:r>
+            <a:r>
+              <a:rPr lang="en-US" sz="2000" dirty="0"/>
+              <a:t> and </a:t>
+            </a:r>
+            <a:r>
+              <a:rPr lang="en-US" sz="2000" dirty="0" err="1"/>
+              <a:t>security</a:t>
+            </a:r>
+            <a:r>
+              <a:rPr lang="en-US" sz="2000" baseline="-25000" dirty="0" err="1"/>
+              <a:t>attack</a:t>
+            </a:r>
+            <a:r>
+              <a:rPr lang="en-US" sz="2000" dirty="0"/>
+              <a:t> can be given values between 0 and 1, which can be calculated from historical data, such as that contained in a log file. </a:t>
+            </a:r>
+          </a:p>
+          <a:p>
+            <a:pPr marL="365760" indent="-256032" fontAlgn="auto">
+              <a:spcAft>
+                <a:spcPts val="0"/>
+              </a:spcAft>
+              <a:buFont typeface="Wingdings 3"/>
+              <a:buChar char=""/>
+              <a:defRPr/>
+            </a:pPr>
+            <a:r>
+              <a:rPr lang="en-US" sz="2000" b="1" dirty="0"/>
+              <a:t>The integrity against attacks of this type, </a:t>
+            </a:r>
+            <a:r>
+              <a:rPr lang="en-US" sz="2000" b="1" dirty="0" err="1">
                 <a:solidFill>
                   <a:srgbClr val="FF0000"/>
                 </a:solidFill>
               </a:rPr>
-              <a:t>Accidental attacks</a:t>
-            </a:r>
-            <a:r>
-              <a:rPr lang="en-US" sz="2400" b="1" dirty="0"/>
-              <a:t>,</a:t>
-            </a:r>
-            <a:r>
-              <a:rPr lang="en-US" sz="2400" dirty="0"/>
-              <a:t> failures of the product or its users are responsible for the attack.</a:t>
-            </a:r>
-          </a:p>
-          <a:p>
-            <a:pPr marL="621792" lvl="1" fontAlgn="auto">
-              <a:spcBef>
-                <a:spcPts val="324"/>
-              </a:spcBef>
-              <a:spcAft>
-                <a:spcPts val="0"/>
-              </a:spcAft>
-              <a:buFont typeface="Verdana"/>
-              <a:buChar char="◦"/>
-              <a:defRPr/>
-            </a:pPr>
-            <a:r>
-              <a:rPr lang="en-US" sz="2400" b="1" dirty="0">
+              <a:t>integrity</a:t>
+            </a:r>
+            <a:r>
+              <a:rPr lang="en-US" sz="2000" b="1" baseline="-25000" dirty="0" err="1">
                 <a:solidFill>
                   <a:srgbClr val="FF0000"/>
                 </a:solidFill>
               </a:rPr>
-              <a:t>Input attacks</a:t>
+              <a:t>attack</a:t>
+            </a:r>
+            <a:r>
+              <a:rPr lang="en-US" sz="2000" b="1" dirty="0"/>
+              <a:t>, is defined to be:</a:t>
+            </a:r>
+          </a:p>
+          <a:p>
+            <a:pPr marL="365760" indent="-256032" fontAlgn="auto">
+              <a:spcAft>
+                <a:spcPts val="0"/>
+              </a:spcAft>
+              <a:buFont typeface="Wingdings 3"/>
+              <a:buNone/>
+              <a:defRPr/>
+            </a:pPr>
+            <a:r>
+              <a:rPr lang="en-US" sz="2000" dirty="0"/>
+              <a:t>		</a:t>
+            </a:r>
+            <a:r>
+              <a:rPr lang="en-US" sz="2400" b="1" dirty="0" err="1"/>
+              <a:t>integrity</a:t>
+            </a:r>
+            <a:r>
+              <a:rPr lang="en-US" sz="2400" b="1" baseline="-25000" dirty="0" err="1"/>
+              <a:t>attack</a:t>
             </a:r>
             <a:r>
               <a:rPr lang="en-US" sz="2400" b="1" dirty="0"/>
-              <a:t>,</a:t>
-            </a:r>
-            <a:r>
-              <a:rPr lang="en-US" sz="2400" dirty="0"/>
-              <a:t> where data is chosen to cause an application to function incorrectly.</a:t>
+              <a:t> = 1 - threat</a:t>
+            </a:r>
+            <a:r>
+              <a:rPr lang="en-US" sz="2400" b="1" baseline="-25000" dirty="0"/>
+              <a:t>attack </a:t>
+            </a:r>
+            <a:r>
+              <a:rPr lang="en-US" sz="2400" b="1" dirty="0"/>
+              <a:t>(1 - </a:t>
+            </a:r>
+            <a:r>
+              <a:rPr lang="en-US" sz="2400" b="1" dirty="0" err="1"/>
+              <a:t>security</a:t>
+            </a:r>
+            <a:r>
+              <a:rPr lang="en-US" sz="2400" b="1" baseline="-25000" dirty="0" err="1"/>
+              <a:t>attack</a:t>
+            </a:r>
+            <a:r>
+              <a:rPr lang="en-US" sz="2400" b="1" dirty="0"/>
+              <a:t>)</a:t>
+            </a:r>
+            <a:endParaRPr lang="en-US" sz="2000" dirty="0"/>
+          </a:p>
+          <a:p>
+            <a:pPr marL="365760" indent="-256032" fontAlgn="auto">
+              <a:spcAft>
+                <a:spcPts val="0"/>
+              </a:spcAft>
+              <a:buFont typeface="Wingdings 3"/>
+              <a:buChar char=""/>
+              <a:defRPr/>
+            </a:pPr>
+            <a:r>
+              <a:rPr lang="en-US" sz="2000" b="1" dirty="0"/>
+              <a:t>The </a:t>
+            </a:r>
+            <a:r>
+              <a:rPr lang="en-US" sz="2000" b="1" dirty="0">
+                <a:solidFill>
+                  <a:srgbClr val="FF0000"/>
+                </a:solidFill>
+              </a:rPr>
+              <a:t>integrity</a:t>
+            </a:r>
+            <a:r>
+              <a:rPr lang="en-US" sz="2000" b="1" dirty="0"/>
+              <a:t> </a:t>
+            </a:r>
+            <a:r>
+              <a:rPr lang="en-US" sz="2000" b="1" dirty="0">
+                <a:solidFill>
+                  <a:srgbClr val="FF0000"/>
+                </a:solidFill>
+              </a:rPr>
+              <a:t>of the software product </a:t>
+            </a:r>
+            <a:r>
+              <a:rPr lang="en-US" sz="2000" b="1" dirty="0"/>
+              <a:t>is defined to be the sum, over all attack types, of </a:t>
+            </a:r>
+            <a:r>
+              <a:rPr lang="en-US" sz="2000" b="1" dirty="0" err="1"/>
+              <a:t>integrity</a:t>
+            </a:r>
+            <a:r>
+              <a:rPr lang="en-US" sz="2000" b="1" baseline="-25000" dirty="0" err="1"/>
+              <a:t>attack</a:t>
+            </a:r>
+            <a:r>
+              <a:rPr lang="en-US" sz="2000" b="1" dirty="0"/>
+              <a:t>:</a:t>
+            </a:r>
+            <a:endParaRPr lang="en-US" sz="2000" dirty="0"/>
+          </a:p>
+          <a:p>
+            <a:pPr marL="365760" indent="-256032" fontAlgn="auto">
+              <a:spcAft>
+                <a:spcPts val="0"/>
+              </a:spcAft>
+              <a:buFont typeface="Wingdings 3"/>
+              <a:buNone/>
+              <a:defRPr/>
+            </a:pPr>
+            <a:r>
+              <a:rPr lang="en-US" sz="2000" b="1" dirty="0"/>
+              <a:t>		</a:t>
+            </a:r>
+            <a:r>
+              <a:rPr lang="en-US" sz="2400" b="1" dirty="0"/>
+              <a:t>integrity = ∑</a:t>
+            </a:r>
+            <a:r>
+              <a:rPr lang="en-US" sz="2400" b="1" baseline="-25000" dirty="0"/>
+              <a:t>attack</a:t>
+            </a:r>
+            <a:r>
+              <a:rPr lang="en-US" sz="2400" b="1" dirty="0"/>
+              <a:t> </a:t>
+            </a:r>
+            <a:r>
+              <a:rPr lang="en-US" sz="2400" b="1" dirty="0" err="1"/>
+              <a:t>integrity</a:t>
+            </a:r>
+            <a:r>
+              <a:rPr lang="en-US" sz="2400" b="1" baseline="-25000" dirty="0" err="1"/>
+              <a:t>attack</a:t>
+            </a:r>
+            <a:r>
+              <a:rPr lang="en-US" sz="2000" dirty="0"/>
+              <a:t> </a:t>
+            </a:r>
+          </a:p>
+          <a:p>
+            <a:pPr marL="365760" indent="-256032" fontAlgn="auto">
+              <a:spcAft>
+                <a:spcPts val="0"/>
+              </a:spcAft>
+              <a:buFont typeface="Wingdings 3"/>
+              <a:buChar char=""/>
+              <a:defRPr/>
+            </a:pPr>
+            <a:r>
+              <a:rPr lang="en-US" sz="2000" b="1" dirty="0"/>
+              <a:t>If there are n different types of attack, then integrity will be a value between 0 and n; </a:t>
+            </a:r>
+            <a:r>
+              <a:rPr lang="en-US" sz="2000" b="1" dirty="0">
+                <a:solidFill>
+                  <a:srgbClr val="FF0000"/>
+                </a:solidFill>
+              </a:rPr>
+              <a:t>the higher the value, the better the integrity</a:t>
+            </a:r>
+            <a:r>
+              <a:rPr lang="en-US" sz="2000" b="1" dirty="0"/>
+              <a:t>.</a:t>
+            </a:r>
+          </a:p>
+          <a:p>
+            <a:pPr marL="365760" indent="-256032" fontAlgn="auto">
+              <a:spcAft>
+                <a:spcPts val="0"/>
+              </a:spcAft>
+              <a:buFont typeface="Wingdings 3"/>
+              <a:buChar char=""/>
+              <a:defRPr/>
+            </a:pPr>
+            <a:r>
+              <a:rPr lang="en-US" sz="2000" b="1" dirty="0"/>
+              <a:t>Note that </a:t>
+            </a:r>
+            <a:r>
+              <a:rPr lang="en-US" sz="2000" dirty="0"/>
+              <a:t>for software  connected to the Internet,  the probability of many 	attacks is 1.  </a:t>
             </a:r>
           </a:p>
           <a:p>
@@ -8139,7 +8607,7 @@
               <a:buAutoNum type="alphaLcPeriod" startAt="2"/>
               <a:defRPr/>
             </a:pPr>
-            <a:endParaRPr lang="en-US" sz="2400" dirty="0"/>
+            <a:endParaRPr lang="en-US" sz="2000" dirty="0"/>
           </a:p>
           <a:p>
             <a:pPr marL="452628" indent="-342900" fontAlgn="auto">
@@ -8150,7 +8618,7 @@
               <a:buAutoNum type="alphaLcPeriod" startAt="2"/>
               <a:defRPr/>
             </a:pPr>
-            <a:endParaRPr lang="en-US" sz="2400" dirty="0"/>
+            <a:endParaRPr lang="en-US" sz="2000" dirty="0"/>
           </a:p>
         </p:txBody>
       </p:sp>
@@ -8166,7 +8634,7 @@
         </p:nvSpPr>
         <p:spPr>
           <a:xfrm>
-            <a:off x="228600" y="0"/>
+            <a:off x="228600" y="76200"/>
             <a:ext cx="8915400" cy="609600"/>
           </a:xfrm>
         </p:spPr>
@@ -8219,7 +8687,7 @@
               </a:spcAft>
               <a:defRPr/>
             </a:pPr>
-            <a:fld id="{8C1AF4D3-C6A9-4907-8675-DBC73BD6E301}" type="slidenum">
+            <a:fld id="{F04B9935-71F5-48E0-9F6A-13618662242E}" type="slidenum">
               <a:rPr lang="en-US" sz="1600">
                 <a:solidFill>
                   <a:schemeClr val="bg2">
@@ -8254,7 +8722,7 @@
       </p:sp>
       <p:sp>
         <p:nvSpPr>
-          <p:cNvPr id="25604" name="Date Placeholder 3"/>
+          <p:cNvPr id="26628" name="Date Placeholder 3"/>
           <p:cNvSpPr txBox="1">
             <a:spLocks/>
           </p:cNvSpPr>
@@ -8329,8 +8797,8 @@
         </p:nvSpPr>
         <p:spPr>
           <a:xfrm>
-            <a:off x="228600" y="685800"/>
-            <a:ext cx="8915400" cy="5486400"/>
+            <a:off x="244366" y="533400"/>
+            <a:ext cx="8915400" cy="1828800"/>
           </a:xfrm>
         </p:spPr>
         <p:txBody>
@@ -8339,356 +8807,92 @@
           </a:bodyPr>
           <a:lstStyle/>
           <a:p>
-            <a:pPr marL="365760" indent="-256032" fontAlgn="auto">
+            <a:pPr marL="109728" indent="0" fontAlgn="auto">
               <a:spcAft>
                 <a:spcPts val="0"/>
               </a:spcAft>
-              <a:buFont typeface="Wingdings 3"/>
               <a:buNone/>
               <a:defRPr/>
             </a:pPr>
             <a:r>
-              <a:rPr lang="en-US" sz="2400" b="1" u="sng" dirty="0"/>
-              <a:t>For a particular type of attack: </a:t>
-            </a:r>
-          </a:p>
-          <a:p>
-            <a:pPr marL="365760" indent="-256032" fontAlgn="auto">
+              <a:rPr lang="en-US" sz="2000" dirty="0"/>
+              <a:t>	Universe = Attacks and no attacks</a:t>
+            </a:r>
+          </a:p>
+          <a:p>
+            <a:pPr marL="109728" indent="0" fontAlgn="auto">
               <a:spcAft>
                 <a:spcPts val="0"/>
               </a:spcAft>
-              <a:buFont typeface="Wingdings 3"/>
-              <a:buChar char=""/>
-              <a:defRPr/>
-            </a:pPr>
-            <a:r>
-              <a:rPr lang="en-US" sz="2000" b="1" dirty="0">
-                <a:solidFill>
-                  <a:srgbClr val="FF0000"/>
-                </a:solidFill>
-              </a:rPr>
-              <a:t>threat</a:t>
-            </a:r>
-            <a:r>
-              <a:rPr lang="en-US" sz="2000" b="1" baseline="-25000" dirty="0">
-                <a:solidFill>
-                  <a:srgbClr val="FF0000"/>
-                </a:solidFill>
-              </a:rPr>
-              <a:t>attack</a:t>
-            </a:r>
-            <a:r>
-              <a:rPr lang="en-US" sz="2000" b="1" dirty="0">
-                <a:solidFill>
-                  <a:srgbClr val="FF0000"/>
-                </a:solidFill>
-              </a:rPr>
-              <a:t> </a:t>
-            </a:r>
+              <a:buNone/>
+              <a:defRPr/>
+            </a:pPr>
             <a:r>
               <a:rPr lang="en-US" sz="2000" dirty="0"/>
-              <a:t>is defined as the likelihood that an attack of this type will occur within a given time, and </a:t>
-            </a:r>
-          </a:p>
-          <a:p>
-            <a:pPr marL="365760" indent="-256032" fontAlgn="auto">
+              <a:t>	Attack that occur against the system</a:t>
+            </a:r>
+          </a:p>
+          <a:p>
+            <a:pPr marL="109728" indent="0" fontAlgn="auto">
               <a:spcAft>
                 <a:spcPts val="0"/>
               </a:spcAft>
-              <a:buFont typeface="Wingdings 3"/>
-              <a:buChar char=""/>
-              <a:defRPr/>
-            </a:pPr>
-            <a:r>
-              <a:rPr lang="en-US" sz="2000" b="1" dirty="0" err="1">
-                <a:solidFill>
-                  <a:srgbClr val="FF0000"/>
-                </a:solidFill>
-              </a:rPr>
-              <a:t>security</a:t>
-            </a:r>
-            <a:r>
-              <a:rPr lang="en-US" sz="2000" b="1" baseline="-25000" dirty="0" err="1">
-                <a:solidFill>
-                  <a:srgbClr val="FF0000"/>
-                </a:solidFill>
-              </a:rPr>
-              <a:t>attack</a:t>
-            </a:r>
+              <a:buNone/>
+              <a:defRPr/>
+            </a:pPr>
             <a:r>
               <a:rPr lang="en-US" sz="2000" dirty="0"/>
-              <a:t> is defined as the likelihood that an attack of this type will be repelled. </a:t>
-            </a:r>
-          </a:p>
-          <a:p>
-            <a:pPr marL="365760" indent="-256032" fontAlgn="auto">
+              <a:t>	Set of attacks that are repelled</a:t>
+            </a:r>
+          </a:p>
+          <a:p>
+            <a:pPr marL="109728" indent="0" fontAlgn="auto">
               <a:spcAft>
                 <a:spcPts val="0"/>
               </a:spcAft>
-              <a:buFont typeface="Wingdings 3"/>
-              <a:buChar char=""/>
+              <a:buNone/>
+              <a:defRPr/>
+            </a:pPr>
+            <a:endParaRPr lang="en-US" sz="2000" dirty="0"/>
+          </a:p>
+          <a:p>
+            <a:pPr marL="109728" indent="0" fontAlgn="auto">
+              <a:spcAft>
+                <a:spcPts val="0"/>
+              </a:spcAft>
+              <a:buNone/>
               <a:defRPr/>
             </a:pPr>
             <a:r>
               <a:rPr lang="en-US" sz="2000" dirty="0"/>
-              <a:t>threat</a:t>
-            </a:r>
-            <a:r>
-              <a:rPr lang="en-US" sz="2000" baseline="-25000" dirty="0"/>
-              <a:t>attack</a:t>
-            </a:r>
+              <a:t>Required:</a:t>
+            </a:r>
+          </a:p>
+          <a:p>
+            <a:pPr marL="109728" indent="0" fontAlgn="auto">
+              <a:spcAft>
+                <a:spcPts val="0"/>
+              </a:spcAft>
+              <a:buNone/>
+              <a:defRPr/>
+            </a:pPr>
             <a:r>
               <a:rPr lang="en-US" sz="2000" dirty="0"/>
-              <a:t> and </a:t>
-            </a:r>
-            <a:r>
-              <a:rPr lang="en-US" sz="2000" dirty="0" err="1"/>
-              <a:t>security</a:t>
-            </a:r>
-            <a:r>
-              <a:rPr lang="en-US" sz="2000" baseline="-25000" dirty="0" err="1"/>
-              <a:t>attack</a:t>
-            </a:r>
+              <a:t>Get the sum of		</a:t>
+            </a:r>
+          </a:p>
+          <a:p>
+            <a:pPr marL="109728" indent="0" fontAlgn="auto">
+              <a:spcAft>
+                <a:spcPts val="0"/>
+              </a:spcAft>
+              <a:buNone/>
+              <a:defRPr/>
+            </a:pPr>
             <a:r>
               <a:rPr lang="en-US" sz="2000" dirty="0"/>
-              <a:t> can be given values between 0 and 1, which can be calculated from historical data, such as that contained in a log file. </a:t>
-            </a:r>
-          </a:p>
-          <a:p>
-            <a:pPr marL="365760" indent="-256032" fontAlgn="auto">
-              <a:spcAft>
-                <a:spcPts val="0"/>
-              </a:spcAft>
-              <a:buFont typeface="Wingdings 3"/>
-              <a:buChar char=""/>
-              <a:defRPr/>
-            </a:pPr>
-            <a:r>
-              <a:rPr lang="en-US" sz="2000" b="1" dirty="0"/>
-              <a:t>The integrity against attacks of this type, </a:t>
-            </a:r>
-            <a:r>
-              <a:rPr lang="en-US" sz="2000" b="1" dirty="0" err="1">
-                <a:solidFill>
-                  <a:srgbClr val="FF0000"/>
-                </a:solidFill>
-              </a:rPr>
-              <a:t>integrity</a:t>
-            </a:r>
-            <a:r>
-              <a:rPr lang="en-US" sz="2000" b="1" baseline="-25000" dirty="0" err="1">
-                <a:solidFill>
-                  <a:srgbClr val="FF0000"/>
-                </a:solidFill>
-              </a:rPr>
-              <a:t>attack</a:t>
-            </a:r>
-            <a:r>
-              <a:rPr lang="en-US" sz="2000" b="1" dirty="0"/>
-              <a:t>, is defined to be:</a:t>
-            </a:r>
-          </a:p>
-          <a:p>
-            <a:pPr marL="365760" indent="-256032" fontAlgn="auto">
-              <a:spcAft>
-                <a:spcPts val="0"/>
-              </a:spcAft>
-              <a:buFont typeface="Wingdings 3"/>
-              <a:buNone/>
-              <a:defRPr/>
-            </a:pPr>
-            <a:r>
-              <a:rPr lang="en-US" sz="2000" dirty="0"/>
-              <a:t>		</a:t>
-            </a:r>
-            <a:r>
-              <a:rPr lang="en-US" sz="2400" b="1" dirty="0" err="1"/>
-              <a:t>integrity</a:t>
-            </a:r>
-            <a:r>
-              <a:rPr lang="en-US" sz="2400" b="1" baseline="-25000" dirty="0" err="1"/>
-              <a:t>attack</a:t>
-            </a:r>
-            <a:r>
-              <a:rPr lang="en-US" sz="2400" b="1" dirty="0"/>
-              <a:t> = 1 - threat</a:t>
-            </a:r>
-            <a:r>
-              <a:rPr lang="en-US" sz="2400" b="1" baseline="-25000" dirty="0"/>
-              <a:t>attack </a:t>
-            </a:r>
-            <a:r>
-              <a:rPr lang="en-US" sz="2400" b="1" dirty="0"/>
-              <a:t>(1 - </a:t>
-            </a:r>
-            <a:r>
-              <a:rPr lang="en-US" sz="2400" b="1" dirty="0" err="1"/>
-              <a:t>security</a:t>
-            </a:r>
-            <a:r>
-              <a:rPr lang="en-US" sz="2400" b="1" baseline="-25000" dirty="0" err="1"/>
-              <a:t>attack</a:t>
-            </a:r>
-            <a:r>
-              <a:rPr lang="en-US" sz="2400" b="1" dirty="0"/>
-              <a:t>)</a:t>
-            </a:r>
-            <a:endParaRPr lang="en-US" sz="2000" dirty="0"/>
-          </a:p>
-          <a:p>
-            <a:pPr marL="365760" indent="-256032" fontAlgn="auto">
-              <a:spcAft>
-                <a:spcPts val="0"/>
-              </a:spcAft>
-              <a:buFont typeface="Wingdings 3"/>
-              <a:buChar char=""/>
-              <a:defRPr/>
-            </a:pPr>
-            <a:r>
-              <a:rPr lang="en-US" sz="2000" b="1" dirty="0"/>
-              <a:t>The </a:t>
-            </a:r>
-            <a:r>
-              <a:rPr lang="en-US" sz="2000" b="1" dirty="0">
-                <a:solidFill>
-                  <a:srgbClr val="FF0000"/>
-                </a:solidFill>
-              </a:rPr>
-              <a:t>integrity</a:t>
-            </a:r>
-            <a:r>
-              <a:rPr lang="en-US" sz="2000" b="1" dirty="0"/>
-              <a:t> </a:t>
-            </a:r>
-            <a:r>
-              <a:rPr lang="en-US" sz="2000" b="1" dirty="0">
-                <a:solidFill>
-                  <a:srgbClr val="FF0000"/>
-                </a:solidFill>
-              </a:rPr>
-              <a:t>of the software product </a:t>
-            </a:r>
-            <a:r>
-              <a:rPr lang="en-US" sz="2000" b="1" dirty="0"/>
-              <a:t>is defined to be the sum, over all attack types, of </a:t>
-            </a:r>
-            <a:r>
-              <a:rPr lang="en-US" sz="2000" b="1" dirty="0" err="1"/>
-              <a:t>integrity</a:t>
-            </a:r>
-            <a:r>
-              <a:rPr lang="en-US" sz="2000" b="1" baseline="-25000" dirty="0" err="1"/>
-              <a:t>attack</a:t>
-            </a:r>
-            <a:r>
-              <a:rPr lang="en-US" sz="2000" b="1" dirty="0"/>
-              <a:t>:</a:t>
-            </a:r>
-            <a:endParaRPr lang="en-US" sz="2000" dirty="0"/>
-          </a:p>
-          <a:p>
-            <a:pPr marL="365760" indent="-256032" fontAlgn="auto">
-              <a:spcAft>
-                <a:spcPts val="0"/>
-              </a:spcAft>
-              <a:buFont typeface="Wingdings 3"/>
-              <a:buNone/>
-              <a:defRPr/>
-            </a:pPr>
-            <a:r>
-              <a:rPr lang="en-US" sz="2000" b="1" dirty="0"/>
-              <a:t>		</a:t>
-            </a:r>
-            <a:r>
-              <a:rPr lang="en-US" sz="2400" b="1" dirty="0"/>
-              <a:t>integrity = ∑</a:t>
-            </a:r>
-            <a:r>
-              <a:rPr lang="en-US" sz="2400" b="1" baseline="-25000" dirty="0"/>
-              <a:t>attack</a:t>
-            </a:r>
-            <a:r>
-              <a:rPr lang="en-US" sz="2400" b="1" dirty="0"/>
-              <a:t> </a:t>
-            </a:r>
-            <a:r>
-              <a:rPr lang="en-US" sz="2400" b="1" dirty="0" err="1"/>
-              <a:t>integrity</a:t>
-            </a:r>
-            <a:r>
-              <a:rPr lang="en-US" sz="2400" b="1" baseline="-25000" dirty="0" err="1"/>
-              <a:t>attack</a:t>
-            </a:r>
-            <a:r>
-              <a:rPr lang="en-US" sz="2000" dirty="0"/>
-              <a:t> </a:t>
-            </a:r>
-          </a:p>
-          <a:p>
-            <a:pPr marL="365760" indent="-256032" fontAlgn="auto">
-              <a:spcAft>
-                <a:spcPts val="0"/>
-              </a:spcAft>
-              <a:buFont typeface="Wingdings 3"/>
-              <a:buChar char=""/>
-              <a:defRPr/>
-            </a:pPr>
-            <a:r>
-              <a:rPr lang="en-US" sz="2000" b="1" dirty="0"/>
-              <a:t>If there are n different types of attack, then integrity will be a value between 0 and n; </a:t>
-            </a:r>
-            <a:r>
-              <a:rPr lang="en-US" sz="2000" b="1" dirty="0">
-                <a:solidFill>
-                  <a:srgbClr val="FF0000"/>
-                </a:solidFill>
-              </a:rPr>
-              <a:t>the higher the value, the better the integrity</a:t>
-            </a:r>
-            <a:r>
-              <a:rPr lang="en-US" sz="2000" b="1" dirty="0"/>
-              <a:t>.</a:t>
-            </a:r>
-          </a:p>
-          <a:p>
-            <a:pPr marL="365760" indent="-256032" fontAlgn="auto">
-              <a:spcAft>
-                <a:spcPts val="0"/>
-              </a:spcAft>
-              <a:buFont typeface="Wingdings 3"/>
-              <a:buChar char=""/>
-              <a:defRPr/>
-            </a:pPr>
-            <a:r>
-              <a:rPr lang="en-US" sz="2000" b="1" dirty="0"/>
-              <a:t>Note that </a:t>
-            </a:r>
-            <a:r>
-              <a:rPr lang="en-US" sz="2000" dirty="0"/>
-              <a:t>for software  connected to the Internet,  the probability of many 	attacks is 1.  </a:t>
-            </a:r>
-          </a:p>
-          <a:p>
-            <a:pPr marL="509778" indent="-400050" fontAlgn="auto">
-              <a:spcAft>
-                <a:spcPts val="0"/>
-              </a:spcAft>
-              <a:buFont typeface="+mj-lt"/>
-              <a:buAutoNum type="alphaLcPeriod" startAt="2"/>
-              <a:defRPr/>
-            </a:pPr>
-            <a:endParaRPr lang="en-US" sz="2000" dirty="0"/>
-          </a:p>
-          <a:p>
-            <a:pPr marL="452628" indent="-342900" fontAlgn="auto">
-              <a:spcAft>
-                <a:spcPts val="0"/>
-              </a:spcAft>
-              <a:buFont typeface="+mj-lt"/>
-              <a:buAutoNum type="alphaLcPeriod" startAt="2"/>
-              <a:defRPr/>
-            </a:pPr>
-            <a:endParaRPr lang="en-US" sz="2000" dirty="0"/>
+              <a:t>excluding 	and including </a:t>
+            </a:r>
           </a:p>
         </p:txBody>
       </p:sp>
@@ -8704,7 +8908,7 @@
         </p:nvSpPr>
         <p:spPr>
           <a:xfrm>
-            <a:off x="228600" y="76200"/>
+            <a:off x="228600" y="0"/>
             <a:ext cx="8915400" cy="609600"/>
           </a:xfrm>
         </p:spPr>
@@ -8777,280 +8981,6 @@
                 <a:defRPr/>
               </a:pPr>
               <a:t>13</a:t>
-            </a:fld>
-            <a:endParaRPr lang="en-US" sz="1600" dirty="0">
-              <a:solidFill>
-                <a:schemeClr val="bg2">
-                  <a:lumMod val="10000"/>
-                </a:schemeClr>
-              </a:solidFill>
-              <a:latin typeface="+mn-lt"/>
-              <a:cs typeface="+mn-cs"/>
-            </a:endParaRPr>
-          </a:p>
-        </p:txBody>
-      </p:sp>
-      <p:sp>
-        <p:nvSpPr>
-          <p:cNvPr id="26628" name="Date Placeholder 3"/>
-          <p:cNvSpPr txBox="1">
-            <a:spLocks/>
-          </p:cNvSpPr>
-          <p:nvPr/>
-        </p:nvSpPr>
-        <p:spPr bwMode="auto">
-          <a:xfrm>
-            <a:off x="152400" y="6457950"/>
-            <a:ext cx="2514600" cy="288925"/>
-          </a:xfrm>
-          <a:prstGeom prst="rect">
-            <a:avLst/>
-          </a:prstGeom>
-          <a:noFill/>
-          <a:ln w="9525">
-            <a:noFill/>
-            <a:miter lim="800000"/>
-            <a:headEnd/>
-            <a:tailEnd/>
-          </a:ln>
-        </p:spPr>
-        <p:txBody>
-          <a:bodyPr/>
-          <a:lstStyle/>
-          <a:p>
-            <a:r>
-              <a:rPr lang="en-US" sz="1600">
-                <a:solidFill>
-                  <a:srgbClr val="FFC000"/>
-                </a:solidFill>
-                <a:latin typeface="Book Antiqua" pitchFamily="18" charset="0"/>
-              </a:rPr>
-              <a:t>Dr. Hussien M. Sharaf</a:t>
-            </a:r>
-          </a:p>
-        </p:txBody>
-      </p:sp>
-    </p:spTree>
-  </p:cSld>
-  <p:clrMapOvr>
-    <a:masterClrMapping/>
-  </p:clrMapOvr>
-</p:sld>
-</file>
-
-<file path=ppt/slides/slide14.xml><?xml version="1.0" encoding="utf-8"?>
-<p:sld xmlns:a="http://schemas.openxmlformats.org/drawingml/2006/main" xmlns:r="http://schemas.openxmlformats.org/officeDocument/2006/relationships" xmlns:p="http://schemas.openxmlformats.org/presentationml/2006/main">
-  <p:cSld>
-    <p:spTree>
-      <p:nvGrpSpPr>
-        <p:cNvPr id="1" name=""/>
-        <p:cNvGrpSpPr/>
-        <p:nvPr/>
-      </p:nvGrpSpPr>
-      <p:grpSpPr>
-        <a:xfrm>
-          <a:off x="0" y="0"/>
-          <a:ext cx="0" cy="0"/>
-          <a:chOff x="0" y="0"/>
-          <a:chExt cx="0" cy="0"/>
-        </a:xfrm>
-      </p:grpSpPr>
-      <p:sp>
-        <p:nvSpPr>
-          <p:cNvPr id="2" name="Content Placeholder 1"/>
-          <p:cNvSpPr>
-            <a:spLocks noGrp="1"/>
-          </p:cNvSpPr>
-          <p:nvPr>
-            <p:ph idx="1"/>
-          </p:nvPr>
-        </p:nvSpPr>
-        <p:spPr>
-          <a:xfrm>
-            <a:off x="244366" y="533400"/>
-            <a:ext cx="8915400" cy="1828800"/>
-          </a:xfrm>
-        </p:spPr>
-        <p:txBody>
-          <a:bodyPr>
-            <a:noAutofit/>
-          </a:bodyPr>
-          <a:lstStyle/>
-          <a:p>
-            <a:pPr marL="109728" indent="0" fontAlgn="auto">
-              <a:spcAft>
-                <a:spcPts val="0"/>
-              </a:spcAft>
-              <a:buNone/>
-              <a:defRPr/>
-            </a:pPr>
-            <a:r>
-              <a:rPr lang="en-US" sz="2000" dirty="0"/>
-              <a:t>	Universe = Attacks and no attacks</a:t>
-            </a:r>
-          </a:p>
-          <a:p>
-            <a:pPr marL="109728" indent="0" fontAlgn="auto">
-              <a:spcAft>
-                <a:spcPts val="0"/>
-              </a:spcAft>
-              <a:buNone/>
-              <a:defRPr/>
-            </a:pPr>
-            <a:r>
-              <a:rPr lang="en-US" sz="2000" dirty="0"/>
-              <a:t>	Attack that occur against the system</a:t>
-            </a:r>
-          </a:p>
-          <a:p>
-            <a:pPr marL="109728" indent="0" fontAlgn="auto">
-              <a:spcAft>
-                <a:spcPts val="0"/>
-              </a:spcAft>
-              <a:buNone/>
-              <a:defRPr/>
-            </a:pPr>
-            <a:r>
-              <a:rPr lang="en-US" sz="2000" dirty="0"/>
-              <a:t>	Set of attacks that are repelled</a:t>
-            </a:r>
-          </a:p>
-          <a:p>
-            <a:pPr marL="109728" indent="0" fontAlgn="auto">
-              <a:spcAft>
-                <a:spcPts val="0"/>
-              </a:spcAft>
-              <a:buNone/>
-              <a:defRPr/>
-            </a:pPr>
-            <a:endParaRPr lang="en-US" sz="2000" dirty="0"/>
-          </a:p>
-          <a:p>
-            <a:pPr marL="109728" indent="0" fontAlgn="auto">
-              <a:spcAft>
-                <a:spcPts val="0"/>
-              </a:spcAft>
-              <a:buNone/>
-              <a:defRPr/>
-            </a:pPr>
-            <a:r>
-              <a:rPr lang="en-US" sz="2000" dirty="0"/>
-              <a:t>Required:</a:t>
-            </a:r>
-          </a:p>
-          <a:p>
-            <a:pPr marL="109728" indent="0" fontAlgn="auto">
-              <a:spcAft>
-                <a:spcPts val="0"/>
-              </a:spcAft>
-              <a:buNone/>
-              <a:defRPr/>
-            </a:pPr>
-            <a:r>
-              <a:rPr lang="en-US" sz="2000" dirty="0"/>
-              <a:t>Get the sum of		</a:t>
-            </a:r>
-          </a:p>
-          <a:p>
-            <a:pPr marL="109728" indent="0" fontAlgn="auto">
-              <a:spcAft>
-                <a:spcPts val="0"/>
-              </a:spcAft>
-              <a:buNone/>
-              <a:defRPr/>
-            </a:pPr>
-            <a:r>
-              <a:rPr lang="en-US" sz="2000" dirty="0"/>
-              <a:t>excluding 	and including </a:t>
-            </a:r>
-          </a:p>
-        </p:txBody>
-      </p:sp>
-      <p:sp>
-        <p:nvSpPr>
-          <p:cNvPr id="3" name="Title 2"/>
-          <p:cNvSpPr>
-            <a:spLocks noGrp="1"/>
-          </p:cNvSpPr>
-          <p:nvPr>
-            <p:ph type="title"/>
-          </p:nvPr>
-        </p:nvSpPr>
-        <p:spPr>
-          <a:xfrm>
-            <a:off x="228600" y="0"/>
-            <a:ext cx="8915400" cy="609600"/>
-          </a:xfrm>
-        </p:spPr>
-        <p:txBody>
-          <a:bodyPr>
-            <a:noAutofit/>
-          </a:bodyPr>
-          <a:lstStyle/>
-          <a:p>
-            <a:pPr fontAlgn="auto">
-              <a:spcAft>
-                <a:spcPts val="0"/>
-              </a:spcAft>
-              <a:defRPr/>
-            </a:pPr>
-            <a:r>
-              <a:rPr lang="en-US" sz="4000" dirty="0"/>
-              <a:t>Primary software quality factors</a:t>
-            </a:r>
-          </a:p>
-        </p:txBody>
-      </p:sp>
-      <p:sp>
-        <p:nvSpPr>
-          <p:cNvPr id="5" name="Slide Number Placeholder 4"/>
-          <p:cNvSpPr txBox="1">
-            <a:spLocks/>
-          </p:cNvSpPr>
-          <p:nvPr/>
-        </p:nvSpPr>
-        <p:spPr>
-          <a:xfrm>
-            <a:off x="8153400" y="6477000"/>
-            <a:ext cx="758825" cy="247650"/>
-          </a:xfrm>
-          <a:prstGeom prst="rect">
-            <a:avLst/>
-          </a:prstGeom>
-        </p:spPr>
-        <p:txBody>
-          <a:bodyPr/>
-          <a:lstStyle/>
-          <a:p>
-            <a:pPr algn="r" fontAlgn="auto">
-              <a:spcBef>
-                <a:spcPts val="0"/>
-              </a:spcBef>
-              <a:spcAft>
-                <a:spcPts val="0"/>
-              </a:spcAft>
-              <a:defRPr/>
-            </a:pPr>
-            <a:fld id="{F04B9935-71F5-48E0-9F6A-13618662242E}" type="slidenum">
-              <a:rPr lang="en-US" sz="1600">
-                <a:solidFill>
-                  <a:schemeClr val="bg2">
-                    <a:lumMod val="10000"/>
-                  </a:schemeClr>
-                </a:solidFill>
-                <a:latin typeface="+mn-lt"/>
-                <a:cs typeface="+mn-cs"/>
-              </a:rPr>
-              <a:pPr algn="r" fontAlgn="auto">
-                <a:spcBef>
-                  <a:spcPts val="0"/>
-                </a:spcBef>
-                <a:spcAft>
-                  <a:spcPts val="0"/>
-                </a:spcAft>
-                <a:defRPr/>
-              </a:pPr>
-              <a:t>14</a:t>
             </a:fld>
             <a:endParaRPr lang="en-US" sz="1600" dirty="0">
               <a:solidFill>
@@ -9611,7 +9541,7 @@
 </p:sld>
 </file>
 
-<file path=ppt/slides/slide15.xml><?xml version="1.0" encoding="utf-8"?>
+<file path=ppt/slides/slide14.xml><?xml version="1.0" encoding="utf-8"?>
 <p:sld xmlns:a="http://schemas.openxmlformats.org/drawingml/2006/main" xmlns:r="http://schemas.openxmlformats.org/officeDocument/2006/relationships" xmlns:p="http://schemas.openxmlformats.org/presentationml/2006/main">
   <p:cSld>
     <p:spTree>
@@ -9911,7 +9841,7 @@
                 </a:spcAft>
                 <a:defRPr/>
               </a:pPr>
-              <a:t>15</a:t>
+              <a:t>14</a:t>
             </a:fld>
             <a:endParaRPr lang="en-US" sz="1600" dirty="0">
               <a:solidFill>
@@ -12103,7 +12033,7 @@
 </p:sld>
 </file>
 
-<file path=ppt/slides/slide16.xml><?xml version="1.0" encoding="utf-8"?>
+<file path=ppt/slides/slide15.xml><?xml version="1.0" encoding="utf-8"?>
 <p:sld xmlns:a="http://schemas.openxmlformats.org/drawingml/2006/main" xmlns:r="http://schemas.openxmlformats.org/officeDocument/2006/relationships" xmlns:p="http://schemas.openxmlformats.org/presentationml/2006/main">
   <p:cSld>
     <p:spTree>
@@ -12399,7 +12329,7 @@
                 </a:spcAft>
                 <a:defRPr/>
               </a:pPr>
-              <a:t>16</a:t>
+              <a:t>15</a:t>
             </a:fld>
             <a:endParaRPr lang="en-US" sz="1600" dirty="0">
               <a:solidFill>
@@ -12849,7 +12779,7 @@
 </p:sld>
 </file>
 
-<file path=ppt/slides/slide17.xml><?xml version="1.0" encoding="utf-8"?>
+<file path=ppt/slides/slide16.xml><?xml version="1.0" encoding="utf-8"?>
 <p:sld xmlns:a="http://schemas.openxmlformats.org/drawingml/2006/main" xmlns:r="http://schemas.openxmlformats.org/officeDocument/2006/relationships" xmlns:p="http://schemas.openxmlformats.org/presentationml/2006/main">
   <p:cSld>
     <p:spTree>
@@ -13109,7 +13039,7 @@
                 </a:spcAft>
                 <a:defRPr/>
               </a:pPr>
-              <a:t>17</a:t>
+              <a:t>16</a:t>
             </a:fld>
             <a:endParaRPr lang="en-US" sz="1600" dirty="0">
               <a:solidFill>
@@ -13389,6 +13319,473 @@
 </p:sld>
 </file>
 
+<file path=ppt/slides/slide17.xml><?xml version="1.0" encoding="utf-8"?>
+<p:sld xmlns:a="http://schemas.openxmlformats.org/drawingml/2006/main" xmlns:r="http://schemas.openxmlformats.org/officeDocument/2006/relationships" xmlns:p="http://schemas.openxmlformats.org/presentationml/2006/main">
+  <p:cSld>
+    <p:spTree>
+      <p:nvGrpSpPr>
+        <p:cNvPr id="1" name=""/>
+        <p:cNvGrpSpPr/>
+        <p:nvPr/>
+      </p:nvGrpSpPr>
+      <p:grpSpPr>
+        <a:xfrm>
+          <a:off x="0" y="0"/>
+          <a:ext cx="0" cy="0"/>
+          <a:chOff x="0" y="0"/>
+          <a:chExt cx="0" cy="0"/>
+        </a:xfrm>
+      </p:grpSpPr>
+      <p:sp>
+        <p:nvSpPr>
+          <p:cNvPr id="2" name="Content Placeholder 1"/>
+          <p:cNvSpPr>
+            <a:spLocks noGrp="1"/>
+          </p:cNvSpPr>
+          <p:nvPr>
+            <p:ph idx="1"/>
+          </p:nvPr>
+        </p:nvSpPr>
+        <p:spPr>
+          <a:xfrm>
+            <a:off x="228600" y="609600"/>
+            <a:ext cx="8915400" cy="5486400"/>
+          </a:xfrm>
+        </p:spPr>
+        <p:txBody>
+          <a:bodyPr>
+            <a:noAutofit/>
+          </a:bodyPr>
+          <a:lstStyle/>
+          <a:p>
+            <a:pPr marL="365760" indent="-256032" fontAlgn="auto">
+              <a:spcAft>
+                <a:spcPts val="0"/>
+              </a:spcAft>
+              <a:buFont typeface="Wingdings 3"/>
+              <a:buNone/>
+              <a:defRPr/>
+            </a:pPr>
+            <a:r>
+              <a:rPr lang="en-US" sz="2800" b="1" u="sng" dirty="0">
+                <a:solidFill>
+                  <a:srgbClr val="FF0000"/>
+                </a:solidFill>
+              </a:rPr>
+              <a:t>Verification and validation </a:t>
+            </a:r>
+            <a:endParaRPr lang="en-US" sz="2800" b="1" dirty="0">
+              <a:solidFill>
+                <a:srgbClr val="FF0000"/>
+              </a:solidFill>
+            </a:endParaRPr>
+          </a:p>
+          <a:p>
+            <a:pPr marL="365760" indent="-256032" fontAlgn="auto">
+              <a:spcAft>
+                <a:spcPts val="0"/>
+              </a:spcAft>
+              <a:buFont typeface="Wingdings 3"/>
+              <a:buChar char=""/>
+              <a:defRPr/>
+            </a:pPr>
+            <a:r>
+              <a:rPr lang="en-US" sz="2400" b="1" dirty="0">
+                <a:solidFill>
+                  <a:srgbClr val="FF0000"/>
+                </a:solidFill>
+              </a:rPr>
+              <a:t>Veriﬁcation and validation  </a:t>
+            </a:r>
+            <a:r>
+              <a:rPr lang="en-US" sz="2400" dirty="0"/>
+              <a:t>are  ways  of assessing whether  a software  product does what it is supposed to do.</a:t>
+            </a:r>
+          </a:p>
+          <a:p>
+            <a:pPr marL="365760" indent="-256032" fontAlgn="auto">
+              <a:spcAft>
+                <a:spcPts val="0"/>
+              </a:spcAft>
+              <a:buFont typeface="Wingdings 3"/>
+              <a:buChar char=""/>
+              <a:defRPr/>
+            </a:pPr>
+            <a:r>
+              <a:rPr lang="en-US" sz="2400" b="1" dirty="0">
+                <a:solidFill>
+                  <a:srgbClr val="FF0000"/>
+                </a:solidFill>
+              </a:rPr>
+              <a:t>Validation</a:t>
+            </a:r>
+            <a:r>
+              <a:rPr lang="en-US" sz="2400" dirty="0"/>
+              <a:t>, process of </a:t>
+            </a:r>
+            <a:r>
+              <a:rPr lang="en-US" sz="2400" b="1" dirty="0"/>
+              <a:t>checking</a:t>
+            </a:r>
+            <a:r>
+              <a:rPr lang="en-US" sz="2400" dirty="0"/>
+              <a:t> that </a:t>
+            </a:r>
+            <a:r>
+              <a:rPr lang="en-US" sz="2400" b="1" dirty="0"/>
+              <a:t>the developer is building the ‘right’ product. </a:t>
+            </a:r>
+            <a:endParaRPr lang="en-US" sz="2400" dirty="0"/>
+          </a:p>
+          <a:p>
+            <a:pPr marL="365760" indent="-256032" fontAlgn="auto">
+              <a:spcAft>
+                <a:spcPts val="0"/>
+              </a:spcAft>
+              <a:buFont typeface="Wingdings 3"/>
+              <a:buChar char=""/>
+              <a:defRPr/>
+            </a:pPr>
+            <a:r>
+              <a:rPr lang="en-US" sz="2400" b="1" dirty="0">
+                <a:solidFill>
+                  <a:srgbClr val="FF0000"/>
+                </a:solidFill>
+              </a:rPr>
+              <a:t>Verification</a:t>
+            </a:r>
+            <a:r>
+              <a:rPr lang="en-US" sz="2400" dirty="0"/>
+              <a:t>, process of </a:t>
+            </a:r>
+            <a:r>
+              <a:rPr lang="en-US" sz="2400" b="1" dirty="0"/>
+              <a:t>ensuring</a:t>
+            </a:r>
+            <a:r>
+              <a:rPr lang="en-US" sz="2400" dirty="0"/>
+              <a:t> that </a:t>
+            </a:r>
+            <a:r>
+              <a:rPr lang="en-US" sz="2400" b="1" dirty="0"/>
+              <a:t>the product being built ‘right’.</a:t>
+            </a:r>
+            <a:endParaRPr lang="en-US" sz="2400" dirty="0"/>
+          </a:p>
+          <a:p>
+            <a:pPr marL="365760" indent="-256032" fontAlgn="auto">
+              <a:spcAft>
+                <a:spcPts val="0"/>
+              </a:spcAft>
+              <a:buFont typeface="Wingdings 3"/>
+              <a:buChar char=""/>
+              <a:defRPr/>
+            </a:pPr>
+            <a:r>
+              <a:rPr lang="en-US" sz="2400" b="1" u="sng" dirty="0">
+                <a:solidFill>
+                  <a:srgbClr val="FF0000"/>
+                </a:solidFill>
+              </a:rPr>
+              <a:t>How to carry out validation:</a:t>
+            </a:r>
+            <a:endParaRPr lang="en-US" sz="2400" u="sng" dirty="0">
+              <a:solidFill>
+                <a:srgbClr val="FF0000"/>
+              </a:solidFill>
+            </a:endParaRPr>
+          </a:p>
+          <a:p>
+            <a:pPr marL="850392" lvl="1" indent="-457200" fontAlgn="auto">
+              <a:spcBef>
+                <a:spcPts val="324"/>
+              </a:spcBef>
+              <a:spcAft>
+                <a:spcPts val="0"/>
+              </a:spcAft>
+              <a:buFont typeface="+mj-lt"/>
+              <a:buAutoNum type="arabicPeriod"/>
+              <a:defRPr/>
+            </a:pPr>
+            <a:r>
+              <a:rPr lang="en-US" sz="2000" dirty="0"/>
+              <a:t>Make sure that all system descriptions are </a:t>
+            </a:r>
+            <a:r>
+              <a:rPr lang="en-US" sz="2000" b="1" dirty="0">
+                <a:solidFill>
+                  <a:srgbClr val="FF0000"/>
+                </a:solidFill>
+              </a:rPr>
+              <a:t>consistent with the customer’s requirements</a:t>
+            </a:r>
+            <a:r>
+              <a:rPr lang="en-US" sz="2000" dirty="0"/>
+              <a:t>.</a:t>
+            </a:r>
+          </a:p>
+          <a:p>
+            <a:pPr marL="365760" indent="-256032" fontAlgn="auto">
+              <a:spcAft>
+                <a:spcPts val="0"/>
+              </a:spcAft>
+              <a:buFont typeface="Wingdings 3"/>
+              <a:buChar char=""/>
+              <a:defRPr/>
+            </a:pPr>
+            <a:r>
+              <a:rPr lang="en-US" sz="2400" b="1" u="sng" dirty="0">
+                <a:solidFill>
+                  <a:srgbClr val="FF0000"/>
+                </a:solidFill>
+              </a:rPr>
+              <a:t>How to carry out verification:</a:t>
+            </a:r>
+          </a:p>
+          <a:p>
+            <a:pPr marL="850392" lvl="1" indent="-457200" fontAlgn="auto">
+              <a:spcBef>
+                <a:spcPts val="324"/>
+              </a:spcBef>
+              <a:spcAft>
+                <a:spcPts val="0"/>
+              </a:spcAft>
+              <a:buFont typeface="+mj-lt"/>
+              <a:buAutoNum type="arabicPeriod"/>
+              <a:defRPr/>
+            </a:pPr>
+            <a:r>
+              <a:rPr lang="en-US" sz="2000" dirty="0"/>
+              <a:t>Make sure that all system descriptions are </a:t>
+            </a:r>
+            <a:r>
+              <a:rPr lang="en-US" sz="2000" b="1" dirty="0">
+                <a:solidFill>
+                  <a:srgbClr val="FF0000"/>
+                </a:solidFill>
+              </a:rPr>
+              <a:t>self-consistent</a:t>
+            </a:r>
+            <a:r>
+              <a:rPr lang="en-US" sz="2000" dirty="0"/>
+              <a:t>;</a:t>
+            </a:r>
+          </a:p>
+          <a:p>
+            <a:pPr marL="850392" lvl="1" indent="-457200" fontAlgn="auto">
+              <a:spcBef>
+                <a:spcPts val="324"/>
+              </a:spcBef>
+              <a:spcAft>
+                <a:spcPts val="0"/>
+              </a:spcAft>
+              <a:buFont typeface="+mj-lt"/>
+              <a:buAutoNum type="arabicPeriod"/>
+              <a:defRPr/>
+            </a:pPr>
+            <a:r>
+              <a:rPr lang="en-US" sz="2000" dirty="0"/>
+              <a:t>Make sure that all system descriptions are </a:t>
+            </a:r>
+            <a:r>
+              <a:rPr lang="en-US" sz="2000" b="1" dirty="0">
+                <a:solidFill>
+                  <a:srgbClr val="FF0000"/>
+                </a:solidFill>
+              </a:rPr>
+              <a:t>consistent and complete </a:t>
+            </a:r>
+            <a:r>
+              <a:rPr lang="en-US" sz="2000" dirty="0"/>
+              <a:t>with respect to those from which they were derived.</a:t>
+            </a:r>
+            <a:endParaRPr lang="en-US" sz="2400" dirty="0"/>
+          </a:p>
+          <a:p>
+            <a:pPr marL="365760" indent="-256032" fontAlgn="auto">
+              <a:spcAft>
+                <a:spcPts val="0"/>
+              </a:spcAft>
+              <a:buFont typeface="Wingdings 3"/>
+              <a:buChar char=""/>
+              <a:defRPr/>
+            </a:pPr>
+            <a:endParaRPr lang="en-US" sz="2400" b="1" u="sng" dirty="0">
+              <a:solidFill>
+                <a:srgbClr val="FF0000"/>
+              </a:solidFill>
+            </a:endParaRPr>
+          </a:p>
+          <a:p>
+            <a:pPr marL="509778" indent="-400050" fontAlgn="auto">
+              <a:spcAft>
+                <a:spcPts val="0"/>
+              </a:spcAft>
+              <a:buFont typeface="+mj-lt"/>
+              <a:buAutoNum type="alphaLcPeriod" startAt="2"/>
+              <a:defRPr/>
+            </a:pPr>
+            <a:endParaRPr lang="en-US" sz="2400" dirty="0"/>
+          </a:p>
+          <a:p>
+            <a:pPr marL="452628" indent="-342900" fontAlgn="auto">
+              <a:spcAft>
+                <a:spcPts val="0"/>
+              </a:spcAft>
+              <a:buFont typeface="+mj-lt"/>
+              <a:buAutoNum type="alphaLcPeriod" startAt="2"/>
+              <a:defRPr/>
+            </a:pPr>
+            <a:endParaRPr lang="en-US" sz="2400" dirty="0"/>
+          </a:p>
+        </p:txBody>
+      </p:sp>
+      <p:sp>
+        <p:nvSpPr>
+          <p:cNvPr id="3" name="Title 2"/>
+          <p:cNvSpPr>
+            <a:spLocks noGrp="1"/>
+          </p:cNvSpPr>
+          <p:nvPr>
+            <p:ph type="title"/>
+          </p:nvPr>
+        </p:nvSpPr>
+        <p:spPr>
+          <a:xfrm>
+            <a:off x="228600" y="0"/>
+            <a:ext cx="8915400" cy="609600"/>
+          </a:xfrm>
+        </p:spPr>
+        <p:txBody>
+          <a:bodyPr>
+            <a:noAutofit/>
+          </a:bodyPr>
+          <a:lstStyle/>
+          <a:p>
+            <a:pPr fontAlgn="auto">
+              <a:spcAft>
+                <a:spcPts val="0"/>
+              </a:spcAft>
+              <a:defRPr/>
+            </a:pPr>
+            <a:r>
+              <a:rPr lang="en-US" sz="3400" dirty="0"/>
+              <a:t>B. Verification, validation, and testing</a:t>
+            </a:r>
+          </a:p>
+        </p:txBody>
+      </p:sp>
+      <p:sp>
+        <p:nvSpPr>
+          <p:cNvPr id="5" name="Slide Number Placeholder 4"/>
+          <p:cNvSpPr txBox="1">
+            <a:spLocks/>
+          </p:cNvSpPr>
+          <p:nvPr/>
+        </p:nvSpPr>
+        <p:spPr>
+          <a:xfrm>
+            <a:off x="8153400" y="6477000"/>
+            <a:ext cx="758825" cy="247650"/>
+          </a:xfrm>
+          <a:prstGeom prst="rect">
+            <a:avLst/>
+          </a:prstGeom>
+        </p:spPr>
+        <p:txBody>
+          <a:bodyPr/>
+          <a:lstStyle/>
+          <a:p>
+            <a:pPr algn="r" fontAlgn="auto">
+              <a:spcBef>
+                <a:spcPts val="0"/>
+              </a:spcBef>
+              <a:spcAft>
+                <a:spcPts val="0"/>
+              </a:spcAft>
+              <a:defRPr/>
+            </a:pPr>
+            <a:fld id="{AC609462-69B1-4E69-9B00-F6F749E9CD28}" type="slidenum">
+              <a:rPr lang="en-US" sz="1600">
+                <a:solidFill>
+                  <a:schemeClr val="bg2">
+                    <a:lumMod val="10000"/>
+                  </a:schemeClr>
+                </a:solidFill>
+                <a:latin typeface="+mn-lt"/>
+                <a:cs typeface="+mn-cs"/>
+              </a:rPr>
+              <a:pPr algn="r" fontAlgn="auto">
+                <a:spcBef>
+                  <a:spcPts val="0"/>
+                </a:spcBef>
+                <a:spcAft>
+                  <a:spcPts val="0"/>
+                </a:spcAft>
+                <a:defRPr/>
+              </a:pPr>
+              <a:t>17</a:t>
+            </a:fld>
+            <a:endParaRPr lang="en-US" sz="1600" dirty="0">
+              <a:solidFill>
+                <a:schemeClr val="bg2">
+                  <a:lumMod val="10000"/>
+                </a:schemeClr>
+              </a:solidFill>
+              <a:latin typeface="+mn-lt"/>
+              <a:cs typeface="+mn-cs"/>
+            </a:endParaRPr>
+          </a:p>
+        </p:txBody>
+      </p:sp>
+      <p:sp>
+        <p:nvSpPr>
+          <p:cNvPr id="31748" name="Date Placeholder 3"/>
+          <p:cNvSpPr txBox="1">
+            <a:spLocks/>
+          </p:cNvSpPr>
+          <p:nvPr/>
+        </p:nvSpPr>
+        <p:spPr bwMode="auto">
+          <a:xfrm>
+            <a:off x="152400" y="6457950"/>
+            <a:ext cx="2514600" cy="288925"/>
+          </a:xfrm>
+          <a:prstGeom prst="rect">
+            <a:avLst/>
+          </a:prstGeom>
+          <a:noFill/>
+          <a:ln w="9525">
+            <a:noFill/>
+            <a:miter lim="800000"/>
+            <a:headEnd/>
+            <a:tailEnd/>
+          </a:ln>
+        </p:spPr>
+        <p:txBody>
+          <a:bodyPr/>
+          <a:lstStyle/>
+          <a:p>
+            <a:r>
+              <a:rPr lang="en-US" sz="1600">
+                <a:solidFill>
+                  <a:srgbClr val="FFC000"/>
+                </a:solidFill>
+                <a:latin typeface="Book Antiqua" pitchFamily="18" charset="0"/>
+              </a:rPr>
+              <a:t>Dr. Hussien M. Sharaf</a:t>
+            </a:r>
+          </a:p>
+        </p:txBody>
+      </p:sp>
+    </p:spTree>
+  </p:cSld>
+  <p:clrMapOvr>
+    <a:masterClrMapping/>
+  </p:clrMapOvr>
+</p:sld>
+</file>
+
 <file path=ppt/slides/slide18.xml><?xml version="1.0" encoding="utf-8"?>
 <p:sld xmlns:a="http://schemas.openxmlformats.org/drawingml/2006/main" xmlns:r="http://schemas.openxmlformats.org/officeDocument/2006/relationships" xmlns:p="http://schemas.openxmlformats.org/presentationml/2006/main">
   <p:cSld>
@@ -13408,7 +13805,182 @@
       </p:grpSpPr>
       <p:sp>
         <p:nvSpPr>
-          <p:cNvPr id="4" name="Title 3"/>
+          <p:cNvPr id="2" name="Content Placeholder 1"/>
+          <p:cNvSpPr>
+            <a:spLocks noGrp="1"/>
+          </p:cNvSpPr>
+          <p:nvPr>
+            <p:ph idx="1"/>
+          </p:nvPr>
+        </p:nvSpPr>
+        <p:spPr>
+          <a:xfrm>
+            <a:off x="228600" y="609600"/>
+            <a:ext cx="8915400" cy="5486400"/>
+          </a:xfrm>
+        </p:spPr>
+        <p:txBody>
+          <a:bodyPr>
+            <a:noAutofit/>
+          </a:bodyPr>
+          <a:lstStyle/>
+          <a:p>
+            <a:pPr marL="365760" indent="-256032" fontAlgn="auto">
+              <a:spcAft>
+                <a:spcPts val="0"/>
+              </a:spcAft>
+              <a:buFont typeface="Wingdings 3"/>
+              <a:buChar char=""/>
+              <a:defRPr/>
+            </a:pPr>
+            <a:r>
+              <a:rPr lang="en-US" sz="2800" b="1" dirty="0">
+                <a:solidFill>
+                  <a:srgbClr val="FF0000"/>
+                </a:solidFill>
+              </a:rPr>
+              <a:t>In the development process: </a:t>
+            </a:r>
+          </a:p>
+          <a:p>
+            <a:pPr marL="621792" lvl="1" fontAlgn="auto">
+              <a:spcBef>
+                <a:spcPts val="324"/>
+              </a:spcBef>
+              <a:spcAft>
+                <a:spcPts val="0"/>
+              </a:spcAft>
+              <a:buFont typeface="Verdana"/>
+              <a:buChar char="◦"/>
+              <a:defRPr/>
+            </a:pPr>
+            <a:r>
+              <a:rPr lang="en-US" sz="2400" b="1" dirty="0">
+                <a:solidFill>
+                  <a:srgbClr val="FF0000"/>
+                </a:solidFill>
+              </a:rPr>
+              <a:t>Testing </a:t>
+            </a:r>
+            <a:r>
+              <a:rPr lang="en-US" sz="2400" dirty="0"/>
+              <a:t>is</a:t>
+            </a:r>
+            <a:r>
+              <a:rPr lang="en-US" sz="2400" b="1" dirty="0">
+                <a:solidFill>
+                  <a:srgbClr val="FF0000"/>
+                </a:solidFill>
+              </a:rPr>
+              <a:t> </a:t>
+            </a:r>
+            <a:r>
+              <a:rPr lang="en-US" sz="2400" dirty="0"/>
+              <a:t>usually happened at late stage, so if any requirement were missing, or misunderstood, it will be costly to recover it. </a:t>
+            </a:r>
+          </a:p>
+          <a:p>
+            <a:pPr marL="621792" lvl="1" fontAlgn="auto">
+              <a:spcBef>
+                <a:spcPts val="324"/>
+              </a:spcBef>
+              <a:spcAft>
+                <a:spcPts val="0"/>
+              </a:spcAft>
+              <a:buFont typeface="Verdana"/>
+              <a:buChar char="◦"/>
+              <a:defRPr/>
+            </a:pPr>
+            <a:r>
+              <a:rPr lang="en-US" sz="2400" dirty="0"/>
+              <a:t>An alternative model is The use  of </a:t>
+            </a:r>
+            <a:r>
+              <a:rPr lang="en-US" sz="2400" b="1" dirty="0">
+                <a:solidFill>
+                  <a:srgbClr val="FF0000"/>
+                </a:solidFill>
+              </a:rPr>
+              <a:t>prototypes,</a:t>
+            </a:r>
+            <a:r>
+              <a:rPr lang="en-US" sz="2400" dirty="0"/>
+              <a:t> facilitate understanding requirements and figure out any missing or wrong requirement early in the development process.</a:t>
+            </a:r>
+          </a:p>
+          <a:p>
+            <a:pPr marL="365760" indent="-256032" fontAlgn="auto">
+              <a:spcAft>
+                <a:spcPts val="0"/>
+              </a:spcAft>
+              <a:buFont typeface="Wingdings 3"/>
+              <a:buChar char=""/>
+              <a:defRPr/>
+            </a:pPr>
+            <a:r>
+              <a:rPr lang="en-US" sz="2800" dirty="0">
+                <a:solidFill>
+                  <a:srgbClr val="FF0000"/>
+                </a:solidFill>
+              </a:rPr>
+              <a:t>Veriﬁcation</a:t>
+            </a:r>
+            <a:r>
+              <a:rPr lang="en-US" sz="2800" dirty="0"/>
+              <a:t> </a:t>
+            </a:r>
+            <a:r>
+              <a:rPr lang="en-US" sz="2800" dirty="0">
+                <a:solidFill>
+                  <a:srgbClr val="FF0000"/>
+                </a:solidFill>
+              </a:rPr>
+              <a:t>techniques</a:t>
+            </a:r>
+            <a:r>
+              <a:rPr lang="en-US" sz="2800" dirty="0"/>
+              <a:t> </a:t>
+            </a:r>
+            <a:r>
+              <a:rPr lang="en-US" sz="2800" dirty="0">
+                <a:solidFill>
+                  <a:srgbClr val="FF0000"/>
+                </a:solidFill>
+              </a:rPr>
+              <a:t>should be used during each activity in the development process</a:t>
+            </a:r>
+            <a:r>
+              <a:rPr lang="en-US" sz="2800" dirty="0"/>
+              <a:t> to ensure that the deliverable from each activity is consistent and  complete with respect to the input to that activity. </a:t>
+            </a:r>
+          </a:p>
+          <a:p>
+            <a:pPr marL="509778" indent="-400050" fontAlgn="auto">
+              <a:spcAft>
+                <a:spcPts val="0"/>
+              </a:spcAft>
+              <a:buFont typeface="+mj-lt"/>
+              <a:buAutoNum type="alphaLcPeriod" startAt="2"/>
+              <a:defRPr/>
+            </a:pPr>
+            <a:endParaRPr lang="en-US" sz="2800" dirty="0"/>
+          </a:p>
+          <a:p>
+            <a:pPr marL="452628" indent="-342900" fontAlgn="auto">
+              <a:spcAft>
+                <a:spcPts val="0"/>
+              </a:spcAft>
+              <a:buFont typeface="+mj-lt"/>
+              <a:buAutoNum type="alphaLcPeriod" startAt="2"/>
+              <a:defRPr/>
+            </a:pPr>
+            <a:endParaRPr lang="en-US" sz="2800" dirty="0"/>
+          </a:p>
+        </p:txBody>
+      </p:sp>
+      <p:sp>
+        <p:nvSpPr>
+          <p:cNvPr id="3" name="Title 2"/>
           <p:cNvSpPr>
             <a:spLocks noGrp="1"/>
           </p:cNvSpPr>
@@ -13418,28 +13990,133 @@
         </p:nvSpPr>
         <p:spPr>
           <a:xfrm>
-            <a:off x="457200" y="2133600"/>
-            <a:ext cx="8229600" cy="1143000"/>
+            <a:off x="228600" y="0"/>
+            <a:ext cx="8915400" cy="609600"/>
           </a:xfrm>
         </p:spPr>
         <p:txBody>
+          <a:bodyPr>
+            <a:noAutofit/>
+          </a:bodyPr>
+          <a:lstStyle/>
+          <a:p>
+            <a:pPr fontAlgn="auto">
+              <a:spcAft>
+                <a:spcPts val="0"/>
+              </a:spcAft>
+              <a:defRPr/>
+            </a:pPr>
+            <a:r>
+              <a:rPr lang="en-US" sz="4000" dirty="0"/>
+              <a:t>The development process</a:t>
+            </a:r>
+          </a:p>
+        </p:txBody>
+      </p:sp>
+      <p:sp>
+        <p:nvSpPr>
+          <p:cNvPr id="5" name="Slide Number Placeholder 4"/>
+          <p:cNvSpPr txBox="1">
+            <a:spLocks/>
+          </p:cNvSpPr>
+          <p:nvPr/>
+        </p:nvSpPr>
+        <p:spPr>
+          <a:xfrm>
+            <a:off x="8153400" y="6477000"/>
+            <a:ext cx="758825" cy="247650"/>
+          </a:xfrm>
+          <a:prstGeom prst="rect">
+            <a:avLst/>
+          </a:prstGeom>
+        </p:spPr>
+        <p:txBody>
           <a:bodyPr/>
           <a:lstStyle/>
           <a:p>
-            <a:pPr algn="ctr"/>
-            <a:r>
-              <a:rPr lang="en-US"/>
-              <a:t>Rest</a:t>
+            <a:pPr algn="r" fontAlgn="auto">
+              <a:spcBef>
+                <a:spcPts val="0"/>
+              </a:spcBef>
+              <a:spcAft>
+                <a:spcPts val="0"/>
+              </a:spcAft>
+              <a:defRPr/>
+            </a:pPr>
+            <a:fld id="{34291B06-E2EB-4253-A0C1-5F6086C84E8A}" type="slidenum">
+              <a:rPr lang="en-US" sz="1600">
+                <a:solidFill>
+                  <a:schemeClr val="bg2">
+                    <a:lumMod val="10000"/>
+                  </a:schemeClr>
+                </a:solidFill>
+                <a:latin typeface="+mn-lt"/>
+                <a:cs typeface="+mn-cs"/>
+              </a:rPr>
+              <a:pPr algn="r" fontAlgn="auto">
+                <a:spcBef>
+                  <a:spcPts val="0"/>
+                </a:spcBef>
+                <a:spcAft>
+                  <a:spcPts val="0"/>
+                </a:spcAft>
+                <a:defRPr/>
+              </a:pPr>
+              <a:t>18</a:t>
+            </a:fld>
+            <a:endParaRPr lang="en-US" sz="1600" dirty="0">
+              <a:solidFill>
+                <a:schemeClr val="bg2">
+                  <a:lumMod val="10000"/>
+                </a:schemeClr>
+              </a:solidFill>
+              <a:latin typeface="+mn-lt"/>
+              <a:cs typeface="+mn-cs"/>
+            </a:endParaRPr>
+          </a:p>
+        </p:txBody>
+      </p:sp>
+      <p:sp>
+        <p:nvSpPr>
+          <p:cNvPr id="34820" name="Date Placeholder 3"/>
+          <p:cNvSpPr txBox="1">
+            <a:spLocks/>
+          </p:cNvSpPr>
+          <p:nvPr/>
+        </p:nvSpPr>
+        <p:spPr bwMode="auto">
+          <a:xfrm>
+            <a:off x="152400" y="6457950"/>
+            <a:ext cx="2514600" cy="288925"/>
+          </a:xfrm>
+          <a:prstGeom prst="rect">
+            <a:avLst/>
+          </a:prstGeom>
+          <a:noFill/>
+          <a:ln w="9525">
+            <a:noFill/>
+            <a:miter lim="800000"/>
+            <a:headEnd/>
+            <a:tailEnd/>
+          </a:ln>
+        </p:spPr>
+        <p:txBody>
+          <a:bodyPr/>
+          <a:lstStyle/>
+          <a:p>
+            <a:r>
+              <a:rPr lang="en-US" sz="1600">
+                <a:solidFill>
+                  <a:srgbClr val="FFC000"/>
+                </a:solidFill>
+                <a:latin typeface="Book Antiqua" pitchFamily="18" charset="0"/>
+              </a:rPr>
+              <a:t>Dr. Hussien M. Sharaf</a:t>
             </a:r>
           </a:p>
         </p:txBody>
       </p:sp>
     </p:spTree>
-    <p:extLst>
-      <p:ext uri="{BB962C8B-B14F-4D97-AF65-F5344CB8AC3E}">
-        <p14:creationId xmlns:p14="http://schemas.microsoft.com/office/powerpoint/2010/main" val="2662095790"/>
-      </p:ext>
-    </p:extLst>
   </p:cSld>
   <p:clrMapOvr>
     <a:masterClrMapping/>
@@ -13476,8 +14153,8 @@
         </p:nvSpPr>
         <p:spPr>
           <a:xfrm>
-            <a:off x="228600" y="609600"/>
-            <a:ext cx="8915400" cy="5486400"/>
+            <a:off x="228600" y="976866"/>
+            <a:ext cx="8915400" cy="5410200"/>
           </a:xfrm>
         </p:spPr>
         <p:txBody>
@@ -13491,22 +14168,21 @@
                 <a:spcPts val="0"/>
               </a:spcAft>
               <a:buFont typeface="Wingdings 3"/>
-              <a:buNone/>
-              <a:defRPr/>
-            </a:pPr>
-            <a:r>
-              <a:rPr lang="en-US" sz="2800" b="1" u="sng" dirty="0">
+              <a:buChar char=""/>
+              <a:defRPr/>
+            </a:pPr>
+            <a:r>
+              <a:rPr lang="en-US" sz="2800" b="1" dirty="0">
                 <a:solidFill>
                   <a:srgbClr val="FF0000"/>
                 </a:solidFill>
               </a:rPr>
-              <a:t>Verification and validation </a:t>
-            </a:r>
-            <a:endParaRPr lang="en-US" sz="2800" b="1" dirty="0">
-              <a:solidFill>
-                <a:srgbClr val="FF0000"/>
-              </a:solidFill>
-            </a:endParaRPr>
+              <a:t>Testing</a:t>
+            </a:r>
+            <a:r>
+              <a:rPr lang="en-US" sz="2800" dirty="0"/>
+              <a:t> is the process of exercising software to check that it does what it is supposed to and doesn’t do what it is not supposed to.</a:t>
+            </a:r>
           </a:p>
           <a:p>
             <a:pPr marL="365760" indent="-256032" fontAlgn="auto">
@@ -13518,16 +14194,20 @@
               <a:defRPr/>
             </a:pPr>
             <a:r>
-              <a:rPr lang="en-US" sz="2400" b="1" dirty="0">
+              <a:rPr lang="en-US" sz="2800" b="1" dirty="0">
                 <a:solidFill>
                   <a:srgbClr val="FF0000"/>
                 </a:solidFill>
               </a:rPr>
-              <a:t>Veriﬁcation and validation  </a:t>
-            </a:r>
-            <a:r>
-              <a:rPr lang="en-US" sz="2400" dirty="0"/>
-              <a:t>are  ways  of assessing whether  a software  product does what it is supposed to do.</a:t>
+              <a:t>Testing</a:t>
+            </a:r>
+            <a:r>
+              <a:rPr lang="en-US" sz="2800" b="1" dirty="0"/>
+              <a:t> </a:t>
+            </a:r>
+            <a:r>
+              <a:rPr lang="en-US" sz="2800" dirty="0"/>
+              <a:t>is one technique used for validation and verification. </a:t>
             </a:r>
           </a:p>
           <a:p>
@@ -13540,65 +14220,25 @@
               <a:defRPr/>
             </a:pPr>
             <a:r>
-              <a:rPr lang="en-US" sz="2400" b="1" dirty="0">
+              <a:rPr lang="en-US" sz="2800" b="1" dirty="0">
                 <a:solidFill>
                   <a:srgbClr val="FF0000"/>
                 </a:solidFill>
               </a:rPr>
-              <a:t>Validation</a:t>
-            </a:r>
-            <a:r>
-              <a:rPr lang="en-US" sz="2400" dirty="0"/>
-              <a:t>, process of </a:t>
-            </a:r>
-            <a:r>
-              <a:rPr lang="en-US" sz="2400" b="1" dirty="0"/>
-              <a:t>checking</a:t>
-            </a:r>
-            <a:r>
-              <a:rPr lang="en-US" sz="2400" dirty="0"/>
-              <a:t> that </a:t>
-            </a:r>
-            <a:r>
-              <a:rPr lang="en-US" sz="2400" b="1" dirty="0"/>
-              <a:t>the developer is building the ‘right’ product. </a:t>
-            </a:r>
-            <a:endParaRPr lang="en-US" sz="2400" dirty="0"/>
-          </a:p>
-          <a:p>
-            <a:pPr marL="365760" indent="-256032" fontAlgn="auto">
-              <a:spcAft>
-                <a:spcPts val="0"/>
-              </a:spcAft>
-              <a:buFont typeface="Wingdings 3"/>
-              <a:buChar char=""/>
-              <a:defRPr/>
-            </a:pPr>
-            <a:r>
-              <a:rPr lang="en-US" sz="2400" b="1" dirty="0">
+              <a:t>The role of testing</a:t>
+            </a:r>
+            <a:r>
+              <a:rPr lang="en-US" sz="2800" dirty="0">
                 <a:solidFill>
                   <a:srgbClr val="FF0000"/>
                 </a:solidFill>
               </a:rPr>
-              <a:t>Verification</a:t>
-            </a:r>
-            <a:r>
-              <a:rPr lang="en-US" sz="2400" dirty="0"/>
-              <a:t>, process of </a:t>
-            </a:r>
-            <a:r>
-              <a:rPr lang="en-US" sz="2400" b="1" dirty="0"/>
-              <a:t>ensuring</a:t>
-            </a:r>
-            <a:r>
-              <a:rPr lang="en-US" sz="2400" dirty="0"/>
-              <a:t> that </a:t>
-            </a:r>
-            <a:r>
-              <a:rPr lang="en-US" sz="2400" b="1" dirty="0"/>
-              <a:t>the product being built ‘right’.</a:t>
-            </a:r>
-            <a:endParaRPr lang="en-US" sz="2400" dirty="0"/>
+              <a:t> </a:t>
+            </a:r>
+            <a:r>
+              <a:rPr lang="en-US" sz="2800" dirty="0"/>
+              <a:t>is to find as many bugs as possible.</a:t>
+            </a:r>
           </a:p>
           <a:p>
             <a:pPr marL="365760" indent="-256032" fontAlgn="auto">
@@ -13610,150 +14250,17 @@
               <a:defRPr/>
             </a:pPr>
             <a:r>
-              <a:rPr lang="en-US" sz="2400" b="1" u="sng" dirty="0">
+              <a:rPr lang="en-US" sz="2800" b="1" dirty="0">
                 <a:solidFill>
                   <a:srgbClr val="FF0000"/>
                 </a:solidFill>
               </a:rPr>
-              <a:t>How to carry out validation:</a:t>
-            </a:r>
-            <a:endParaRPr lang="en-US" sz="2400" u="sng" dirty="0">
-              <a:solidFill>
-                <a:srgbClr val="FF0000"/>
-              </a:solidFill>
-            </a:endParaRPr>
-          </a:p>
-          <a:p>
-            <a:pPr marL="850392" lvl="1" indent="-457200" fontAlgn="auto">
-              <a:spcBef>
-                <a:spcPts val="324"/>
-              </a:spcBef>
-              <a:spcAft>
-                <a:spcPts val="0"/>
-              </a:spcAft>
-              <a:buFont typeface="+mj-lt"/>
-              <a:buAutoNum type="arabicPeriod"/>
-              <a:defRPr/>
-            </a:pPr>
-            <a:r>
-              <a:rPr lang="en-US" sz="2000" dirty="0"/>
-              <a:t>Make sure that all system descriptions are </a:t>
-            </a:r>
-            <a:r>
-              <a:rPr lang="en-US" sz="2000" b="1" dirty="0">
-                <a:solidFill>
-                  <a:srgbClr val="FF0000"/>
-                </a:solidFill>
-              </a:rPr>
-              <a:t>consistent with the customer’s requirements</a:t>
-            </a:r>
-            <a:r>
-              <a:rPr lang="en-US" sz="2000" dirty="0"/>
+              <a:t>By finding and fixing bugs, software quality can be improved</a:t>
+            </a:r>
+            <a:r>
+              <a:rPr lang="en-US" sz="2800" dirty="0"/>
               <a:t>.</a:t>
             </a:r>
-          </a:p>
-          <a:p>
-            <a:pPr marL="365760" indent="-256032" fontAlgn="auto">
-              <a:spcAft>
-                <a:spcPts val="0"/>
-              </a:spcAft>
-              <a:buFont typeface="Wingdings 3"/>
-              <a:buChar char=""/>
-              <a:defRPr/>
-            </a:pPr>
-            <a:r>
-              <a:rPr lang="en-US" sz="2400" b="1" u="sng" dirty="0">
-                <a:solidFill>
-                  <a:srgbClr val="FF0000"/>
-                </a:solidFill>
-              </a:rPr>
-              <a:t>How to carry out verification:</a:t>
-            </a:r>
-          </a:p>
-          <a:p>
-            <a:pPr marL="850392" lvl="1" indent="-457200" fontAlgn="auto">
-              <a:spcBef>
-                <a:spcPts val="324"/>
-              </a:spcBef>
-              <a:spcAft>
-                <a:spcPts val="0"/>
-              </a:spcAft>
-              <a:buFont typeface="+mj-lt"/>
-              <a:buAutoNum type="arabicPeriod"/>
-              <a:defRPr/>
-            </a:pPr>
-            <a:r>
-              <a:rPr lang="en-US" sz="2000" dirty="0"/>
-              <a:t>Make sure that all system descriptions are </a:t>
-            </a:r>
-            <a:r>
-              <a:rPr lang="en-US" sz="2000" b="1" dirty="0">
-                <a:solidFill>
-                  <a:srgbClr val="FF0000"/>
-                </a:solidFill>
-              </a:rPr>
-              <a:t>self-consistent</a:t>
-            </a:r>
-            <a:r>
-              <a:rPr lang="en-US" sz="2000" dirty="0"/>
-              <a:t>;</a:t>
-            </a:r>
-          </a:p>
-          <a:p>
-            <a:pPr marL="850392" lvl="1" indent="-457200" fontAlgn="auto">
-              <a:spcBef>
-                <a:spcPts val="324"/>
-              </a:spcBef>
-              <a:spcAft>
-                <a:spcPts val="0"/>
-              </a:spcAft>
-              <a:buFont typeface="+mj-lt"/>
-              <a:buAutoNum type="arabicPeriod"/>
-              <a:defRPr/>
-            </a:pPr>
-            <a:r>
-              <a:rPr lang="en-US" sz="2000" dirty="0"/>
-              <a:t>Make sure that all system descriptions are </a:t>
-            </a:r>
-            <a:r>
-              <a:rPr lang="en-US" sz="2000" b="1" dirty="0">
-                <a:solidFill>
-                  <a:srgbClr val="FF0000"/>
-                </a:solidFill>
-              </a:rPr>
-              <a:t>consistent and complete </a:t>
-            </a:r>
-            <a:r>
-              <a:rPr lang="en-US" sz="2000" dirty="0"/>
-              <a:t>with respect to those from which they were derived.</a:t>
-            </a:r>
-            <a:endParaRPr lang="en-US" sz="2400" dirty="0"/>
-          </a:p>
-          <a:p>
-            <a:pPr marL="365760" indent="-256032" fontAlgn="auto">
-              <a:spcAft>
-                <a:spcPts val="0"/>
-              </a:spcAft>
-              <a:buFont typeface="Wingdings 3"/>
-              <a:buChar char=""/>
-              <a:defRPr/>
-            </a:pPr>
-            <a:endParaRPr lang="en-US" sz="2400" b="1" u="sng" dirty="0">
-              <a:solidFill>
-                <a:srgbClr val="FF0000"/>
-              </a:solidFill>
-            </a:endParaRPr>
-          </a:p>
-          <a:p>
-            <a:pPr marL="509778" indent="-400050" fontAlgn="auto">
-              <a:spcAft>
-                <a:spcPts val="0"/>
-              </a:spcAft>
-              <a:buFont typeface="+mj-lt"/>
-              <a:buAutoNum type="alphaLcPeriod" startAt="2"/>
-              <a:defRPr/>
-            </a:pPr>
-            <a:endParaRPr lang="en-US" sz="2400" dirty="0"/>
           </a:p>
           <a:p>
             <a:pPr marL="452628" indent="-342900" fontAlgn="auto">
@@ -13780,8 +14287,8 @@
         </p:nvSpPr>
         <p:spPr>
           <a:xfrm>
-            <a:off x="228600" y="0"/>
-            <a:ext cx="8915400" cy="609600"/>
+            <a:off x="334926" y="331824"/>
+            <a:ext cx="8839200" cy="609600"/>
           </a:xfrm>
         </p:spPr>
         <p:txBody>
@@ -13797,8 +14304,8 @@
               <a:defRPr/>
             </a:pPr>
             <a:r>
-              <a:rPr lang="en-US" sz="3400" dirty="0"/>
-              <a:t>B. Verification, validation, and testing</a:t>
+              <a:rPr lang="en-US" sz="4400" dirty="0"/>
+              <a:t>Testing</a:t>
             </a:r>
           </a:p>
         </p:txBody>
@@ -13833,7 +14340,7 @@
               </a:spcAft>
               <a:defRPr/>
             </a:pPr>
-            <a:fld id="{AC609462-69B1-4E69-9B00-F6F749E9CD28}" type="slidenum">
+            <a:fld id="{E3D93272-A87A-4D19-A6FA-01802A7590DA}" type="slidenum">
               <a:rPr lang="en-US" sz="1600">
                 <a:solidFill>
                   <a:schemeClr val="bg2">
@@ -13868,7 +14375,7 @@
       </p:sp>
       <p:sp>
         <p:nvSpPr>
-          <p:cNvPr id="31748" name="Date Placeholder 3"/>
+          <p:cNvPr id="36868" name="Date Placeholder 3"/>
           <p:cNvSpPr txBox="1">
             <a:spLocks/>
           </p:cNvSpPr>
@@ -14048,7 +14555,7 @@
         </p:nvSpPr>
         <p:spPr>
           <a:xfrm>
-            <a:off x="228600" y="609600"/>
+            <a:off x="228600" y="457200"/>
             <a:ext cx="8915400" cy="5486400"/>
           </a:xfrm>
         </p:spPr>
@@ -14063,28 +14570,7 @@
                 <a:spcPts val="0"/>
               </a:spcAft>
               <a:buFont typeface="Wingdings 3"/>
-              <a:buChar char=""/>
-              <a:defRPr/>
-            </a:pPr>
-            <a:r>
-              <a:rPr lang="en-US" sz="2800" b="1" dirty="0">
-                <a:solidFill>
-                  <a:srgbClr val="FF0000"/>
-                </a:solidFill>
-              </a:rPr>
-              <a:t>In the development process: </a:t>
-            </a:r>
-          </a:p>
-          <a:p>
-            <a:pPr marL="621792" lvl="1" fontAlgn="auto">
-              <a:spcBef>
-                <a:spcPts val="324"/>
-              </a:spcBef>
-              <a:spcAft>
-                <a:spcPts val="0"/>
-              </a:spcAft>
-              <a:buFont typeface="Verdana"/>
-              <a:buChar char="◦"/>
+              <a:buNone/>
               <a:defRPr/>
             </a:pPr>
             <a:r>
@@ -14093,121 +14579,205 @@
                   <a:srgbClr val="FF0000"/>
                 </a:solidFill>
               </a:rPr>
-              <a:t>Testing </a:t>
-            </a:r>
-            <a:r>
-              <a:rPr lang="en-US" sz="2400" dirty="0"/>
-              <a:t>is</a:t>
-            </a:r>
+              <a:t>Four types of testing during a software development project:</a:t>
+            </a:r>
+          </a:p>
+          <a:p>
+            <a:pPr marL="566928" indent="-457200" fontAlgn="auto">
+              <a:spcAft>
+                <a:spcPts val="0"/>
+              </a:spcAft>
+              <a:buFont typeface="+mj-lt"/>
+              <a:buAutoNum type="arabicPeriod"/>
+              <a:defRPr/>
+            </a:pPr>
             <a:r>
               <a:rPr lang="en-US" sz="2400" b="1" dirty="0">
                 <a:solidFill>
                   <a:srgbClr val="FF0000"/>
                 </a:solidFill>
               </a:rPr>
-              <a:t> </a:t>
+              <a:t>Usability testing</a:t>
+            </a:r>
+            <a:r>
+              <a:rPr lang="en-US" sz="2400" b="1" dirty="0"/>
+              <a:t>,</a:t>
             </a:r>
             <a:r>
               <a:rPr lang="en-US" sz="2400" dirty="0"/>
-              <a:t>usually happened at late stage, so if any requirement were missing, or misunderstood, it will be costly to recover it. </a:t>
-            </a:r>
-          </a:p>
-          <a:p>
-            <a:pPr marL="621792" lvl="1" fontAlgn="auto">
-              <a:spcBef>
-                <a:spcPts val="324"/>
-              </a:spcBef>
+              <a:t> the functionality and user interface are tested.</a:t>
+            </a:r>
+          </a:p>
+          <a:p>
+            <a:pPr marL="566928" indent="-457200" fontAlgn="auto">
               <a:spcAft>
                 <a:spcPts val="0"/>
               </a:spcAft>
-              <a:buFont typeface="Verdana"/>
-              <a:buChar char="◦"/>
-              <a:defRPr/>
-            </a:pPr>
-            <a:r>
-              <a:rPr lang="en-US" sz="2400" dirty="0"/>
-              <a:t>An alternative model is The use  of </a:t>
-            </a:r>
+              <a:buFont typeface="+mj-lt"/>
+              <a:buAutoNum type="arabicPeriod"/>
+              <a:defRPr/>
+            </a:pPr>
             <a:r>
               <a:rPr lang="en-US" sz="2400" b="1" dirty="0">
                 <a:solidFill>
                   <a:srgbClr val="FF0000"/>
                 </a:solidFill>
               </a:rPr>
-              <a:t>prototypes,</a:t>
+              <a:t>Developmental testing</a:t>
+            </a:r>
+            <a:r>
+              <a:rPr lang="en-US" sz="2400" b="1" dirty="0"/>
+              <a:t>,</a:t>
             </a:r>
             <a:r>
               <a:rPr lang="en-US" sz="2400" dirty="0"/>
-              <a:t> facilitate understanding requirements and figure out any missing or wrong requirement early in the development process.</a:t>
-            </a:r>
-          </a:p>
-          <a:p>
-            <a:pPr marL="365760" indent="-256032" fontAlgn="auto">
+              <a:t> checks that developmental activities have been carried out correctly. </a:t>
+            </a:r>
+            <a:endParaRPr lang="en-US" sz="2800" dirty="0"/>
+          </a:p>
+          <a:p>
+            <a:pPr marL="1088136" lvl="2" indent="-457200" fontAlgn="auto">
+              <a:spcBef>
+                <a:spcPts val="0"/>
+              </a:spcBef>
               <a:spcAft>
                 <a:spcPts val="0"/>
               </a:spcAft>
-              <a:buFont typeface="Wingdings 3"/>
-              <a:buChar char=""/>
-              <a:defRPr/>
-            </a:pPr>
-            <a:r>
-              <a:rPr lang="en-US" sz="2800" dirty="0">
+              <a:buFont typeface="+mj-lt"/>
+              <a:buAutoNum type="alphaLcParenR"/>
+              <a:defRPr/>
+            </a:pPr>
+            <a:r>
+              <a:rPr lang="en-US" sz="1800" b="1" dirty="0">
                 <a:solidFill>
                   <a:srgbClr val="FF0000"/>
                 </a:solidFill>
               </a:rPr>
-              <a:t>Veriﬁcation</a:t>
-            </a:r>
-            <a:r>
-              <a:rPr lang="en-US" sz="2800" dirty="0"/>
-              <a:t> </a:t>
-            </a:r>
-            <a:r>
-              <a:rPr lang="en-US" sz="2800" dirty="0">
+              <a:t>Unit testing</a:t>
+            </a:r>
+            <a:r>
+              <a:rPr lang="en-US" sz="2400" dirty="0"/>
+              <a:t>, </a:t>
+            </a:r>
+            <a:r>
+              <a:rPr lang="en-US" sz="1800" dirty="0"/>
+              <a:t>units of functionality (for example, the classes in an object-oriented system) are tested in isolation;</a:t>
+            </a:r>
+          </a:p>
+          <a:p>
+            <a:pPr marL="1088136" lvl="2" indent="-457200" fontAlgn="auto">
+              <a:spcBef>
+                <a:spcPts val="0"/>
+              </a:spcBef>
+              <a:spcAft>
+                <a:spcPts val="0"/>
+              </a:spcAft>
+              <a:buFont typeface="+mj-lt"/>
+              <a:buAutoNum type="alphaLcParenR"/>
+              <a:defRPr/>
+            </a:pPr>
+            <a:r>
+              <a:rPr lang="en-US" sz="1800" b="1" dirty="0">
                 <a:solidFill>
                   <a:srgbClr val="FF0000"/>
                 </a:solidFill>
               </a:rPr>
-              <a:t>techniques</a:t>
-            </a:r>
-            <a:r>
-              <a:rPr lang="en-US" sz="2800" dirty="0"/>
-              <a:t> </a:t>
-            </a:r>
-            <a:r>
-              <a:rPr lang="en-US" sz="2800" dirty="0">
+              <a:t>Integration testing</a:t>
+            </a:r>
+            <a:r>
+              <a:rPr lang="en-US" sz="2400" dirty="0"/>
+              <a:t>, </a:t>
+            </a:r>
+            <a:r>
+              <a:rPr lang="en-US" sz="1800" dirty="0"/>
+              <a:t>previously tested units are tested together;</a:t>
+            </a:r>
+          </a:p>
+          <a:p>
+            <a:pPr marL="1088136" lvl="2" indent="-457200" fontAlgn="auto">
+              <a:spcBef>
+                <a:spcPts val="0"/>
+              </a:spcBef>
+              <a:spcAft>
+                <a:spcPts val="0"/>
+              </a:spcAft>
+              <a:buFont typeface="+mj-lt"/>
+              <a:buAutoNum type="alphaLcParenR"/>
+              <a:defRPr/>
+            </a:pPr>
+            <a:r>
+              <a:rPr lang="en-US" sz="1800" b="1" dirty="0">
                 <a:solidFill>
                   <a:srgbClr val="FF0000"/>
                 </a:solidFill>
               </a:rPr>
-              <a:t>should be used during each activity in the development process</a:t>
-            </a:r>
-            <a:r>
-              <a:rPr lang="en-US" sz="2800" dirty="0"/>
-              <a:t> to ensure that the deliverable from each activity is consistent and  complete with respect to the input to that activity. </a:t>
-            </a:r>
-          </a:p>
-          <a:p>
-            <a:pPr marL="509778" indent="-400050" fontAlgn="auto">
+              <a:t>System testing</a:t>
+            </a:r>
+            <a:r>
+              <a:rPr lang="en-US" sz="2400" dirty="0"/>
+              <a:t>, </a:t>
+            </a:r>
+            <a:r>
+              <a:rPr lang="en-US" sz="1800" dirty="0"/>
+              <a:t>the completed system is tested against the customer’s requirements.</a:t>
+            </a:r>
+          </a:p>
+          <a:p>
+            <a:pPr marL="566928" indent="-457200" fontAlgn="auto">
               <a:spcAft>
                 <a:spcPts val="0"/>
               </a:spcAft>
               <a:buFont typeface="+mj-lt"/>
-              <a:buAutoNum type="alphaLcPeriod" startAt="2"/>
-              <a:defRPr/>
-            </a:pPr>
-            <a:endParaRPr lang="en-US" sz="2800" dirty="0"/>
-          </a:p>
-          <a:p>
-            <a:pPr marL="452628" indent="-342900" fontAlgn="auto">
+              <a:buAutoNum type="arabicPeriod" startAt="3"/>
+              <a:defRPr/>
+            </a:pPr>
+            <a:r>
+              <a:rPr lang="en-US" sz="2400" b="1" dirty="0">
+                <a:solidFill>
+                  <a:srgbClr val="FF0000"/>
+                </a:solidFill>
+              </a:rPr>
+              <a:t>Requirements-based testing</a:t>
+            </a:r>
+            <a:r>
+              <a:rPr lang="en-US" sz="2400" dirty="0"/>
+              <a:t>, checks that a system meets the customer’s requirements.</a:t>
+            </a:r>
+          </a:p>
+          <a:p>
+            <a:pPr marL="566928" indent="-457200" fontAlgn="auto">
               <a:spcAft>
                 <a:spcPts val="0"/>
               </a:spcAft>
               <a:buFont typeface="+mj-lt"/>
-              <a:buAutoNum type="alphaLcPeriod" startAt="2"/>
-              <a:defRPr/>
-            </a:pPr>
-            <a:endParaRPr lang="en-US" sz="2800" dirty="0"/>
+              <a:buAutoNum type="arabicPeriod" startAt="3"/>
+              <a:defRPr/>
+            </a:pPr>
+            <a:r>
+              <a:rPr lang="en-US" sz="2400" b="1" dirty="0">
+                <a:solidFill>
+                  <a:srgbClr val="FF0000"/>
+                </a:solidFill>
+              </a:rPr>
+              <a:t>Regression testing</a:t>
+            </a:r>
+            <a:r>
+              <a:rPr lang="en-US" sz="2400" dirty="0"/>
+              <a:t>, occurs during developmental testing and  system maintenance, and checks that </a:t>
+            </a:r>
+            <a:r>
+              <a:rPr lang="en-US" sz="2400" dirty="0" err="1"/>
+              <a:t>ﬁxing</a:t>
+            </a:r>
+            <a:r>
+              <a:rPr lang="en-US" sz="2400" dirty="0"/>
+              <a:t> one bug has not introduced others</a:t>
+            </a:r>
+            <a:r>
+              <a:rPr lang="en-US" sz="2800" dirty="0"/>
+              <a:t>.</a:t>
+            </a:r>
+            <a:endParaRPr lang="en-US" sz="2400" dirty="0"/>
           </a:p>
         </p:txBody>
       </p:sp>
@@ -14223,8 +14793,8 @@
         </p:nvSpPr>
         <p:spPr>
           <a:xfrm>
-            <a:off x="228600" y="0"/>
-            <a:ext cx="8915400" cy="609600"/>
+            <a:off x="304800" y="0"/>
+            <a:ext cx="8839200" cy="609600"/>
           </a:xfrm>
         </p:spPr>
         <p:txBody>
@@ -14240,8 +14810,8 @@
               <a:defRPr/>
             </a:pPr>
             <a:r>
-              <a:rPr lang="en-US" sz="4000" dirty="0"/>
-              <a:t>The development process</a:t>
+              <a:rPr lang="en-US" sz="3200" dirty="0"/>
+              <a:t>The testing process</a:t>
             </a:r>
           </a:p>
         </p:txBody>
@@ -14276,7 +14846,7 @@
               </a:spcAft>
               <a:defRPr/>
             </a:pPr>
-            <a:fld id="{34291B06-E2EB-4253-A0C1-5F6086C84E8A}" type="slidenum">
+            <a:fld id="{0F420393-9EE1-4573-8BB2-A9A0322A3642}" type="slidenum">
               <a:rPr lang="en-US" sz="1600">
                 <a:solidFill>
                   <a:schemeClr val="bg2">
@@ -14311,7 +14881,7 @@
       </p:sp>
       <p:sp>
         <p:nvSpPr>
-          <p:cNvPr id="34820" name="Date Placeholder 3"/>
+          <p:cNvPr id="37892" name="Date Placeholder 3"/>
           <p:cNvSpPr txBox="1">
             <a:spLocks/>
           </p:cNvSpPr>
@@ -14376,7 +14946,7 @@
       </p:grpSpPr>
       <p:sp>
         <p:nvSpPr>
-          <p:cNvPr id="2" name="Content Placeholder 1"/>
+          <p:cNvPr id="38913" name="Content Placeholder 1"/>
           <p:cNvSpPr>
             <a:spLocks noGrp="1"/>
           </p:cNvSpPr>
@@ -14386,109 +14956,77 @@
         </p:nvSpPr>
         <p:spPr>
           <a:xfrm>
-            <a:off x="228600" y="976866"/>
-            <a:ext cx="8915400" cy="5410200"/>
+            <a:off x="228600" y="609600"/>
+            <a:ext cx="8915400" cy="5486400"/>
           </a:xfrm>
         </p:spPr>
         <p:txBody>
-          <a:bodyPr>
-            <a:noAutofit/>
-          </a:bodyPr>
+          <a:bodyPr/>
           <a:lstStyle/>
           <a:p>
-            <a:pPr marL="365760" indent="-256032" fontAlgn="auto">
-              <a:spcAft>
-                <a:spcPts val="0"/>
-              </a:spcAft>
-              <a:buFont typeface="Wingdings 3"/>
-              <a:buChar char=""/>
-              <a:defRPr/>
-            </a:pPr>
-            <a:r>
-              <a:rPr lang="en-US" sz="2800" b="1" dirty="0">
-                <a:solidFill>
-                  <a:srgbClr val="FF0000"/>
-                </a:solidFill>
-              </a:rPr>
-              <a:t>Testing</a:t>
-            </a:r>
-            <a:r>
-              <a:rPr lang="en-US" sz="2800" dirty="0"/>
-              <a:t> is the process of exercising software to check that it does what it is supposed to and doesn’t do what it is not supposed to.</a:t>
-            </a:r>
-          </a:p>
-          <a:p>
-            <a:pPr marL="365760" indent="-256032" fontAlgn="auto">
-              <a:spcAft>
-                <a:spcPts val="0"/>
-              </a:spcAft>
-              <a:buFont typeface="Wingdings 3"/>
-              <a:buChar char=""/>
-              <a:defRPr/>
-            </a:pPr>
-            <a:r>
-              <a:rPr lang="en-US" sz="2800" b="1" dirty="0">
-                <a:solidFill>
-                  <a:srgbClr val="FF0000"/>
-                </a:solidFill>
-              </a:rPr>
-              <a:t>Testing</a:t>
-            </a:r>
-            <a:r>
-              <a:rPr lang="en-US" sz="2800" b="1" dirty="0"/>
-              <a:t> </a:t>
-            </a:r>
-            <a:r>
-              <a:rPr lang="en-US" sz="2800" dirty="0"/>
-              <a:t>is one technique used for validation and verification. </a:t>
-            </a:r>
-          </a:p>
-          <a:p>
-            <a:pPr marL="365760" indent="-256032" fontAlgn="auto">
-              <a:spcAft>
-                <a:spcPts val="0"/>
-              </a:spcAft>
-              <a:buFont typeface="Wingdings 3"/>
-              <a:buChar char=""/>
-              <a:defRPr/>
-            </a:pPr>
-            <a:r>
-              <a:rPr lang="en-US" sz="2800" b="1" dirty="0">
-                <a:solidFill>
-                  <a:srgbClr val="FF0000"/>
-                </a:solidFill>
-              </a:rPr>
-              <a:t>The role of testing</a:t>
-            </a:r>
+            <a:pPr marL="623888" indent="-514350"/>
             <a:r>
               <a:rPr lang="en-US" sz="2800" dirty="0">
                 <a:solidFill>
                   <a:srgbClr val="FF0000"/>
                 </a:solidFill>
               </a:rPr>
-              <a:t> </a:t>
+              <a:t>Unit testing is performed on classes</a:t>
             </a:r>
             <a:r>
               <a:rPr lang="en-US" sz="2800" dirty="0"/>
-              <a:t>is to find as many bugs as possible.</a:t>
-            </a:r>
-          </a:p>
-          <a:p>
-            <a:pPr marL="365760" indent="-256032" fontAlgn="auto">
-              <a:spcAft>
-                <a:spcPts val="0"/>
-              </a:spcAft>
-              <a:buFont typeface="Wingdings 3"/>
-              <a:buChar char=""/>
-              <a:defRPr/>
-            </a:pPr>
-            <a:r>
-              <a:rPr lang="en-US" sz="2800" b="1" dirty="0">
+              <a:t>. </a:t>
+            </a:r>
+          </a:p>
+          <a:p>
+            <a:pPr marL="623888" indent="-514350"/>
+            <a:r>
+              <a:rPr lang="en-US" sz="2800" dirty="0"/>
+              <a:t>The unit is tested using the </a:t>
+            </a:r>
+            <a:r>
+              <a:rPr lang="en-US" sz="2800" dirty="0">
                 <a:solidFill>
                   <a:srgbClr val="FF0000"/>
                 </a:solidFill>
               </a:rPr>
-              <a:t>By finding and fixing bugs, software quality can be improved</a:t>
+              <a:t>test data</a:t>
+            </a:r>
+            <a:r>
+              <a:rPr lang="en-US" sz="2800" dirty="0"/>
+              <a:t>, and </a:t>
+            </a:r>
+            <a:r>
+              <a:rPr lang="en-US" sz="2800" dirty="0">
+                <a:solidFill>
+                  <a:srgbClr val="FF0000"/>
+                </a:solidFill>
+              </a:rPr>
+              <a:t>test results  </a:t>
+            </a:r>
+            <a:r>
+              <a:rPr lang="en-US" sz="2800" dirty="0"/>
+              <a:t>are  collected. By comparison with the </a:t>
+            </a:r>
+            <a:r>
+              <a:rPr lang="en-US" sz="2800" dirty="0">
+                <a:solidFill>
+                  <a:srgbClr val="FF0000"/>
+                </a:solidFill>
+              </a:rPr>
+              <a:t>criteria</a:t>
+            </a:r>
+            <a:r>
+              <a:rPr lang="en-US" sz="2800" dirty="0"/>
+              <a:t>, the results can be  analyzed to reveal  the presence of </a:t>
+            </a:r>
+            <a:r>
+              <a:rPr lang="en-US" sz="2800" dirty="0">
+                <a:solidFill>
+                  <a:srgbClr val="FF0000"/>
+                </a:solidFill>
+              </a:rPr>
+              <a:t>bugs</a:t>
             </a:r>
             <a:r>
               <a:rPr lang="en-US" sz="2800" dirty="0"/>
@@ -14496,15 +15034,48 @@
             </a:r>
           </a:p>
           <a:p>
-            <a:pPr marL="452628" indent="-342900" fontAlgn="auto">
-              <a:spcAft>
-                <a:spcPts val="0"/>
-              </a:spcAft>
-              <a:buFont typeface="+mj-lt"/>
-              <a:buAutoNum type="alphaLcPeriod" startAt="2"/>
-              <a:defRPr/>
-            </a:pPr>
-            <a:endParaRPr lang="en-US" sz="2400" dirty="0"/>
+            <a:pPr marL="623888" indent="-514350"/>
+            <a:r>
+              <a:rPr lang="en-US" b="1" dirty="0"/>
+              <a:t>For a particular class, unit testing should consist of five parts:</a:t>
+            </a:r>
+          </a:p>
+          <a:p>
+            <a:pPr marL="623888" indent="-514350">
+              <a:buFont typeface="Wingdings 3" pitchFamily="18" charset="2"/>
+              <a:buAutoNum type="arabicPeriod"/>
+            </a:pPr>
+            <a:r>
+              <a:rPr lang="en-US" b="1" dirty="0"/>
+              <a:t>interface testing, </a:t>
+            </a:r>
+            <a:r>
+              <a:rPr lang="en-US" dirty="0"/>
+              <a:t>where test data is chosen to check that the flow of information into and out of an object of the class is correct;</a:t>
+            </a:r>
+          </a:p>
+          <a:p>
+            <a:pPr marL="623888" indent="-514350">
+              <a:buFont typeface="Wingdings 3" pitchFamily="18" charset="2"/>
+              <a:buAutoNum type="arabicPeriod"/>
+            </a:pPr>
+            <a:r>
+              <a:rPr lang="en-US" b="1" dirty="0"/>
+              <a:t>boundary-condition testing, </a:t>
+            </a:r>
+            <a:r>
+              <a:rPr lang="en-US" dirty="0"/>
+              <a:t>where test data are chosen to check that methods perform correctly at the extremities of input ranges;</a:t>
+            </a:r>
+            <a:endParaRPr lang="en-US" sz="2800" dirty="0">
+              <a:solidFill>
+                <a:srgbClr val="FF0000"/>
+              </a:solidFill>
+            </a:endParaRPr>
+          </a:p>
+          <a:p>
+            <a:pPr marL="623888" indent="-514350"/>
+            <a:endParaRPr lang="en-US" sz="2800" dirty="0"/>
           </a:p>
         </p:txBody>
       </p:sp>
@@ -14520,7 +15091,7 @@
         </p:nvSpPr>
         <p:spPr>
           <a:xfrm>
-            <a:off x="334926" y="331824"/>
+            <a:off x="304800" y="0"/>
             <a:ext cx="8839200" cy="609600"/>
           </a:xfrm>
         </p:spPr>
@@ -14537,8 +15108,8 @@
               <a:defRPr/>
             </a:pPr>
             <a:r>
-              <a:rPr lang="en-US" sz="4400" dirty="0"/>
-              <a:t>Testing</a:t>
+              <a:rPr lang="en-US" sz="3600" dirty="0"/>
+              <a:t>Unit testing</a:t>
             </a:r>
           </a:p>
         </p:txBody>
@@ -14564,51 +15135,29 @@
           <a:bodyPr/>
           <a:lstStyle/>
           <a:p>
-            <a:pPr algn="r" fontAlgn="auto">
-              <a:spcBef>
-                <a:spcPts val="0"/>
-              </a:spcBef>
-              <a:spcAft>
-                <a:spcPts val="0"/>
-              </a:spcAft>
-              <a:defRPr/>
-            </a:pPr>
-            <a:fld id="{E3D93272-A87A-4D19-A6FA-01802A7590DA}" type="slidenum">
-              <a:rPr lang="en-US" sz="1600">
+            <a:pPr algn="r"/>
+            <a:fld id="{F39C6CFD-CF25-4D24-BBF0-8EA37A894A79}" type="slidenum">
+              <a:rPr lang="ar-SA" sz="1600">
                 <a:solidFill>
-                  <a:schemeClr val="bg2">
-                    <a:lumMod val="10000"/>
-                  </a:schemeClr>
+                  <a:srgbClr val="151515"/>
                 </a:solidFill>
-                <a:latin typeface="+mn-lt"/>
-                <a:cs typeface="+mn-cs"/>
+                <a:latin typeface="Book Antiqua" pitchFamily="18" charset="0"/>
               </a:rPr>
-              <a:pPr algn="r" fontAlgn="auto">
-                <a:spcBef>
-                  <a:spcPts val="0"/>
-                </a:spcBef>
-                <a:spcAft>
-                  <a:spcPts val="0"/>
-                </a:spcAft>
-                <a:defRPr/>
-              </a:pPr>
+              <a:pPr algn="r"/>
               <a:t>21</a:t>
             </a:fld>
-            <a:endParaRPr lang="en-US" sz="1600" dirty="0">
+            <a:endParaRPr lang="en-US" sz="1600">
               <a:solidFill>
-                <a:schemeClr val="bg2">
-                  <a:lumMod val="10000"/>
-                </a:schemeClr>
+                <a:srgbClr val="151515"/>
               </a:solidFill>
-              <a:latin typeface="+mn-lt"/>
-              <a:cs typeface="+mn-cs"/>
+              <a:latin typeface="Book Antiqua" pitchFamily="18" charset="0"/>
             </a:endParaRPr>
           </a:p>
         </p:txBody>
       </p:sp>
       <p:sp>
         <p:nvSpPr>
-          <p:cNvPr id="36868" name="Date Placeholder 3"/>
+          <p:cNvPr id="38916" name="Date Placeholder 3"/>
           <p:cNvSpPr txBox="1">
             <a:spLocks/>
           </p:cNvSpPr>
@@ -14673,7 +15222,7 @@
       </p:grpSpPr>
       <p:sp>
         <p:nvSpPr>
-          <p:cNvPr id="2" name="Content Placeholder 1"/>
+          <p:cNvPr id="39937" name="Content Placeholder 1"/>
           <p:cNvSpPr>
             <a:spLocks noGrp="1"/>
           </p:cNvSpPr>
@@ -14683,229 +15232,52 @@
         </p:nvSpPr>
         <p:spPr>
           <a:xfrm>
-            <a:off x="228600" y="457200"/>
+            <a:off x="228600" y="609600"/>
             <a:ext cx="8915400" cy="5486400"/>
           </a:xfrm>
         </p:spPr>
         <p:txBody>
-          <a:bodyPr>
-            <a:noAutofit/>
-          </a:bodyPr>
+          <a:bodyPr/>
           <a:lstStyle/>
           <a:p>
-            <a:pPr marL="365760" indent="-256032" fontAlgn="auto">
-              <a:spcAft>
-                <a:spcPts val="0"/>
-              </a:spcAft>
-              <a:buFont typeface="Wingdings 3"/>
-              <a:buNone/>
-              <a:defRPr/>
-            </a:pPr>
-            <a:r>
-              <a:rPr lang="en-US" sz="2400" b="1" dirty="0">
+            <a:r>
+              <a:rPr lang="en-US" sz="3200">
                 <a:solidFill>
                   <a:srgbClr val="FF0000"/>
                 </a:solidFill>
               </a:rPr>
-              <a:t>Four types of testing during a software development project:</a:t>
-            </a:r>
-          </a:p>
-          <a:p>
-            <a:pPr marL="566928" indent="-457200" fontAlgn="auto">
-              <a:spcAft>
-                <a:spcPts val="0"/>
-              </a:spcAft>
-              <a:buFont typeface="+mj-lt"/>
-              <a:buAutoNum type="arabicPeriod"/>
-              <a:defRPr/>
-            </a:pPr>
-            <a:r>
-              <a:rPr lang="en-US" sz="2400" b="1" dirty="0">
+              <a:t>Integration testing </a:t>
+            </a:r>
+            <a:r>
+              <a:rPr lang="en-US" sz="3200"/>
+              <a:t>involves checking that unit-tested classes interface correctly together.  </a:t>
+            </a:r>
+          </a:p>
+          <a:p>
+            <a:r>
+              <a:rPr lang="en-US" sz="3200" b="1">
                 <a:solidFill>
                   <a:srgbClr val="FF0000"/>
                 </a:solidFill>
               </a:rPr>
-              <a:t>Usability testing</a:t>
-            </a:r>
-            <a:r>
-              <a:rPr lang="en-US" sz="2400" b="1" dirty="0"/>
-              <a:t>,</a:t>
-            </a:r>
-            <a:r>
-              <a:rPr lang="en-US" sz="2400" dirty="0"/>
-              <a:t> the functionality and user interface are tested.</a:t>
-            </a:r>
-          </a:p>
-          <a:p>
-            <a:pPr marL="566928" indent="-457200" fontAlgn="auto">
-              <a:spcAft>
-                <a:spcPts val="0"/>
-              </a:spcAft>
-              <a:buFont typeface="+mj-lt"/>
-              <a:buAutoNum type="arabicPeriod"/>
-              <a:defRPr/>
-            </a:pPr>
-            <a:r>
-              <a:rPr lang="en-US" sz="2400" b="1" dirty="0">
+              <a:t>One major problem with integration testing </a:t>
+            </a:r>
+            <a:r>
+              <a:rPr lang="en-US" sz="3200"/>
+              <a:t>is that </a:t>
+            </a:r>
+            <a:r>
+              <a:rPr lang="en-US" sz="3200">
                 <a:solidFill>
                   <a:srgbClr val="FF0000"/>
                 </a:solidFill>
               </a:rPr>
-              <a:t>Developmental testing</a:t>
-            </a:r>
-            <a:r>
-              <a:rPr lang="en-US" sz="2400" b="1" dirty="0"/>
-              <a:t>,</a:t>
-            </a:r>
-            <a:r>
-              <a:rPr lang="en-US" sz="2400" dirty="0"/>
-              <a:t> checks that developmental activities have been carried out correctly. </a:t>
-            </a:r>
-            <a:endParaRPr lang="en-US" sz="2800" dirty="0"/>
-          </a:p>
-          <a:p>
-            <a:pPr marL="1088136" lvl="2" indent="-457200" fontAlgn="auto">
-              <a:spcBef>
-                <a:spcPts val="0"/>
-              </a:spcBef>
-              <a:spcAft>
-                <a:spcPts val="0"/>
-              </a:spcAft>
-              <a:buFont typeface="+mj-lt"/>
-              <a:buAutoNum type="alphaLcParenR"/>
-              <a:defRPr/>
-            </a:pPr>
-            <a:r>
-              <a:rPr lang="en-US" sz="1800" b="1" dirty="0">
-                <a:solidFill>
-                  <a:srgbClr val="FF0000"/>
-                </a:solidFill>
-              </a:rPr>
-              <a:t>Unit testing</a:t>
-            </a:r>
-            <a:r>
-              <a:rPr lang="en-US" sz="2400" dirty="0"/>
-              <a:t>, </a:t>
-            </a:r>
-            <a:r>
-              <a:rPr lang="en-US" sz="1800" dirty="0"/>
-              <a:t>units of functionality (for example, the classes in an object-oriented system) are tested in isolation;</a:t>
-            </a:r>
-          </a:p>
-          <a:p>
-            <a:pPr marL="1088136" lvl="2" indent="-457200" fontAlgn="auto">
-              <a:spcBef>
-                <a:spcPts val="0"/>
-              </a:spcBef>
-              <a:spcAft>
-                <a:spcPts val="0"/>
-              </a:spcAft>
-              <a:buFont typeface="+mj-lt"/>
-              <a:buAutoNum type="alphaLcParenR"/>
-              <a:defRPr/>
-            </a:pPr>
-            <a:r>
-              <a:rPr lang="en-US" sz="1800" b="1" dirty="0">
-                <a:solidFill>
-                  <a:srgbClr val="FF0000"/>
-                </a:solidFill>
-              </a:rPr>
-              <a:t>Integration testing</a:t>
-            </a:r>
-            <a:r>
-              <a:rPr lang="en-US" sz="2400" dirty="0"/>
-              <a:t>, </a:t>
-            </a:r>
-            <a:r>
-              <a:rPr lang="en-US" sz="1800" dirty="0"/>
-              <a:t>previously tested units are tested together;</a:t>
-            </a:r>
-          </a:p>
-          <a:p>
-            <a:pPr marL="1088136" lvl="2" indent="-457200" fontAlgn="auto">
-              <a:spcBef>
-                <a:spcPts val="0"/>
-              </a:spcBef>
-              <a:spcAft>
-                <a:spcPts val="0"/>
-              </a:spcAft>
-              <a:buFont typeface="+mj-lt"/>
-              <a:buAutoNum type="alphaLcParenR"/>
-              <a:defRPr/>
-            </a:pPr>
-            <a:r>
-              <a:rPr lang="en-US" sz="1800" b="1" dirty="0">
-                <a:solidFill>
-                  <a:srgbClr val="FF0000"/>
-                </a:solidFill>
-              </a:rPr>
-              <a:t>System testing</a:t>
-            </a:r>
-            <a:r>
-              <a:rPr lang="en-US" sz="2400" dirty="0"/>
-              <a:t>, </a:t>
-            </a:r>
-            <a:r>
-              <a:rPr lang="en-US" sz="1800" dirty="0"/>
-              <a:t>the completed system is tested against the customer’s requirements.</a:t>
-            </a:r>
-          </a:p>
-          <a:p>
-            <a:pPr marL="566928" indent="-457200" fontAlgn="auto">
-              <a:spcAft>
-                <a:spcPts val="0"/>
-              </a:spcAft>
-              <a:buFont typeface="+mj-lt"/>
-              <a:buAutoNum type="arabicPeriod" startAt="3"/>
-              <a:defRPr/>
-            </a:pPr>
-            <a:r>
-              <a:rPr lang="en-US" sz="2400" b="1" dirty="0">
-                <a:solidFill>
-                  <a:srgbClr val="FF0000"/>
-                </a:solidFill>
-              </a:rPr>
-              <a:t>Requirements-based testing</a:t>
-            </a:r>
-            <a:r>
-              <a:rPr lang="en-US" sz="2400" dirty="0"/>
-              <a:t>, checks that a system meets the customer’s requirements.</a:t>
-            </a:r>
-          </a:p>
-          <a:p>
-            <a:pPr marL="566928" indent="-457200" fontAlgn="auto">
-              <a:spcAft>
-                <a:spcPts val="0"/>
-              </a:spcAft>
-              <a:buFont typeface="+mj-lt"/>
-              <a:buAutoNum type="arabicPeriod" startAt="3"/>
-              <a:defRPr/>
-            </a:pPr>
-            <a:r>
-              <a:rPr lang="en-US" sz="2400" b="1" dirty="0">
-                <a:solidFill>
-                  <a:srgbClr val="FF0000"/>
-                </a:solidFill>
-              </a:rPr>
-              <a:t>Regression testing</a:t>
-            </a:r>
-            <a:r>
-              <a:rPr lang="en-US" sz="2400" dirty="0"/>
-              <a:t>, occurs during developmental testing and  system maintenance, and checks that </a:t>
-            </a:r>
-            <a:r>
-              <a:rPr lang="en-US" sz="2400" dirty="0" err="1"/>
-              <a:t>ﬁxing</a:t>
-            </a:r>
-            <a:r>
-              <a:rPr lang="en-US" sz="2400" dirty="0"/>
-              <a:t> one bug has not introduced others</a:t>
-            </a:r>
-            <a:r>
-              <a:rPr lang="en-US" sz="2800" dirty="0"/>
-              <a:t>.</a:t>
-            </a:r>
-            <a:endParaRPr lang="en-US" sz="2400" dirty="0"/>
+              <a:t>polymorphism and inheritance </a:t>
+            </a:r>
+            <a:r>
+              <a:rPr lang="en-US" sz="3200"/>
+              <a:t>can greatly complicate testing.</a:t>
+            </a:r>
           </a:p>
         </p:txBody>
       </p:sp>
@@ -14938,8 +15310,8 @@
               <a:defRPr/>
             </a:pPr>
             <a:r>
-              <a:rPr lang="en-US" sz="3200" dirty="0"/>
-              <a:t>The testing process</a:t>
+              <a:rPr lang="en-US" sz="4400" dirty="0"/>
+              <a:t>Integration testing</a:t>
             </a:r>
           </a:p>
         </p:txBody>
@@ -14965,51 +15337,29 @@
           <a:bodyPr/>
           <a:lstStyle/>
           <a:p>
-            <a:pPr algn="r" fontAlgn="auto">
-              <a:spcBef>
-                <a:spcPts val="0"/>
-              </a:spcBef>
-              <a:spcAft>
-                <a:spcPts val="0"/>
-              </a:spcAft>
-              <a:defRPr/>
-            </a:pPr>
-            <a:fld id="{0F420393-9EE1-4573-8BB2-A9A0322A3642}" type="slidenum">
-              <a:rPr lang="en-US" sz="1600">
+            <a:pPr algn="r"/>
+            <a:fld id="{4200EA2F-5F65-4DD6-BEFC-AFE39F01ABF2}" type="slidenum">
+              <a:rPr lang="ar-SA" sz="1600">
                 <a:solidFill>
-                  <a:schemeClr val="bg2">
-                    <a:lumMod val="10000"/>
-                  </a:schemeClr>
+                  <a:srgbClr val="151515"/>
                 </a:solidFill>
-                <a:latin typeface="+mn-lt"/>
-                <a:cs typeface="+mn-cs"/>
+                <a:latin typeface="Book Antiqua" pitchFamily="18" charset="0"/>
               </a:rPr>
-              <a:pPr algn="r" fontAlgn="auto">
-                <a:spcBef>
-                  <a:spcPts val="0"/>
-                </a:spcBef>
-                <a:spcAft>
-                  <a:spcPts val="0"/>
-                </a:spcAft>
-                <a:defRPr/>
-              </a:pPr>
+              <a:pPr algn="r"/>
               <a:t>22</a:t>
             </a:fld>
-            <a:endParaRPr lang="en-US" sz="1600" dirty="0">
+            <a:endParaRPr lang="en-US" sz="1600">
               <a:solidFill>
-                <a:schemeClr val="bg2">
-                  <a:lumMod val="10000"/>
-                </a:schemeClr>
+                <a:srgbClr val="151515"/>
               </a:solidFill>
-              <a:latin typeface="+mn-lt"/>
-              <a:cs typeface="+mn-cs"/>
+              <a:latin typeface="Book Antiqua" pitchFamily="18" charset="0"/>
             </a:endParaRPr>
           </a:p>
         </p:txBody>
       </p:sp>
       <p:sp>
         <p:nvSpPr>
-          <p:cNvPr id="37892" name="Date Placeholder 3"/>
+          <p:cNvPr id="39940" name="Date Placeholder 3"/>
           <p:cNvSpPr txBox="1">
             <a:spLocks/>
           </p:cNvSpPr>
@@ -15074,7 +15424,7 @@
       </p:grpSpPr>
       <p:sp>
         <p:nvSpPr>
-          <p:cNvPr id="38913" name="Content Placeholder 1"/>
+          <p:cNvPr id="44033" name="Content Placeholder 1"/>
           <p:cNvSpPr>
             <a:spLocks noGrp="1"/>
           </p:cNvSpPr>
@@ -15085,125 +15435,118 @@
         <p:spPr>
           <a:xfrm>
             <a:off x="228600" y="609600"/>
-            <a:ext cx="8915400" cy="5486400"/>
+            <a:ext cx="8610600" cy="5486400"/>
           </a:xfrm>
         </p:spPr>
         <p:txBody>
           <a:bodyPr/>
           <a:lstStyle/>
           <a:p>
-            <a:pPr marL="623888" indent="-514350"/>
-            <a:r>
-              <a:rPr lang="en-US" sz="2800" dirty="0">
+            <a:r>
+              <a:rPr lang="en-US" sz="2000" b="1" dirty="0">
                 <a:solidFill>
                   <a:srgbClr val="FF0000"/>
                 </a:solidFill>
               </a:rPr>
-              <a:t>Unit testing is performed on classes</a:t>
-            </a:r>
-            <a:r>
-              <a:rPr lang="en-US" sz="2800" dirty="0"/>
-              <a:t>. </a:t>
-            </a:r>
-          </a:p>
-          <a:p>
-            <a:pPr marL="623888" indent="-514350"/>
-            <a:r>
-              <a:rPr lang="en-US" sz="2800" dirty="0"/>
-              <a:t>The unit is tested using the </a:t>
-            </a:r>
-            <a:r>
-              <a:rPr lang="en-US" sz="2800" dirty="0">
+              <a:t>System testing  </a:t>
+            </a:r>
+            <a:r>
+              <a:rPr lang="en-US" sz="2000" dirty="0"/>
+              <a:t>consists of checking that a completed software  system performs in accordance with its requirements speciﬁcation. </a:t>
+            </a:r>
+          </a:p>
+          <a:p>
+            <a:pPr>
+              <a:buFont typeface="Wingdings 3" pitchFamily="18" charset="2"/>
+              <a:buNone/>
+            </a:pPr>
+            <a:r>
+              <a:rPr lang="en-US" sz="2000" b="1" u="sng" dirty="0">
                 <a:solidFill>
                   <a:srgbClr val="FF0000"/>
                 </a:solidFill>
               </a:rPr>
-              <a:t>test data</a:t>
-            </a:r>
-            <a:r>
-              <a:rPr lang="en-US" sz="2800" dirty="0"/>
-              <a:t>, and </a:t>
-            </a:r>
-            <a:r>
-              <a:rPr lang="en-US" sz="2800" dirty="0">
+              <a:t>System testing consist of the following generic tests:</a:t>
+            </a:r>
+          </a:p>
+          <a:p>
+            <a:r>
+              <a:rPr lang="en-US" sz="2000" b="1" dirty="0">
                 <a:solidFill>
                   <a:srgbClr val="FF0000"/>
                 </a:solidFill>
               </a:rPr>
-              <a:t>test results  </a:t>
-            </a:r>
-            <a:r>
-              <a:rPr lang="en-US" sz="2800" dirty="0"/>
-              <a:t>are  collected. By comparison with the </a:t>
-            </a:r>
-            <a:r>
-              <a:rPr lang="en-US" sz="2800" dirty="0">
+              <a:t>start-up and initialization testing</a:t>
+            </a:r>
+            <a:r>
+              <a:rPr lang="en-US" sz="2000" b="1" dirty="0"/>
+              <a:t>: </a:t>
+            </a:r>
+            <a:r>
+              <a:rPr lang="en-US" sz="2000" dirty="0"/>
+              <a:t>tests the system’s  ability to be  started in a working hardware/software conﬁguration;</a:t>
+            </a:r>
+          </a:p>
+          <a:p>
+            <a:r>
+              <a:rPr lang="en-US" sz="2000" b="1" dirty="0">
                 <a:solidFill>
                   <a:srgbClr val="FF0000"/>
                 </a:solidFill>
               </a:rPr>
-              <a:t>criteria</a:t>
-            </a:r>
-            <a:r>
-              <a:rPr lang="en-US" sz="2800" dirty="0"/>
-              <a:t>, the results can be  analyzed to reveal  the presence of </a:t>
-            </a:r>
-            <a:r>
-              <a:rPr lang="en-US" sz="2800" dirty="0">
+              <a:t>performance testing</a:t>
+            </a:r>
+            <a:r>
+              <a:rPr lang="en-US" sz="2000" b="1" dirty="0"/>
+              <a:t>: </a:t>
+            </a:r>
+            <a:r>
+              <a:rPr lang="en-US" sz="2000" dirty="0"/>
+              <a:t>tests that the system meets all speciﬁed operating requirements for speed, number  of concurrent users  permitted, etc.;</a:t>
+            </a:r>
+          </a:p>
+          <a:p>
+            <a:r>
+              <a:rPr lang="en-US" sz="2000" b="1" dirty="0">
                 <a:solidFill>
                   <a:srgbClr val="FF0000"/>
                 </a:solidFill>
               </a:rPr>
-              <a:t>bugs</a:t>
-            </a:r>
-            <a:r>
-              <a:rPr lang="en-US" sz="2800" dirty="0"/>
-              <a:t>.</a:t>
-            </a:r>
-          </a:p>
-          <a:p>
-            <a:pPr marL="623888" indent="-514350"/>
-            <a:r>
-              <a:rPr lang="en-US" b="1" dirty="0"/>
-              <a:t>For a particular class, unit testing should consist of five parts:</a:t>
-            </a:r>
-          </a:p>
-          <a:p>
-            <a:pPr marL="623888" indent="-514350">
-              <a:buFont typeface="Wingdings 3" pitchFamily="18" charset="2"/>
-              <a:buAutoNum type="arabicPeriod"/>
-            </a:pPr>
-            <a:r>
-              <a:rPr lang="en-US" b="1" dirty="0"/>
-              <a:t>interface testing, </a:t>
-            </a:r>
-            <a:r>
-              <a:rPr lang="en-US" dirty="0"/>
-              <a:t>where test data is chosen to check that the flow of information into and out of an object of the class is correct;</a:t>
-            </a:r>
-          </a:p>
-          <a:p>
-            <a:pPr marL="623888" indent="-514350">
-              <a:buFont typeface="Wingdings 3" pitchFamily="18" charset="2"/>
-              <a:buAutoNum type="arabicPeriod"/>
-            </a:pPr>
-            <a:r>
-              <a:rPr lang="en-US" b="1" dirty="0"/>
-              <a:t>boundary-condition testing, </a:t>
-            </a:r>
-            <a:r>
-              <a:rPr lang="en-US" dirty="0"/>
-              <a:t>where test data are chosen to check that methods perform correctly at the extremities of input ranges;</a:t>
-            </a:r>
-            <a:endParaRPr lang="en-US" sz="2800" dirty="0">
+              <a:t>stress testing</a:t>
+            </a:r>
+            <a:r>
+              <a:rPr lang="en-US" sz="2000" b="1" dirty="0"/>
+              <a:t>:</a:t>
+            </a:r>
+            <a:r>
+              <a:rPr lang="en-US" sz="2000" dirty="0"/>
+              <a:t> tests that the system can  operate reliably at the limits of each of its resources (for example, test  a web  server with thousands of users accessing it all at the same time to see if it can cope with the load);</a:t>
+            </a:r>
+          </a:p>
+          <a:p>
+            <a:r>
+              <a:rPr lang="en-US" sz="2000" b="1" dirty="0">
+                <a:solidFill>
+                  <a:srgbClr val="FF0000"/>
+                </a:solidFill>
+              </a:rPr>
+              <a:t>security testing</a:t>
+            </a:r>
+            <a:r>
+              <a:rPr lang="en-US" sz="2000" b="1" dirty="0"/>
+              <a:t>:</a:t>
+            </a:r>
+            <a:r>
+              <a:rPr lang="en-US" sz="2000" dirty="0"/>
+              <a:t> tests that the system does not offer opportunities to breach 	        security.</a:t>
+            </a:r>
+          </a:p>
+          <a:p>
+            <a:endParaRPr lang="en-US" sz="2000" b="1" dirty="0">
               <a:solidFill>
                 <a:srgbClr val="FF0000"/>
               </a:solidFill>
             </a:endParaRPr>
-          </a:p>
-          <a:p>
-            <a:pPr marL="623888" indent="-514350"/>
-            <a:endParaRPr lang="en-US" sz="2800" dirty="0"/>
           </a:p>
         </p:txBody>
       </p:sp>
@@ -15236,8 +15579,8 @@
               <a:defRPr/>
             </a:pPr>
             <a:r>
-              <a:rPr lang="en-US" sz="3600" dirty="0"/>
-              <a:t>Unit testing</a:t>
+              <a:rPr lang="en-US" sz="4400" dirty="0"/>
+              <a:t>System testing</a:t>
             </a:r>
           </a:p>
         </p:txBody>
@@ -15264,7 +15607,7 @@
           <a:lstStyle/>
           <a:p>
             <a:pPr algn="r"/>
-            <a:fld id="{F39C6CFD-CF25-4D24-BBF0-8EA37A894A79}" type="slidenum">
+            <a:fld id="{0280035D-6EC9-4F33-843A-3BD3A7867A63}" type="slidenum">
               <a:rPr lang="ar-SA" sz="1600">
                 <a:solidFill>
                   <a:srgbClr val="151515"/>
@@ -15285,7 +15628,7 @@
       </p:sp>
       <p:sp>
         <p:nvSpPr>
-          <p:cNvPr id="38916" name="Date Placeholder 3"/>
+          <p:cNvPr id="44036" name="Date Placeholder 3"/>
           <p:cNvSpPr txBox="1">
             <a:spLocks/>
           </p:cNvSpPr>
@@ -15350,7 +15693,7 @@
       </p:grpSpPr>
       <p:sp>
         <p:nvSpPr>
-          <p:cNvPr id="39937" name="Content Placeholder 1"/>
+          <p:cNvPr id="45057" name="Content Placeholder 1"/>
           <p:cNvSpPr>
             <a:spLocks noGrp="1"/>
           </p:cNvSpPr>
@@ -15360,8 +15703,8 @@
         </p:nvSpPr>
         <p:spPr>
           <a:xfrm>
-            <a:off x="228600" y="609600"/>
-            <a:ext cx="8915400" cy="5486400"/>
+            <a:off x="228600" y="914400"/>
+            <a:ext cx="8915400" cy="2981325"/>
           </a:xfrm>
         </p:spPr>
         <p:txBody>
@@ -15369,43 +15712,40 @@
           <a:lstStyle/>
           <a:p>
             <a:r>
-              <a:rPr lang="en-US" sz="3200">
+              <a:rPr lang="en-US" sz="2800" dirty="0">
                 <a:solidFill>
                   <a:srgbClr val="FF0000"/>
                 </a:solidFill>
               </a:rPr>
-              <a:t>Integration testing </a:t>
-            </a:r>
-            <a:r>
-              <a:rPr lang="en-US" sz="3200"/>
-              <a:t>involves checking that unit-tested classes interface correctly together.  </a:t>
-            </a:r>
-          </a:p>
-          <a:p>
-            <a:r>
-              <a:rPr lang="en-US" sz="3200" b="1">
+              <a:t>A </a:t>
+            </a:r>
+            <a:r>
+              <a:rPr lang="en-US" sz="2800" b="1" dirty="0">
                 <a:solidFill>
                   <a:srgbClr val="FF0000"/>
                 </a:solidFill>
               </a:rPr>
-              <a:t>One major problem with integration testing </a:t>
-            </a:r>
-            <a:r>
-              <a:rPr lang="en-US" sz="3200"/>
-              <a:t>is that </a:t>
-            </a:r>
-            <a:r>
-              <a:rPr lang="en-US" sz="3200">
+              <a:t>system test matrix </a:t>
+            </a:r>
+            <a:r>
+              <a:rPr lang="en-US" sz="2800" dirty="0">
                 <a:solidFill>
                   <a:srgbClr val="FF0000"/>
                 </a:solidFill>
               </a:rPr>
-              <a:t>polymorphism and inheritance </a:t>
-            </a:r>
-            <a:r>
-              <a:rPr lang="en-US" sz="3200"/>
-              <a:t>can greatly complicate testing.</a:t>
-            </a:r>
+              <a:t>is an important document in system testing</a:t>
+            </a:r>
+            <a:r>
+              <a:rPr lang="en-US" sz="2800" dirty="0"/>
+              <a:t>, as it relates classes/packages that will be executed when the various system tests are carried out. </a:t>
+            </a:r>
+          </a:p>
+          <a:p>
+            <a:endParaRPr lang="en-US" sz="2800" b="1" dirty="0">
+              <a:solidFill>
+                <a:srgbClr val="FF0000"/>
+              </a:solidFill>
+            </a:endParaRPr>
           </a:p>
         </p:txBody>
       </p:sp>
@@ -15421,7 +15761,7 @@
         </p:nvSpPr>
         <p:spPr>
           <a:xfrm>
-            <a:off x="304800" y="0"/>
+            <a:off x="304800" y="304800"/>
             <a:ext cx="8839200" cy="609600"/>
           </a:xfrm>
         </p:spPr>
@@ -15439,7 +15779,7 @@
             </a:pPr>
             <a:r>
               <a:rPr lang="en-US" sz="4400" dirty="0"/>
-              <a:t>Integration testing</a:t>
+              <a:t>System testing</a:t>
             </a:r>
           </a:p>
         </p:txBody>
@@ -15466,7 +15806,7 @@
           <a:lstStyle/>
           <a:p>
             <a:pPr algn="r"/>
-            <a:fld id="{4200EA2F-5F65-4DD6-BEFC-AFE39F01ABF2}" type="slidenum">
+            <a:fld id="{14958D31-2C87-413C-99B7-A8FCE61EFC1C}" type="slidenum">
               <a:rPr lang="ar-SA" sz="1600">
                 <a:solidFill>
                   <a:srgbClr val="151515"/>
@@ -15487,7 +15827,43 @@
       </p:sp>
       <p:sp>
         <p:nvSpPr>
-          <p:cNvPr id="39940" name="Date Placeholder 3"/>
+          <p:cNvPr id="45124" name="Rectangle 5"/>
+          <p:cNvSpPr>
+            <a:spLocks noChangeArrowheads="1"/>
+          </p:cNvSpPr>
+          <p:nvPr/>
+        </p:nvSpPr>
+        <p:spPr bwMode="auto">
+          <a:xfrm>
+            <a:off x="0" y="0"/>
+            <a:ext cx="9144000" cy="457200"/>
+          </a:xfrm>
+          <a:prstGeom prst="rect">
+            <a:avLst/>
+          </a:prstGeom>
+          <a:noFill/>
+          <a:ln w="9525">
+            <a:noFill/>
+            <a:miter lim="800000"/>
+            <a:headEnd/>
+            <a:tailEnd/>
+          </a:ln>
+        </p:spPr>
+        <p:txBody>
+          <a:bodyPr wrap="none" anchor="ctr">
+            <a:spAutoFit/>
+          </a:bodyPr>
+          <a:lstStyle/>
+          <a:p>
+            <a:endParaRPr lang="en-US">
+              <a:latin typeface="Book Antiqua" pitchFamily="18" charset="0"/>
+            </a:endParaRPr>
+          </a:p>
+        </p:txBody>
+      </p:sp>
+      <p:sp>
+        <p:nvSpPr>
+          <p:cNvPr id="45127" name="Date Placeholder 3"/>
           <p:cNvSpPr txBox="1">
             <a:spLocks/>
           </p:cNvSpPr>
@@ -15552,7 +15928,7 @@
       </p:grpSpPr>
       <p:sp>
         <p:nvSpPr>
-          <p:cNvPr id="44033" name="Content Placeholder 1"/>
+          <p:cNvPr id="46081" name="Content Placeholder 1"/>
           <p:cNvSpPr>
             <a:spLocks noGrp="1"/>
           </p:cNvSpPr>
@@ -15562,8 +15938,8 @@
         </p:nvSpPr>
         <p:spPr>
           <a:xfrm>
-            <a:off x="228600" y="609600"/>
-            <a:ext cx="8610600" cy="5486400"/>
+            <a:off x="228600" y="762000"/>
+            <a:ext cx="8915400" cy="5334000"/>
           </a:xfrm>
         </p:spPr>
         <p:txBody>
@@ -15571,16 +15947,20 @@
           <a:lstStyle/>
           <a:p>
             <a:r>
-              <a:rPr lang="en-US" sz="2000" b="1" dirty="0">
+              <a:rPr lang="en-US" sz="2400" dirty="0"/>
+              <a:t>Is the formal testing of an entire system, conducted by a customer, to </a:t>
+            </a:r>
+            <a:r>
+              <a:rPr lang="en-US" sz="2400" dirty="0">
                 <a:solidFill>
                   <a:srgbClr val="FF0000"/>
                 </a:solidFill>
               </a:rPr>
-              <a:t>System testing  </a:t>
-            </a:r>
-            <a:r>
-              <a:rPr lang="en-US" sz="2000" dirty="0"/>
-              <a:t>consists of checking that a completed software  system performs in accordance with its requirements speciﬁcation. </a:t>
+              <a:t>determine whether it satisfies its acceptance criteria</a:t>
+            </a:r>
+            <a:r>
+              <a:rPr lang="en-US" sz="2400" dirty="0"/>
+              <a:t> and thus whether the customer should accept the system.</a:t>
             </a:r>
           </a:p>
           <a:p>
@@ -15594,87 +15974,85 @@
                   <a:srgbClr val="FF0000"/>
                 </a:solidFill>
               </a:rPr>
-              <a:t>System testing consist of the following generic tests:</a:t>
-            </a:r>
-          </a:p>
-          <a:p>
-            <a:r>
-              <a:rPr lang="en-US" sz="2000" b="1" dirty="0">
+              <a:t>SAQ 5 </a:t>
+            </a:r>
+          </a:p>
+          <a:p>
+            <a:r>
+              <a:rPr lang="en-US" sz="2000" dirty="0"/>
+              <a:t>What do you think is the relationship between system and  acceptance testing?</a:t>
+            </a:r>
+          </a:p>
+          <a:p>
+            <a:pPr>
+              <a:buFont typeface="Wingdings 3" pitchFamily="18" charset="2"/>
+              <a:buNone/>
+            </a:pPr>
+            <a:r>
+              <a:rPr lang="en-US" sz="2000" b="1" u="sng" dirty="0">
                 <a:solidFill>
                   <a:srgbClr val="FF0000"/>
                 </a:solidFill>
               </a:rPr>
-              <a:t>start-up and initialization testing</a:t>
-            </a:r>
-            <a:r>
-              <a:rPr lang="en-US" sz="2000" b="1" dirty="0"/>
-              <a:t>: </a:t>
+              <a:t>ANSWER</a:t>
             </a:r>
             <a:r>
               <a:rPr lang="en-US" sz="2000" dirty="0"/>
-              <a:t>tests the system’s  ability to be  started in a working hardware/software conﬁguration;</a:t>
-            </a:r>
-          </a:p>
-          <a:p>
-            <a:r>
-              <a:rPr lang="en-US" sz="2000" b="1" dirty="0">
+              <a:t>............................................................................................</a:t>
+            </a:r>
+          </a:p>
+          <a:p>
+            <a:r>
+              <a:rPr lang="en-US" sz="2000" dirty="0"/>
+              <a:t>In general, the same tests </a:t>
+            </a:r>
+            <a:r>
+              <a:rPr lang="en-US" sz="2000"/>
+              <a:t>will be carried </a:t>
+            </a:r>
+            <a:r>
+              <a:rPr lang="en-US" sz="2000" dirty="0"/>
+              <a:t>out during  acceptance testing and system testing. </a:t>
+            </a:r>
+          </a:p>
+          <a:p>
+            <a:r>
+              <a:rPr lang="en-US" sz="2000" dirty="0">
                 <a:solidFill>
                   <a:srgbClr val="FF0000"/>
                 </a:solidFill>
               </a:rPr>
-              <a:t>performance testing</a:t>
-            </a:r>
-            <a:r>
-              <a:rPr lang="en-US" sz="2000" b="1" dirty="0"/>
-              <a:t>: </a:t>
+              <a:t>System testing </a:t>
             </a:r>
             <a:r>
               <a:rPr lang="en-US" sz="2000" dirty="0"/>
-              <a:t>tests that the system meets all speciﬁed operating requirements for speed, number  of concurrent users  permitted, etc.;</a:t>
-            </a:r>
-          </a:p>
-          <a:p>
-            <a:r>
-              <a:rPr lang="en-US" sz="2000" b="1" dirty="0">
+              <a:t>is an in-house activity and  a customer need never  know how system testing went; any bugs can  be  dealt  with before  the customer sees them.</a:t>
+            </a:r>
+          </a:p>
+          <a:p>
+            <a:r>
+              <a:rPr lang="en-US" sz="2000" dirty="0">
                 <a:solidFill>
                   <a:srgbClr val="FF0000"/>
                 </a:solidFill>
               </a:rPr>
-              <a:t>stress testing</a:t>
-            </a:r>
-            <a:r>
-              <a:rPr lang="en-US" sz="2000" b="1" dirty="0"/>
-              <a:t>:</a:t>
+              <a:t>Acceptance testing</a:t>
             </a:r>
             <a:r>
               <a:rPr lang="en-US" sz="2000" dirty="0"/>
-              <a:t> tests that the system can  operate reliably at the limits of each of its resources (for example, test  a web  server with thousands of users accessing it all at the same time to see if it can cope with the load);</a:t>
-            </a:r>
-          </a:p>
-          <a:p>
-            <a:r>
-              <a:rPr lang="en-US" sz="2000" b="1" dirty="0">
-                <a:solidFill>
-                  <a:srgbClr val="FF0000"/>
-                </a:solidFill>
-              </a:rPr>
-              <a:t>security testing</a:t>
-            </a:r>
-            <a:r>
-              <a:rPr lang="en-US" sz="2000" b="1" dirty="0"/>
-              <a:t>:</a:t>
-            </a:r>
-            <a:r>
-              <a:rPr lang="en-US" sz="2000" dirty="0"/>
-              <a:t> tests that the system does not offer opportunities to breach 	        security.</a:t>
-            </a:r>
-          </a:p>
-          <a:p>
-            <a:endParaRPr lang="en-US" sz="2000" b="1" dirty="0">
-              <a:solidFill>
-                <a:srgbClr val="FF0000"/>
-              </a:solidFill>
-            </a:endParaRPr>
+              <a:t>, on the other  hand, is conducted with much  more  at stake; the customer can  accept or reject  a system based on its 			performance at acceptance testing.</a:t>
+            </a:r>
+            <a:endParaRPr lang="en-US" sz="2800" dirty="0"/>
+          </a:p>
+          <a:p>
+            <a:endParaRPr lang="en-US" sz="2800" dirty="0"/>
+          </a:p>
+          <a:p>
+            <a:pPr>
+              <a:buFont typeface="Wingdings 3" pitchFamily="18" charset="2"/>
+              <a:buNone/>
+            </a:pPr>
+            <a:endParaRPr lang="en-US" sz="2800" dirty="0"/>
           </a:p>
         </p:txBody>
       </p:sp>
@@ -15708,7 +16086,7 @@
             </a:pPr>
             <a:r>
               <a:rPr lang="en-US" sz="4400" dirty="0"/>
-              <a:t>System testing</a:t>
+              <a:t>Acceptance testing</a:t>
             </a:r>
           </a:p>
         </p:txBody>
@@ -15735,7 +16113,7 @@
           <a:lstStyle/>
           <a:p>
             <a:pPr algn="r"/>
-            <a:fld id="{0280035D-6EC9-4F33-843A-3BD3A7867A63}" type="slidenum">
+            <a:fld id="{750876EC-91CE-4A3D-8692-B48C41DE6419}" type="slidenum">
               <a:rPr lang="ar-SA" sz="1600">
                 <a:solidFill>
                   <a:srgbClr val="151515"/>
@@ -15756,7 +16134,43 @@
       </p:sp>
       <p:sp>
         <p:nvSpPr>
-          <p:cNvPr id="44036" name="Date Placeholder 3"/>
+          <p:cNvPr id="46084" name="Rectangle 5"/>
+          <p:cNvSpPr>
+            <a:spLocks noChangeArrowheads="1"/>
+          </p:cNvSpPr>
+          <p:nvPr/>
+        </p:nvSpPr>
+        <p:spPr bwMode="auto">
+          <a:xfrm>
+            <a:off x="0" y="0"/>
+            <a:ext cx="9144000" cy="457200"/>
+          </a:xfrm>
+          <a:prstGeom prst="rect">
+            <a:avLst/>
+          </a:prstGeom>
+          <a:noFill/>
+          <a:ln w="9525">
+            <a:noFill/>
+            <a:miter lim="800000"/>
+            <a:headEnd/>
+            <a:tailEnd/>
+          </a:ln>
+        </p:spPr>
+        <p:txBody>
+          <a:bodyPr wrap="none" anchor="ctr">
+            <a:spAutoFit/>
+          </a:bodyPr>
+          <a:lstStyle/>
+          <a:p>
+            <a:endParaRPr lang="en-US">
+              <a:latin typeface="Book Antiqua" pitchFamily="18" charset="0"/>
+            </a:endParaRPr>
+          </a:p>
+        </p:txBody>
+      </p:sp>
+      <p:sp>
+        <p:nvSpPr>
+          <p:cNvPr id="46085" name="Date Placeholder 3"/>
           <p:cNvSpPr txBox="1">
             <a:spLocks/>
           </p:cNvSpPr>
@@ -15821,7 +16235,7 @@
       </p:grpSpPr>
       <p:sp>
         <p:nvSpPr>
-          <p:cNvPr id="45057" name="Content Placeholder 1"/>
+          <p:cNvPr id="2" name="Content Placeholder 1"/>
           <p:cNvSpPr>
             <a:spLocks noGrp="1"/>
           </p:cNvSpPr>
@@ -15831,8 +16245,8 @@
         </p:nvSpPr>
         <p:spPr>
           <a:xfrm>
-            <a:off x="228600" y="914400"/>
-            <a:ext cx="8915400" cy="2981325"/>
+            <a:off x="228600" y="609600"/>
+            <a:ext cx="8915400" cy="5486400"/>
           </a:xfrm>
         </p:spPr>
         <p:txBody>
@@ -15840,40 +16254,74 @@
           <a:lstStyle/>
           <a:p>
             <a:r>
-              <a:rPr lang="en-US" sz="2800" dirty="0">
+              <a:rPr lang="en-US" sz="2400"/>
+              <a:t>Regression testing is one of the four major types of software testing.</a:t>
+            </a:r>
+          </a:p>
+          <a:p>
+            <a:r>
+              <a:rPr lang="en-US" sz="2400">
                 <a:solidFill>
                   <a:srgbClr val="FF0000"/>
                 </a:solidFill>
               </a:rPr>
-              <a:t>A </a:t>
-            </a:r>
-            <a:r>
-              <a:rPr lang="en-US" sz="2800" b="1" dirty="0">
+              <a:t>It checks that fixing one bug has not introduced others.</a:t>
+            </a:r>
+          </a:p>
+          <a:p>
+            <a:r>
+              <a:rPr lang="en-US" sz="2400"/>
+              <a:t>Occurs during developmental testing and system maintenance.</a:t>
+            </a:r>
+          </a:p>
+          <a:p>
+            <a:pPr>
+              <a:buFont typeface="Wingdings 3" pitchFamily="18" charset="2"/>
+              <a:buNone/>
+            </a:pPr>
+            <a:r>
+              <a:rPr lang="en-US" sz="2400" b="1" u="sng">
                 <a:solidFill>
                   <a:srgbClr val="FF0000"/>
                 </a:solidFill>
               </a:rPr>
-              <a:t>system test matrix </a:t>
-            </a:r>
-            <a:r>
-              <a:rPr lang="en-US" sz="2800" dirty="0">
+              <a:t>SAQ 6 </a:t>
+            </a:r>
+            <a:endParaRPr lang="en-US" sz="2400"/>
+          </a:p>
+          <a:p>
+            <a:r>
+              <a:rPr lang="en-US" sz="2000"/>
+              <a:t>Why should  regression testing be  necessary, since, after all, the customer has accepted the product after acceptance testing?</a:t>
+            </a:r>
+            <a:endParaRPr lang="en-US" sz="2400"/>
+          </a:p>
+          <a:p>
+            <a:pPr>
+              <a:buFont typeface="Wingdings 3" pitchFamily="18" charset="2"/>
+              <a:buNone/>
+            </a:pPr>
+            <a:r>
+              <a:rPr lang="en-US" sz="2400" b="1" u="sng">
                 <a:solidFill>
                   <a:srgbClr val="FF0000"/>
                 </a:solidFill>
               </a:rPr>
-              <a:t>is an important document in system testing</a:t>
-            </a:r>
-            <a:r>
-              <a:rPr lang="en-US" sz="2800" dirty="0"/>
-              <a:t>, as it relates classes/packages that will be executed when the various system tests are carried out. </a:t>
-            </a:r>
-          </a:p>
-          <a:p>
-            <a:endParaRPr lang="en-US" sz="2800" b="1" dirty="0">
-              <a:solidFill>
-                <a:srgbClr val="FF0000"/>
-              </a:solidFill>
-            </a:endParaRPr>
+              <a:t>ANSWER</a:t>
+            </a:r>
+            <a:r>
+              <a:rPr lang="en-US" sz="2400"/>
+              <a:t>........................................................................................</a:t>
+            </a:r>
+          </a:p>
+          <a:p>
+            <a:r>
+              <a:rPr lang="en-US" sz="2000"/>
+              <a:t>Acceptance testing is the process of showing  that the software  meets  the customer’s requirements, not that there aren’t bugs in the code. In fact, given  that a system is put into use,  bugs that require ﬁxing are  almost  certain  to be  found  after acceptance testing. In addition, the system will be  maintained, adding and  changing functionality as  needed. Regression testing  is therefore necessary.</a:t>
+            </a:r>
+          </a:p>
+          <a:p>
+            <a:endParaRPr lang="en-US" sz="2400"/>
           </a:p>
         </p:txBody>
       </p:sp>
@@ -15889,7 +16337,7 @@
         </p:nvSpPr>
         <p:spPr>
           <a:xfrm>
-            <a:off x="304800" y="304800"/>
+            <a:off x="304800" y="0"/>
             <a:ext cx="8839200" cy="609600"/>
           </a:xfrm>
         </p:spPr>
@@ -15907,7 +16355,7 @@
             </a:pPr>
             <a:r>
               <a:rPr lang="en-US" sz="4400" dirty="0"/>
-              <a:t>System testing</a:t>
+              <a:t>Regression testing</a:t>
             </a:r>
           </a:p>
         </p:txBody>
@@ -15934,7 +16382,7 @@
           <a:lstStyle/>
           <a:p>
             <a:pPr algn="r"/>
-            <a:fld id="{14958D31-2C87-413C-99B7-A8FCE61EFC1C}" type="slidenum">
+            <a:fld id="{3E3543C9-65E9-4015-80B5-638E031F27ED}" type="slidenum">
               <a:rPr lang="ar-SA" sz="1600">
                 <a:solidFill>
                   <a:srgbClr val="151515"/>
@@ -15943,582 +16391,6 @@
               </a:rPr>
               <a:pPr algn="r"/>
               <a:t>26</a:t>
-            </a:fld>
-            <a:endParaRPr lang="en-US" sz="1600">
-              <a:solidFill>
-                <a:srgbClr val="151515"/>
-              </a:solidFill>
-              <a:latin typeface="Book Antiqua" pitchFamily="18" charset="0"/>
-            </a:endParaRPr>
-          </a:p>
-        </p:txBody>
-      </p:sp>
-      <p:sp>
-        <p:nvSpPr>
-          <p:cNvPr id="45124" name="Rectangle 5"/>
-          <p:cNvSpPr>
-            <a:spLocks noChangeArrowheads="1"/>
-          </p:cNvSpPr>
-          <p:nvPr/>
-        </p:nvSpPr>
-        <p:spPr bwMode="auto">
-          <a:xfrm>
-            <a:off x="0" y="0"/>
-            <a:ext cx="9144000" cy="457200"/>
-          </a:xfrm>
-          <a:prstGeom prst="rect">
-            <a:avLst/>
-          </a:prstGeom>
-          <a:noFill/>
-          <a:ln w="9525">
-            <a:noFill/>
-            <a:miter lim="800000"/>
-            <a:headEnd/>
-            <a:tailEnd/>
-          </a:ln>
-        </p:spPr>
-        <p:txBody>
-          <a:bodyPr wrap="none" anchor="ctr">
-            <a:spAutoFit/>
-          </a:bodyPr>
-          <a:lstStyle/>
-          <a:p>
-            <a:endParaRPr lang="en-US">
-              <a:latin typeface="Book Antiqua" pitchFamily="18" charset="0"/>
-            </a:endParaRPr>
-          </a:p>
-        </p:txBody>
-      </p:sp>
-      <p:sp>
-        <p:nvSpPr>
-          <p:cNvPr id="45127" name="Date Placeholder 3"/>
-          <p:cNvSpPr txBox="1">
-            <a:spLocks/>
-          </p:cNvSpPr>
-          <p:nvPr/>
-        </p:nvSpPr>
-        <p:spPr bwMode="auto">
-          <a:xfrm>
-            <a:off x="152400" y="6457950"/>
-            <a:ext cx="2514600" cy="288925"/>
-          </a:xfrm>
-          <a:prstGeom prst="rect">
-            <a:avLst/>
-          </a:prstGeom>
-          <a:noFill/>
-          <a:ln w="9525">
-            <a:noFill/>
-            <a:miter lim="800000"/>
-            <a:headEnd/>
-            <a:tailEnd/>
-          </a:ln>
-        </p:spPr>
-        <p:txBody>
-          <a:bodyPr/>
-          <a:lstStyle/>
-          <a:p>
-            <a:r>
-              <a:rPr lang="en-US" sz="1600">
-                <a:solidFill>
-                  <a:srgbClr val="FFC000"/>
-                </a:solidFill>
-                <a:latin typeface="Book Antiqua" pitchFamily="18" charset="0"/>
-              </a:rPr>
-              <a:t>Dr. Hussien M. Sharaf</a:t>
-            </a:r>
-          </a:p>
-        </p:txBody>
-      </p:sp>
-    </p:spTree>
-  </p:cSld>
-  <p:clrMapOvr>
-    <a:masterClrMapping/>
-  </p:clrMapOvr>
-</p:sld>
-</file>
-
-<file path=ppt/slides/slide27.xml><?xml version="1.0" encoding="utf-8"?>
-<p:sld xmlns:a="http://schemas.openxmlformats.org/drawingml/2006/main" xmlns:r="http://schemas.openxmlformats.org/officeDocument/2006/relationships" xmlns:p="http://schemas.openxmlformats.org/presentationml/2006/main">
-  <p:cSld>
-    <p:spTree>
-      <p:nvGrpSpPr>
-        <p:cNvPr id="1" name=""/>
-        <p:cNvGrpSpPr/>
-        <p:nvPr/>
-      </p:nvGrpSpPr>
-      <p:grpSpPr>
-        <a:xfrm>
-          <a:off x="0" y="0"/>
-          <a:ext cx="0" cy="0"/>
-          <a:chOff x="0" y="0"/>
-          <a:chExt cx="0" cy="0"/>
-        </a:xfrm>
-      </p:grpSpPr>
-      <p:sp>
-        <p:nvSpPr>
-          <p:cNvPr id="46081" name="Content Placeholder 1"/>
-          <p:cNvSpPr>
-            <a:spLocks noGrp="1"/>
-          </p:cNvSpPr>
-          <p:nvPr>
-            <p:ph idx="1"/>
-          </p:nvPr>
-        </p:nvSpPr>
-        <p:spPr>
-          <a:xfrm>
-            <a:off x="228600" y="762000"/>
-            <a:ext cx="8915400" cy="5334000"/>
-          </a:xfrm>
-        </p:spPr>
-        <p:txBody>
-          <a:bodyPr/>
-          <a:lstStyle/>
-          <a:p>
-            <a:r>
-              <a:rPr lang="en-US" sz="2400" dirty="0"/>
-              <a:t>Is the formal testing of an entire system, conducted by a customer, to </a:t>
-            </a:r>
-            <a:r>
-              <a:rPr lang="en-US" sz="2400" dirty="0">
-                <a:solidFill>
-                  <a:srgbClr val="FF0000"/>
-                </a:solidFill>
-              </a:rPr>
-              <a:t>determine whether it satisfies its acceptance criteria</a:t>
-            </a:r>
-            <a:r>
-              <a:rPr lang="en-US" sz="2400" dirty="0"/>
-              <a:t> and thus whether the customer should accept the system.</a:t>
-            </a:r>
-          </a:p>
-          <a:p>
-            <a:pPr>
-              <a:buFont typeface="Wingdings 3" pitchFamily="18" charset="2"/>
-              <a:buNone/>
-            </a:pPr>
-            <a:r>
-              <a:rPr lang="en-US" sz="2000" b="1" u="sng" dirty="0">
-                <a:solidFill>
-                  <a:srgbClr val="FF0000"/>
-                </a:solidFill>
-              </a:rPr>
-              <a:t>SAQ 5 </a:t>
-            </a:r>
-          </a:p>
-          <a:p>
-            <a:r>
-              <a:rPr lang="en-US" sz="2000" dirty="0"/>
-              <a:t>What do you think is the relationship between system and  acceptance testing?</a:t>
-            </a:r>
-          </a:p>
-          <a:p>
-            <a:pPr>
-              <a:buFont typeface="Wingdings 3" pitchFamily="18" charset="2"/>
-              <a:buNone/>
-            </a:pPr>
-            <a:r>
-              <a:rPr lang="en-US" sz="2000" b="1" u="sng" dirty="0">
-                <a:solidFill>
-                  <a:srgbClr val="FF0000"/>
-                </a:solidFill>
-              </a:rPr>
-              <a:t>ANSWER</a:t>
-            </a:r>
-            <a:r>
-              <a:rPr lang="en-US" sz="2000" dirty="0"/>
-              <a:t>............................................................................................</a:t>
-            </a:r>
-          </a:p>
-          <a:p>
-            <a:r>
-              <a:rPr lang="en-US" sz="2000" dirty="0"/>
-              <a:t>In general, the same tests </a:t>
-            </a:r>
-            <a:r>
-              <a:rPr lang="en-US" sz="2000"/>
-              <a:t>will be carried </a:t>
-            </a:r>
-            <a:r>
-              <a:rPr lang="en-US" sz="2000" dirty="0"/>
-              <a:t>out during  acceptance testing and system testing. </a:t>
-            </a:r>
-          </a:p>
-          <a:p>
-            <a:r>
-              <a:rPr lang="en-US" sz="2000" dirty="0">
-                <a:solidFill>
-                  <a:srgbClr val="FF0000"/>
-                </a:solidFill>
-              </a:rPr>
-              <a:t>System testing </a:t>
-            </a:r>
-            <a:r>
-              <a:rPr lang="en-US" sz="2000" dirty="0"/>
-              <a:t>is an in-house activity and  a customer need never  know how system testing went; any bugs can  be  dealt  with before  the customer sees them.</a:t>
-            </a:r>
-          </a:p>
-          <a:p>
-            <a:r>
-              <a:rPr lang="en-US" sz="2000" dirty="0">
-                <a:solidFill>
-                  <a:srgbClr val="FF0000"/>
-                </a:solidFill>
-              </a:rPr>
-              <a:t>Acceptance testing</a:t>
-            </a:r>
-            <a:r>
-              <a:rPr lang="en-US" sz="2000" dirty="0"/>
-              <a:t>, on the other  hand, is conducted with much  more  at stake; the customer can  accept or reject  a system based on its 			performance at acceptance testing.</a:t>
-            </a:r>
-            <a:endParaRPr lang="en-US" sz="2800" dirty="0"/>
-          </a:p>
-          <a:p>
-            <a:endParaRPr lang="en-US" sz="2800" dirty="0"/>
-          </a:p>
-          <a:p>
-            <a:pPr>
-              <a:buFont typeface="Wingdings 3" pitchFamily="18" charset="2"/>
-              <a:buNone/>
-            </a:pPr>
-            <a:endParaRPr lang="en-US" sz="2800" dirty="0"/>
-          </a:p>
-        </p:txBody>
-      </p:sp>
-      <p:sp>
-        <p:nvSpPr>
-          <p:cNvPr id="3" name="Title 2"/>
-          <p:cNvSpPr>
-            <a:spLocks noGrp="1"/>
-          </p:cNvSpPr>
-          <p:nvPr>
-            <p:ph type="title"/>
-          </p:nvPr>
-        </p:nvSpPr>
-        <p:spPr>
-          <a:xfrm>
-            <a:off x="304800" y="0"/>
-            <a:ext cx="8839200" cy="609600"/>
-          </a:xfrm>
-        </p:spPr>
-        <p:txBody>
-          <a:bodyPr>
-            <a:noAutofit/>
-          </a:bodyPr>
-          <a:lstStyle/>
-          <a:p>
-            <a:pPr fontAlgn="auto">
-              <a:spcAft>
-                <a:spcPts val="0"/>
-              </a:spcAft>
-              <a:defRPr/>
-            </a:pPr>
-            <a:r>
-              <a:rPr lang="en-US" sz="4400" dirty="0"/>
-              <a:t>Acceptance testing</a:t>
-            </a:r>
-          </a:p>
-        </p:txBody>
-      </p:sp>
-      <p:sp>
-        <p:nvSpPr>
-          <p:cNvPr id="5" name="Slide Number Placeholder 4"/>
-          <p:cNvSpPr txBox="1">
-            <a:spLocks/>
-          </p:cNvSpPr>
-          <p:nvPr/>
-        </p:nvSpPr>
-        <p:spPr>
-          <a:xfrm>
-            <a:off x="8153400" y="6477000"/>
-            <a:ext cx="758825" cy="247650"/>
-          </a:xfrm>
-          <a:prstGeom prst="rect">
-            <a:avLst/>
-          </a:prstGeom>
-        </p:spPr>
-        <p:txBody>
-          <a:bodyPr/>
-          <a:lstStyle/>
-          <a:p>
-            <a:pPr algn="r"/>
-            <a:fld id="{750876EC-91CE-4A3D-8692-B48C41DE6419}" type="slidenum">
-              <a:rPr lang="ar-SA" sz="1600">
-                <a:solidFill>
-                  <a:srgbClr val="151515"/>
-                </a:solidFill>
-                <a:latin typeface="Book Antiqua" pitchFamily="18" charset="0"/>
-              </a:rPr>
-              <a:pPr algn="r"/>
-              <a:t>27</a:t>
-            </a:fld>
-            <a:endParaRPr lang="en-US" sz="1600">
-              <a:solidFill>
-                <a:srgbClr val="151515"/>
-              </a:solidFill>
-              <a:latin typeface="Book Antiqua" pitchFamily="18" charset="0"/>
-            </a:endParaRPr>
-          </a:p>
-        </p:txBody>
-      </p:sp>
-      <p:sp>
-        <p:nvSpPr>
-          <p:cNvPr id="46084" name="Rectangle 5"/>
-          <p:cNvSpPr>
-            <a:spLocks noChangeArrowheads="1"/>
-          </p:cNvSpPr>
-          <p:nvPr/>
-        </p:nvSpPr>
-        <p:spPr bwMode="auto">
-          <a:xfrm>
-            <a:off x="0" y="0"/>
-            <a:ext cx="9144000" cy="457200"/>
-          </a:xfrm>
-          <a:prstGeom prst="rect">
-            <a:avLst/>
-          </a:prstGeom>
-          <a:noFill/>
-          <a:ln w="9525">
-            <a:noFill/>
-            <a:miter lim="800000"/>
-            <a:headEnd/>
-            <a:tailEnd/>
-          </a:ln>
-        </p:spPr>
-        <p:txBody>
-          <a:bodyPr wrap="none" anchor="ctr">
-            <a:spAutoFit/>
-          </a:bodyPr>
-          <a:lstStyle/>
-          <a:p>
-            <a:endParaRPr lang="en-US">
-              <a:latin typeface="Book Antiqua" pitchFamily="18" charset="0"/>
-            </a:endParaRPr>
-          </a:p>
-        </p:txBody>
-      </p:sp>
-      <p:sp>
-        <p:nvSpPr>
-          <p:cNvPr id="46085" name="Date Placeholder 3"/>
-          <p:cNvSpPr txBox="1">
-            <a:spLocks/>
-          </p:cNvSpPr>
-          <p:nvPr/>
-        </p:nvSpPr>
-        <p:spPr bwMode="auto">
-          <a:xfrm>
-            <a:off x="152400" y="6457950"/>
-            <a:ext cx="2514600" cy="288925"/>
-          </a:xfrm>
-          <a:prstGeom prst="rect">
-            <a:avLst/>
-          </a:prstGeom>
-          <a:noFill/>
-          <a:ln w="9525">
-            <a:noFill/>
-            <a:miter lim="800000"/>
-            <a:headEnd/>
-            <a:tailEnd/>
-          </a:ln>
-        </p:spPr>
-        <p:txBody>
-          <a:bodyPr/>
-          <a:lstStyle/>
-          <a:p>
-            <a:r>
-              <a:rPr lang="en-US" sz="1600">
-                <a:solidFill>
-                  <a:srgbClr val="FFC000"/>
-                </a:solidFill>
-                <a:latin typeface="Book Antiqua" pitchFamily="18" charset="0"/>
-              </a:rPr>
-              <a:t>Dr. Hussien M. Sharaf</a:t>
-            </a:r>
-          </a:p>
-        </p:txBody>
-      </p:sp>
-    </p:spTree>
-  </p:cSld>
-  <p:clrMapOvr>
-    <a:masterClrMapping/>
-  </p:clrMapOvr>
-</p:sld>
-</file>
-
-<file path=ppt/slides/slide28.xml><?xml version="1.0" encoding="utf-8"?>
-<p:sld xmlns:a="http://schemas.openxmlformats.org/drawingml/2006/main" xmlns:r="http://schemas.openxmlformats.org/officeDocument/2006/relationships" xmlns:p="http://schemas.openxmlformats.org/presentationml/2006/main">
-  <p:cSld>
-    <p:spTree>
-      <p:nvGrpSpPr>
-        <p:cNvPr id="1" name=""/>
-        <p:cNvGrpSpPr/>
-        <p:nvPr/>
-      </p:nvGrpSpPr>
-      <p:grpSpPr>
-        <a:xfrm>
-          <a:off x="0" y="0"/>
-          <a:ext cx="0" cy="0"/>
-          <a:chOff x="0" y="0"/>
-          <a:chExt cx="0" cy="0"/>
-        </a:xfrm>
-      </p:grpSpPr>
-      <p:sp>
-        <p:nvSpPr>
-          <p:cNvPr id="2" name="Content Placeholder 1"/>
-          <p:cNvSpPr>
-            <a:spLocks noGrp="1"/>
-          </p:cNvSpPr>
-          <p:nvPr>
-            <p:ph idx="1"/>
-          </p:nvPr>
-        </p:nvSpPr>
-        <p:spPr>
-          <a:xfrm>
-            <a:off x="228600" y="609600"/>
-            <a:ext cx="8915400" cy="5486400"/>
-          </a:xfrm>
-        </p:spPr>
-        <p:txBody>
-          <a:bodyPr/>
-          <a:lstStyle/>
-          <a:p>
-            <a:r>
-              <a:rPr lang="en-US" sz="2400"/>
-              <a:t>Regression testing is one of the four major types of software testing.</a:t>
-            </a:r>
-          </a:p>
-          <a:p>
-            <a:r>
-              <a:rPr lang="en-US" sz="2400">
-                <a:solidFill>
-                  <a:srgbClr val="FF0000"/>
-                </a:solidFill>
-              </a:rPr>
-              <a:t>It checks that fixing one bug has not introduced others.</a:t>
-            </a:r>
-          </a:p>
-          <a:p>
-            <a:r>
-              <a:rPr lang="en-US" sz="2400"/>
-              <a:t>Occurs during developmental testing and system maintenance.</a:t>
-            </a:r>
-          </a:p>
-          <a:p>
-            <a:pPr>
-              <a:buFont typeface="Wingdings 3" pitchFamily="18" charset="2"/>
-              <a:buNone/>
-            </a:pPr>
-            <a:r>
-              <a:rPr lang="en-US" sz="2400" b="1" u="sng">
-                <a:solidFill>
-                  <a:srgbClr val="FF0000"/>
-                </a:solidFill>
-              </a:rPr>
-              <a:t>SAQ 6 </a:t>
-            </a:r>
-            <a:endParaRPr lang="en-US" sz="2400"/>
-          </a:p>
-          <a:p>
-            <a:r>
-              <a:rPr lang="en-US" sz="2000"/>
-              <a:t>Why should  regression testing be  necessary, since, after all, the customer has accepted the product after acceptance testing?</a:t>
-            </a:r>
-            <a:endParaRPr lang="en-US" sz="2400"/>
-          </a:p>
-          <a:p>
-            <a:pPr>
-              <a:buFont typeface="Wingdings 3" pitchFamily="18" charset="2"/>
-              <a:buNone/>
-            </a:pPr>
-            <a:r>
-              <a:rPr lang="en-US" sz="2400" b="1" u="sng">
-                <a:solidFill>
-                  <a:srgbClr val="FF0000"/>
-                </a:solidFill>
-              </a:rPr>
-              <a:t>ANSWER</a:t>
-            </a:r>
-            <a:r>
-              <a:rPr lang="en-US" sz="2400"/>
-              <a:t>........................................................................................</a:t>
-            </a:r>
-          </a:p>
-          <a:p>
-            <a:r>
-              <a:rPr lang="en-US" sz="2000"/>
-              <a:t>Acceptance testing is the process of showing  that the software  meets  the customer’s requirements, not that there aren’t bugs in the code. In fact, given  that a system is put into use,  bugs that require ﬁxing are  almost  certain  to be  found  after acceptance testing. In addition, the system will be  maintained, adding and  changing functionality as  needed. Regression testing  is therefore necessary.</a:t>
-            </a:r>
-          </a:p>
-          <a:p>
-            <a:endParaRPr lang="en-US" sz="2400"/>
-          </a:p>
-        </p:txBody>
-      </p:sp>
-      <p:sp>
-        <p:nvSpPr>
-          <p:cNvPr id="3" name="Title 2"/>
-          <p:cNvSpPr>
-            <a:spLocks noGrp="1"/>
-          </p:cNvSpPr>
-          <p:nvPr>
-            <p:ph type="title"/>
-          </p:nvPr>
-        </p:nvSpPr>
-        <p:spPr>
-          <a:xfrm>
-            <a:off x="304800" y="0"/>
-            <a:ext cx="8839200" cy="609600"/>
-          </a:xfrm>
-        </p:spPr>
-        <p:txBody>
-          <a:bodyPr>
-            <a:noAutofit/>
-          </a:bodyPr>
-          <a:lstStyle/>
-          <a:p>
-            <a:pPr fontAlgn="auto">
-              <a:spcAft>
-                <a:spcPts val="0"/>
-              </a:spcAft>
-              <a:defRPr/>
-            </a:pPr>
-            <a:r>
-              <a:rPr lang="en-US" sz="4400" dirty="0"/>
-              <a:t>Regression testing</a:t>
-            </a:r>
-          </a:p>
-        </p:txBody>
-      </p:sp>
-      <p:sp>
-        <p:nvSpPr>
-          <p:cNvPr id="5" name="Slide Number Placeholder 4"/>
-          <p:cNvSpPr txBox="1">
-            <a:spLocks/>
-          </p:cNvSpPr>
-          <p:nvPr/>
-        </p:nvSpPr>
-        <p:spPr>
-          <a:xfrm>
-            <a:off x="8153400" y="6477000"/>
-            <a:ext cx="758825" cy="247650"/>
-          </a:xfrm>
-          <a:prstGeom prst="rect">
-            <a:avLst/>
-          </a:prstGeom>
-        </p:spPr>
-        <p:txBody>
-          <a:bodyPr/>
-          <a:lstStyle/>
-          <a:p>
-            <a:pPr algn="r"/>
-            <a:fld id="{3E3543C9-65E9-4015-80B5-638E031F27ED}" type="slidenum">
-              <a:rPr lang="ar-SA" sz="1600">
-                <a:solidFill>
-                  <a:srgbClr val="151515"/>
-                </a:solidFill>
-                <a:latin typeface="Book Antiqua" pitchFamily="18" charset="0"/>
-              </a:rPr>
-              <a:pPr algn="r"/>
-              <a:t>28</a:t>
             </a:fld>
             <a:endParaRPr lang="en-US" sz="1600">
               <a:solidFill>
@@ -16831,7 +16703,7 @@
 </p:sld>
 </file>
 
-<file path=ppt/slides/slide29.xml><?xml version="1.0" encoding="utf-8"?>
+<file path=ppt/slides/slide27.xml><?xml version="1.0" encoding="utf-8"?>
 <p:sld xmlns:a="http://schemas.openxmlformats.org/drawingml/2006/main" xmlns:r="http://schemas.openxmlformats.org/officeDocument/2006/relationships" xmlns:p="http://schemas.openxmlformats.org/presentationml/2006/main">
   <p:cSld>
     <p:spTree>
@@ -17038,7 +16910,7 @@
                 <a:latin typeface="Book Antiqua" pitchFamily="18" charset="0"/>
               </a:rPr>
               <a:pPr algn="r"/>
-              <a:t>29</a:t>
+              <a:t>27</a:t>
             </a:fld>
             <a:endParaRPr lang="en-US" sz="1600">
               <a:solidFill>
@@ -17756,115 +17628,6 @@
               <a:latin typeface="+mn-lt"/>
               <a:cs typeface="+mn-cs"/>
             </a:endParaRPr>
-          </a:p>
-        </p:txBody>
-      </p:sp>
-    </p:spTree>
-  </p:cSld>
-  <p:clrMapOvr>
-    <a:masterClrMapping/>
-  </p:clrMapOvr>
-</p:sld>
-</file>
-
-<file path=ppt/slides/slide30.xml><?xml version="1.0" encoding="utf-8"?>
-<p:sld xmlns:a="http://schemas.openxmlformats.org/drawingml/2006/main" xmlns:r="http://schemas.openxmlformats.org/officeDocument/2006/relationships" xmlns:p="http://schemas.openxmlformats.org/presentationml/2006/main">
-  <p:cSld>
-    <p:spTree>
-      <p:nvGrpSpPr>
-        <p:cNvPr id="1" name=""/>
-        <p:cNvGrpSpPr/>
-        <p:nvPr/>
-      </p:nvGrpSpPr>
-      <p:grpSpPr>
-        <a:xfrm>
-          <a:off x="0" y="0"/>
-          <a:ext cx="0" cy="0"/>
-          <a:chOff x="0" y="0"/>
-          <a:chExt cx="0" cy="0"/>
-        </a:xfrm>
-      </p:grpSpPr>
-      <p:sp>
-        <p:nvSpPr>
-          <p:cNvPr id="4" name="Title 3"/>
-          <p:cNvSpPr>
-            <a:spLocks noGrp="1"/>
-          </p:cNvSpPr>
-          <p:nvPr>
-            <p:ph type="title"/>
-          </p:nvPr>
-        </p:nvSpPr>
-        <p:spPr>
-          <a:xfrm>
-            <a:off x="457200" y="2971800"/>
-            <a:ext cx="8229600" cy="1143000"/>
-          </a:xfrm>
-        </p:spPr>
-        <p:txBody>
-          <a:bodyPr/>
-          <a:lstStyle/>
-          <a:p>
-            <a:pPr algn="ctr" fontAlgn="auto">
-              <a:spcAft>
-                <a:spcPts val="0"/>
-              </a:spcAft>
-              <a:defRPr/>
-            </a:pPr>
-            <a:r>
-              <a:rPr lang="en-US" dirty="0">
-                <a:ln w="17780" cmpd="sng">
-                  <a:solidFill>
-                    <a:srgbClr val="FFFFFF"/>
-                  </a:solidFill>
-                  <a:prstDash val="solid"/>
-                  <a:miter lim="800000"/>
-                </a:ln>
-                <a:gradFill rotWithShape="1">
-                  <a:gsLst>
-                    <a:gs pos="0">
-                      <a:srgbClr val="000000">
-                        <a:tint val="92000"/>
-                        <a:shade val="100000"/>
-                        <a:satMod val="150000"/>
-                      </a:srgbClr>
-                    </a:gs>
-                    <a:gs pos="49000">
-                      <a:srgbClr val="000000">
-                        <a:tint val="89000"/>
-                        <a:shade val="90000"/>
-                        <a:satMod val="150000"/>
-                      </a:srgbClr>
-                    </a:gs>
-                    <a:gs pos="50000">
-                      <a:srgbClr val="000000">
-                        <a:tint val="100000"/>
-                        <a:shade val="75000"/>
-                        <a:satMod val="150000"/>
-                      </a:srgbClr>
-                    </a:gs>
-                    <a:gs pos="95000">
-                      <a:srgbClr val="000000">
-                        <a:shade val="47000"/>
-                        <a:satMod val="150000"/>
-                      </a:srgbClr>
-                    </a:gs>
-                    <a:gs pos="100000">
-                      <a:srgbClr val="000000">
-                        <a:shade val="39000"/>
-                        <a:satMod val="150000"/>
-                      </a:srgbClr>
-                    </a:gs>
-                  </a:gsLst>
-                  <a:lin ang="5400000"/>
-                </a:gradFill>
-                <a:effectLst>
-                  <a:outerShdw blurRad="50800" algn="tl" rotWithShape="0">
-                    <a:srgbClr val="000000"/>
-                  </a:outerShdw>
-                </a:effectLst>
-              </a:rPr>
-              <a:t>Thank you</a:t>
-            </a:r>
           </a:p>
         </p:txBody>
       </p:sp>
